--- a/Visual Product Search.pptx
+++ b/Visual Product Search.pptx
@@ -126,97 +126,6 @@
 
 <file path=ppt/changesInfos/changesInfo1.xml><?xml version="1.0" encoding="utf-8"?>
 <pc:chgInfo xmlns:a="http://schemas.openxmlformats.org/drawingml/2006/main" xmlns:r="http://schemas.openxmlformats.org/officeDocument/2006/relationships" xmlns:ac="http://schemas.microsoft.com/office/drawing/2013/main/command" xmlns:pc="http://schemas.microsoft.com/office/powerpoint/2013/main/command">
-  <pc:docChgLst>
-    <pc:chgData name="Sri Sai Divyakola" userId="d0ce571cec302033" providerId="LiveId" clId="{76C90517-073A-4A4B-A641-0FA1294AF204}"/>
-    <pc:docChg chg="undo custSel modSld">
-      <pc:chgData name="Sri Sai Divyakola" userId="d0ce571cec302033" providerId="LiveId" clId="{76C90517-073A-4A4B-A641-0FA1294AF204}" dt="2023-09-06T17:02:00.288" v="25" actId="9405"/>
-      <pc:docMkLst>
-        <pc:docMk/>
-      </pc:docMkLst>
-      <pc:sldChg chg="modTransition">
-        <pc:chgData name="Sri Sai Divyakola" userId="d0ce571cec302033" providerId="LiveId" clId="{76C90517-073A-4A4B-A641-0FA1294AF204}" dt="2023-09-06T16:59:27.311" v="15"/>
-        <pc:sldMkLst>
-          <pc:docMk/>
-          <pc:sldMk cId="1617677418" sldId="256"/>
-        </pc:sldMkLst>
-      </pc:sldChg>
-      <pc:sldChg chg="modTransition">
-        <pc:chgData name="Sri Sai Divyakola" userId="d0ce571cec302033" providerId="LiveId" clId="{76C90517-073A-4A4B-A641-0FA1294AF204}" dt="2023-09-06T16:59:27.311" v="15"/>
-        <pc:sldMkLst>
-          <pc:docMk/>
-          <pc:sldMk cId="768627278" sldId="257"/>
-        </pc:sldMkLst>
-      </pc:sldChg>
-      <pc:sldChg chg="addSp delSp mod modTransition">
-        <pc:chgData name="Sri Sai Divyakola" userId="d0ce571cec302033" providerId="LiveId" clId="{76C90517-073A-4A4B-A641-0FA1294AF204}" dt="2023-09-06T17:02:00.288" v="25" actId="9405"/>
-        <pc:sldMkLst>
-          <pc:docMk/>
-          <pc:sldMk cId="2176844097" sldId="258"/>
-        </pc:sldMkLst>
-        <pc:inkChg chg="add del">
-          <ac:chgData name="Sri Sai Divyakola" userId="d0ce571cec302033" providerId="LiveId" clId="{76C90517-073A-4A4B-A641-0FA1294AF204}" dt="2023-09-06T17:02:00.288" v="25" actId="9405"/>
-          <ac:inkMkLst>
-            <pc:docMk/>
-            <pc:sldMk cId="2176844097" sldId="258"/>
-            <ac:inkMk id="3" creationId="{0F2A197A-182C-A16E-79A8-439686C35DE3}"/>
-          </ac:inkMkLst>
-        </pc:inkChg>
-        <pc:inkChg chg="add del">
-          <ac:chgData name="Sri Sai Divyakola" userId="d0ce571cec302033" providerId="LiveId" clId="{76C90517-073A-4A4B-A641-0FA1294AF204}" dt="2023-09-06T17:01:59.874" v="24" actId="9405"/>
-          <ac:inkMkLst>
-            <pc:docMk/>
-            <pc:sldMk cId="2176844097" sldId="258"/>
-            <ac:inkMk id="4" creationId="{6DE781E6-756F-B38F-AB59-C92625408060}"/>
-          </ac:inkMkLst>
-        </pc:inkChg>
-        <pc:inkChg chg="add del">
-          <ac:chgData name="Sri Sai Divyakola" userId="d0ce571cec302033" providerId="LiveId" clId="{76C90517-073A-4A4B-A641-0FA1294AF204}" dt="2023-09-06T17:01:59.476" v="23" actId="9405"/>
-          <ac:inkMkLst>
-            <pc:docMk/>
-            <pc:sldMk cId="2176844097" sldId="258"/>
-            <ac:inkMk id="6" creationId="{6ED21651-9243-34E7-4C23-417B05C665BE}"/>
-          </ac:inkMkLst>
-        </pc:inkChg>
-        <pc:inkChg chg="add del">
-          <ac:chgData name="Sri Sai Divyakola" userId="d0ce571cec302033" providerId="LiveId" clId="{76C90517-073A-4A4B-A641-0FA1294AF204}" dt="2023-09-06T17:01:59.094" v="22" actId="9405"/>
-          <ac:inkMkLst>
-            <pc:docMk/>
-            <pc:sldMk cId="2176844097" sldId="258"/>
-            <ac:inkMk id="7" creationId="{5DFB8319-4751-2AF9-C6A0-5EA52FE14D68}"/>
-          </ac:inkMkLst>
-        </pc:inkChg>
-        <pc:inkChg chg="add del">
-          <ac:chgData name="Sri Sai Divyakola" userId="d0ce571cec302033" providerId="LiveId" clId="{76C90517-073A-4A4B-A641-0FA1294AF204}" dt="2023-09-06T17:01:58.114" v="21" actId="9405"/>
-          <ac:inkMkLst>
-            <pc:docMk/>
-            <pc:sldMk cId="2176844097" sldId="258"/>
-            <ac:inkMk id="8" creationId="{6359B5D6-3172-BDF5-0C00-AC6079E759E5}"/>
-          </ac:inkMkLst>
-        </pc:inkChg>
-      </pc:sldChg>
-      <pc:sldChg chg="modTransition">
-        <pc:chgData name="Sri Sai Divyakola" userId="d0ce571cec302033" providerId="LiveId" clId="{76C90517-073A-4A4B-A641-0FA1294AF204}" dt="2023-09-06T16:59:27.311" v="15"/>
-        <pc:sldMkLst>
-          <pc:docMk/>
-          <pc:sldMk cId="924334331" sldId="259"/>
-        </pc:sldMkLst>
-      </pc:sldChg>
-      <pc:sldChg chg="modTransition">
-        <pc:chgData name="Sri Sai Divyakola" userId="d0ce571cec302033" providerId="LiveId" clId="{76C90517-073A-4A4B-A641-0FA1294AF204}" dt="2023-09-06T16:59:27.311" v="15"/>
-        <pc:sldMkLst>
-          <pc:docMk/>
-          <pc:sldMk cId="2854166685" sldId="260"/>
-        </pc:sldMkLst>
-      </pc:sldChg>
-      <pc:sldChg chg="modTransition">
-        <pc:chgData name="Sri Sai Divyakola" userId="d0ce571cec302033" providerId="LiveId" clId="{76C90517-073A-4A4B-A641-0FA1294AF204}" dt="2023-09-06T16:59:27.311" v="15"/>
-        <pc:sldMkLst>
-          <pc:docMk/>
-          <pc:sldMk cId="3148776185" sldId="261"/>
-        </pc:sldMkLst>
-      </pc:sldChg>
-    </pc:docChg>
-  </pc:docChgLst>
   <pc:docChgLst>
     <pc:chgData name="Sri Sai Divyakola" userId="d0ce571cec302033" providerId="LiveId" clId="{BF1502D1-F342-4540-9FD3-D68C095AC8A0}"/>
     <pc:docChg chg="undo redo custSel delSld modSld">
@@ -1484,6 +1393,97 @@
       </pc:sldChg>
     </pc:docChg>
   </pc:docChgLst>
+  <pc:docChgLst>
+    <pc:chgData name="Sri Sai Divyakola" userId="d0ce571cec302033" providerId="LiveId" clId="{76C90517-073A-4A4B-A641-0FA1294AF204}"/>
+    <pc:docChg chg="undo custSel modSld">
+      <pc:chgData name="Sri Sai Divyakola" userId="d0ce571cec302033" providerId="LiveId" clId="{76C90517-073A-4A4B-A641-0FA1294AF204}" dt="2023-09-06T17:02:00.288" v="25" actId="9405"/>
+      <pc:docMkLst>
+        <pc:docMk/>
+      </pc:docMkLst>
+      <pc:sldChg chg="modTransition">
+        <pc:chgData name="Sri Sai Divyakola" userId="d0ce571cec302033" providerId="LiveId" clId="{76C90517-073A-4A4B-A641-0FA1294AF204}" dt="2023-09-06T16:59:27.311" v="15"/>
+        <pc:sldMkLst>
+          <pc:docMk/>
+          <pc:sldMk cId="1617677418" sldId="256"/>
+        </pc:sldMkLst>
+      </pc:sldChg>
+      <pc:sldChg chg="modTransition">
+        <pc:chgData name="Sri Sai Divyakola" userId="d0ce571cec302033" providerId="LiveId" clId="{76C90517-073A-4A4B-A641-0FA1294AF204}" dt="2023-09-06T16:59:27.311" v="15"/>
+        <pc:sldMkLst>
+          <pc:docMk/>
+          <pc:sldMk cId="768627278" sldId="257"/>
+        </pc:sldMkLst>
+      </pc:sldChg>
+      <pc:sldChg chg="addSp delSp mod modTransition">
+        <pc:chgData name="Sri Sai Divyakola" userId="d0ce571cec302033" providerId="LiveId" clId="{76C90517-073A-4A4B-A641-0FA1294AF204}" dt="2023-09-06T17:02:00.288" v="25" actId="9405"/>
+        <pc:sldMkLst>
+          <pc:docMk/>
+          <pc:sldMk cId="2176844097" sldId="258"/>
+        </pc:sldMkLst>
+        <pc:inkChg chg="add del">
+          <ac:chgData name="Sri Sai Divyakola" userId="d0ce571cec302033" providerId="LiveId" clId="{76C90517-073A-4A4B-A641-0FA1294AF204}" dt="2023-09-06T17:02:00.288" v="25" actId="9405"/>
+          <ac:inkMkLst>
+            <pc:docMk/>
+            <pc:sldMk cId="2176844097" sldId="258"/>
+            <ac:inkMk id="3" creationId="{0F2A197A-182C-A16E-79A8-439686C35DE3}"/>
+          </ac:inkMkLst>
+        </pc:inkChg>
+        <pc:inkChg chg="add del">
+          <ac:chgData name="Sri Sai Divyakola" userId="d0ce571cec302033" providerId="LiveId" clId="{76C90517-073A-4A4B-A641-0FA1294AF204}" dt="2023-09-06T17:01:59.874" v="24" actId="9405"/>
+          <ac:inkMkLst>
+            <pc:docMk/>
+            <pc:sldMk cId="2176844097" sldId="258"/>
+            <ac:inkMk id="4" creationId="{6DE781E6-756F-B38F-AB59-C92625408060}"/>
+          </ac:inkMkLst>
+        </pc:inkChg>
+        <pc:inkChg chg="add del">
+          <ac:chgData name="Sri Sai Divyakola" userId="d0ce571cec302033" providerId="LiveId" clId="{76C90517-073A-4A4B-A641-0FA1294AF204}" dt="2023-09-06T17:01:59.476" v="23" actId="9405"/>
+          <ac:inkMkLst>
+            <pc:docMk/>
+            <pc:sldMk cId="2176844097" sldId="258"/>
+            <ac:inkMk id="6" creationId="{6ED21651-9243-34E7-4C23-417B05C665BE}"/>
+          </ac:inkMkLst>
+        </pc:inkChg>
+        <pc:inkChg chg="add del">
+          <ac:chgData name="Sri Sai Divyakola" userId="d0ce571cec302033" providerId="LiveId" clId="{76C90517-073A-4A4B-A641-0FA1294AF204}" dt="2023-09-06T17:01:59.094" v="22" actId="9405"/>
+          <ac:inkMkLst>
+            <pc:docMk/>
+            <pc:sldMk cId="2176844097" sldId="258"/>
+            <ac:inkMk id="7" creationId="{5DFB8319-4751-2AF9-C6A0-5EA52FE14D68}"/>
+          </ac:inkMkLst>
+        </pc:inkChg>
+        <pc:inkChg chg="add del">
+          <ac:chgData name="Sri Sai Divyakola" userId="d0ce571cec302033" providerId="LiveId" clId="{76C90517-073A-4A4B-A641-0FA1294AF204}" dt="2023-09-06T17:01:58.114" v="21" actId="9405"/>
+          <ac:inkMkLst>
+            <pc:docMk/>
+            <pc:sldMk cId="2176844097" sldId="258"/>
+            <ac:inkMk id="8" creationId="{6359B5D6-3172-BDF5-0C00-AC6079E759E5}"/>
+          </ac:inkMkLst>
+        </pc:inkChg>
+      </pc:sldChg>
+      <pc:sldChg chg="modTransition">
+        <pc:chgData name="Sri Sai Divyakola" userId="d0ce571cec302033" providerId="LiveId" clId="{76C90517-073A-4A4B-A641-0FA1294AF204}" dt="2023-09-06T16:59:27.311" v="15"/>
+        <pc:sldMkLst>
+          <pc:docMk/>
+          <pc:sldMk cId="924334331" sldId="259"/>
+        </pc:sldMkLst>
+      </pc:sldChg>
+      <pc:sldChg chg="modTransition">
+        <pc:chgData name="Sri Sai Divyakola" userId="d0ce571cec302033" providerId="LiveId" clId="{76C90517-073A-4A4B-A641-0FA1294AF204}" dt="2023-09-06T16:59:27.311" v="15"/>
+        <pc:sldMkLst>
+          <pc:docMk/>
+          <pc:sldMk cId="2854166685" sldId="260"/>
+        </pc:sldMkLst>
+      </pc:sldChg>
+      <pc:sldChg chg="modTransition">
+        <pc:chgData name="Sri Sai Divyakola" userId="d0ce571cec302033" providerId="LiveId" clId="{76C90517-073A-4A4B-A641-0FA1294AF204}" dt="2023-09-06T16:59:27.311" v="15"/>
+        <pc:sldMkLst>
+          <pc:docMk/>
+          <pc:sldMk cId="3148776185" sldId="261"/>
+        </pc:sldMkLst>
+      </pc:sldChg>
+    </pc:docChg>
+  </pc:docChgLst>
 </pc:chgInfo>
 </file>
 
@@ -4227,221 +4227,6 @@
         </a:p>
       </dgm:t>
     </dgm:pt>
-    <dgm:pt modelId="{7E86C876-772A-4436-A5DA-3285D22AB676}">
-      <dgm:prSet/>
-      <dgm:spPr/>
-      <dgm:t>
-        <a:bodyPr/>
-        <a:lstStyle/>
-        <a:p>
-          <a:pPr>
-            <a:lnSpc>
-              <a:spcPct val="100000"/>
-            </a:lnSpc>
-            <a:defRPr cap="all"/>
-          </a:pPr>
-          <a:r>
-            <a:rPr lang="en-IN"/>
-            <a:t>4. User Interface Design</a:t>
-          </a:r>
-          <a:endParaRPr lang="en-US"/>
-        </a:p>
-      </dgm:t>
-    </dgm:pt>
-    <dgm:pt modelId="{F851B763-B100-4091-89CF-D10B6247435E}" type="parTrans" cxnId="{F373DB66-CF95-400D-B30D-A7A266371154}">
-      <dgm:prSet/>
-      <dgm:spPr/>
-      <dgm:t>
-        <a:bodyPr/>
-        <a:lstStyle/>
-        <a:p>
-          <a:endParaRPr lang="en-US"/>
-        </a:p>
-      </dgm:t>
-    </dgm:pt>
-    <dgm:pt modelId="{E11BFAB0-B96F-4CE4-BC23-71D18F80F853}" type="sibTrans" cxnId="{F373DB66-CF95-400D-B30D-A7A266371154}">
-      <dgm:prSet/>
-      <dgm:spPr/>
-      <dgm:t>
-        <a:bodyPr/>
-        <a:lstStyle/>
-        <a:p>
-          <a:endParaRPr lang="en-US"/>
-        </a:p>
-      </dgm:t>
-    </dgm:pt>
-    <dgm:pt modelId="{DBBE3244-45A5-4A6C-9DFA-B8680A7D247D}">
-      <dgm:prSet/>
-      <dgm:spPr/>
-      <dgm:t>
-        <a:bodyPr/>
-        <a:lstStyle/>
-        <a:p>
-          <a:pPr>
-            <a:lnSpc>
-              <a:spcPct val="100000"/>
-            </a:lnSpc>
-            <a:defRPr cap="all"/>
-          </a:pPr>
-          <a:r>
-            <a:rPr lang="en-IN"/>
-            <a:t>5. Data Preprocessing</a:t>
-          </a:r>
-          <a:endParaRPr lang="en-US"/>
-        </a:p>
-      </dgm:t>
-    </dgm:pt>
-    <dgm:pt modelId="{6FDEAC19-656C-4CA2-8B76-ABAC2EA7637E}" type="parTrans" cxnId="{97BF89F4-9DB3-45A6-A0A7-23F2C595E553}">
-      <dgm:prSet/>
-      <dgm:spPr/>
-      <dgm:t>
-        <a:bodyPr/>
-        <a:lstStyle/>
-        <a:p>
-          <a:endParaRPr lang="en-US"/>
-        </a:p>
-      </dgm:t>
-    </dgm:pt>
-    <dgm:pt modelId="{C7F76EE9-355E-49BF-915B-8B3CD8C0B654}" type="sibTrans" cxnId="{97BF89F4-9DB3-45A6-A0A7-23F2C595E553}">
-      <dgm:prSet/>
-      <dgm:spPr/>
-      <dgm:t>
-        <a:bodyPr/>
-        <a:lstStyle/>
-        <a:p>
-          <a:endParaRPr lang="en-US"/>
-        </a:p>
-      </dgm:t>
-    </dgm:pt>
-    <dgm:pt modelId="{FDCBCD64-1C2C-42D9-A87C-A83BCFEC0354}">
-      <dgm:prSet/>
-      <dgm:spPr/>
-      <dgm:t>
-        <a:bodyPr/>
-        <a:lstStyle/>
-        <a:p>
-          <a:pPr>
-            <a:lnSpc>
-              <a:spcPct val="100000"/>
-            </a:lnSpc>
-            <a:defRPr cap="all"/>
-          </a:pPr>
-          <a:r>
-            <a:rPr lang="en-IN"/>
-            <a:t>6. Search Engine Integration</a:t>
-          </a:r>
-          <a:endParaRPr lang="en-US"/>
-        </a:p>
-      </dgm:t>
-    </dgm:pt>
-    <dgm:pt modelId="{86AF6055-588D-4A15-B8E7-A1D29AC92E50}" type="parTrans" cxnId="{F75890F0-0472-4140-A238-C428EBB052A2}">
-      <dgm:prSet/>
-      <dgm:spPr/>
-      <dgm:t>
-        <a:bodyPr/>
-        <a:lstStyle/>
-        <a:p>
-          <a:endParaRPr lang="en-US"/>
-        </a:p>
-      </dgm:t>
-    </dgm:pt>
-    <dgm:pt modelId="{573F2406-3BDC-4EDC-98C8-CBE33B87BFEE}" type="sibTrans" cxnId="{F75890F0-0472-4140-A238-C428EBB052A2}">
-      <dgm:prSet/>
-      <dgm:spPr/>
-      <dgm:t>
-        <a:bodyPr/>
-        <a:lstStyle/>
-        <a:p>
-          <a:endParaRPr lang="en-US"/>
-        </a:p>
-      </dgm:t>
-    </dgm:pt>
-    <dgm:pt modelId="{9F974056-6DE5-4079-B1A0-DDD792989A14}">
-      <dgm:prSet/>
-      <dgm:spPr/>
-      <dgm:t>
-        <a:bodyPr/>
-        <a:lstStyle/>
-        <a:p>
-          <a:pPr>
-            <a:lnSpc>
-              <a:spcPct val="100000"/>
-            </a:lnSpc>
-            <a:defRPr cap="all"/>
-          </a:pPr>
-          <a:r>
-            <a:rPr lang="en-IN"/>
-            <a:t>7. Evaluation Metrics</a:t>
-          </a:r>
-          <a:endParaRPr lang="en-US"/>
-        </a:p>
-      </dgm:t>
-    </dgm:pt>
-    <dgm:pt modelId="{4DED6B60-1F36-45DF-98B8-262DE1806798}" type="parTrans" cxnId="{E09A408B-F160-4148-9499-1002DC14B155}">
-      <dgm:prSet/>
-      <dgm:spPr/>
-      <dgm:t>
-        <a:bodyPr/>
-        <a:lstStyle/>
-        <a:p>
-          <a:endParaRPr lang="en-US"/>
-        </a:p>
-      </dgm:t>
-    </dgm:pt>
-    <dgm:pt modelId="{B5EE978D-04AB-436C-AFCD-6DEC06E7AD1F}" type="sibTrans" cxnId="{E09A408B-F160-4148-9499-1002DC14B155}">
-      <dgm:prSet/>
-      <dgm:spPr/>
-      <dgm:t>
-        <a:bodyPr/>
-        <a:lstStyle/>
-        <a:p>
-          <a:endParaRPr lang="en-US"/>
-        </a:p>
-      </dgm:t>
-    </dgm:pt>
-    <dgm:pt modelId="{16437F73-F21F-47EA-874D-89E4D13F64C4}">
-      <dgm:prSet/>
-      <dgm:spPr/>
-      <dgm:t>
-        <a:bodyPr/>
-        <a:lstStyle/>
-        <a:p>
-          <a:pPr>
-            <a:lnSpc>
-              <a:spcPct val="100000"/>
-            </a:lnSpc>
-            <a:defRPr cap="all"/>
-          </a:pPr>
-          <a:r>
-            <a:rPr lang="en-IN"/>
-            <a:t>8. Continuous Learning and Feedback</a:t>
-          </a:r>
-          <a:endParaRPr lang="en-US"/>
-        </a:p>
-      </dgm:t>
-    </dgm:pt>
-    <dgm:pt modelId="{374ACF71-7A79-4BE2-AFD7-0E454B90A92F}" type="parTrans" cxnId="{24EE25DE-C379-494B-A5BB-D4677A79A807}">
-      <dgm:prSet/>
-      <dgm:spPr/>
-      <dgm:t>
-        <a:bodyPr/>
-        <a:lstStyle/>
-        <a:p>
-          <a:endParaRPr lang="en-US"/>
-        </a:p>
-      </dgm:t>
-    </dgm:pt>
-    <dgm:pt modelId="{F5D0E9DF-F3F8-4E12-BECA-4314388E29CA}" type="sibTrans" cxnId="{24EE25DE-C379-494B-A5BB-D4677A79A807}">
-      <dgm:prSet/>
-      <dgm:spPr/>
-      <dgm:t>
-        <a:bodyPr/>
-        <a:lstStyle/>
-        <a:p>
-          <a:endParaRPr lang="en-US"/>
-        </a:p>
-      </dgm:t>
-    </dgm:pt>
     <dgm:pt modelId="{CCD2EA1F-730F-41BD-9543-055F160623A7}" type="pres">
       <dgm:prSet presAssocID="{94454E00-E015-4BF8-90E8-6851AE89EFCC}" presName="root" presStyleCnt="0">
         <dgm:presLayoutVars>
@@ -4456,7 +4241,7 @@
       <dgm:spPr/>
     </dgm:pt>
     <dgm:pt modelId="{FF4DA095-342D-4432-BCE0-D86EB65A879D}" type="pres">
-      <dgm:prSet presAssocID="{DA3CF126-BF6E-42F4-A6EC-CAA2230BB438}" presName="iconBgRect" presStyleLbl="bgShp" presStyleIdx="0" presStyleCnt="8"/>
+      <dgm:prSet presAssocID="{DA3CF126-BF6E-42F4-A6EC-CAA2230BB438}" presName="iconBgRect" presStyleLbl="bgShp" presStyleIdx="0" presStyleCnt="3"/>
       <dgm:spPr>
         <a:prstGeom prst="round2DiagRect">
           <a:avLst>
@@ -4467,7 +4252,7 @@
       </dgm:spPr>
     </dgm:pt>
     <dgm:pt modelId="{43847D0C-4F91-44F7-8E6F-C4621B56D2F5}" type="pres">
-      <dgm:prSet presAssocID="{DA3CF126-BF6E-42F4-A6EC-CAA2230BB438}" presName="iconRect" presStyleLbl="node1" presStyleIdx="0" presStyleCnt="8"/>
+      <dgm:prSet presAssocID="{DA3CF126-BF6E-42F4-A6EC-CAA2230BB438}" presName="iconRect" presStyleLbl="node1" presStyleIdx="0" presStyleCnt="3"/>
       <dgm:spPr>
         <a:blipFill>
           <a:blip xmlns:r="http://schemas.openxmlformats.org/officeDocument/2006/relationships" r:embed="rId1">
@@ -4499,7 +4284,7 @@
       <dgm:spPr/>
     </dgm:pt>
     <dgm:pt modelId="{8DDB5E2A-7EA5-4519-B2E0-CE83A3FB9BDD}" type="pres">
-      <dgm:prSet presAssocID="{DA3CF126-BF6E-42F4-A6EC-CAA2230BB438}" presName="textRect" presStyleLbl="revTx" presStyleIdx="0" presStyleCnt="8">
+      <dgm:prSet presAssocID="{DA3CF126-BF6E-42F4-A6EC-CAA2230BB438}" presName="textRect" presStyleLbl="revTx" presStyleIdx="0" presStyleCnt="3">
         <dgm:presLayoutVars>
           <dgm:chMax val="1"/>
           <dgm:chPref val="1"/>
@@ -4516,7 +4301,7 @@
       <dgm:spPr/>
     </dgm:pt>
     <dgm:pt modelId="{B386A71E-81D6-4F54-93C1-0DD078AB3CA3}" type="pres">
-      <dgm:prSet presAssocID="{772B70FC-B3F6-48AD-8655-013B6A86B113}" presName="iconBgRect" presStyleLbl="bgShp" presStyleIdx="1" presStyleCnt="8"/>
+      <dgm:prSet presAssocID="{772B70FC-B3F6-48AD-8655-013B6A86B113}" presName="iconBgRect" presStyleLbl="bgShp" presStyleIdx="1" presStyleCnt="3"/>
       <dgm:spPr>
         <a:prstGeom prst="round2DiagRect">
           <a:avLst>
@@ -4527,7 +4312,7 @@
       </dgm:spPr>
     </dgm:pt>
     <dgm:pt modelId="{02A0B05E-760A-4935-8ADB-3F36DE5B41A6}" type="pres">
-      <dgm:prSet presAssocID="{772B70FC-B3F6-48AD-8655-013B6A86B113}" presName="iconRect" presStyleLbl="node1" presStyleIdx="1" presStyleCnt="8"/>
+      <dgm:prSet presAssocID="{772B70FC-B3F6-48AD-8655-013B6A86B113}" presName="iconRect" presStyleLbl="node1" presStyleIdx="1" presStyleCnt="3"/>
       <dgm:spPr>
         <a:blipFill>
           <a:blip xmlns:r="http://schemas.openxmlformats.org/officeDocument/2006/relationships" r:embed="rId3">
@@ -4559,7 +4344,7 @@
       <dgm:spPr/>
     </dgm:pt>
     <dgm:pt modelId="{854A6AF3-CF25-4DC0-AB2E-3B3090BA1411}" type="pres">
-      <dgm:prSet presAssocID="{772B70FC-B3F6-48AD-8655-013B6A86B113}" presName="textRect" presStyleLbl="revTx" presStyleIdx="1" presStyleCnt="8">
+      <dgm:prSet presAssocID="{772B70FC-B3F6-48AD-8655-013B6A86B113}" presName="textRect" presStyleLbl="revTx" presStyleIdx="1" presStyleCnt="3">
         <dgm:presLayoutVars>
           <dgm:chMax val="1"/>
           <dgm:chPref val="1"/>
@@ -4576,7 +4361,7 @@
       <dgm:spPr/>
     </dgm:pt>
     <dgm:pt modelId="{16EBE3DB-92D6-40DC-BDC2-F80AA73A0380}" type="pres">
-      <dgm:prSet presAssocID="{6EF9D92E-4B99-4881-895F-849869CD0120}" presName="iconBgRect" presStyleLbl="bgShp" presStyleIdx="2" presStyleCnt="8"/>
+      <dgm:prSet presAssocID="{6EF9D92E-4B99-4881-895F-849869CD0120}" presName="iconBgRect" presStyleLbl="bgShp" presStyleIdx="2" presStyleCnt="3"/>
       <dgm:spPr>
         <a:prstGeom prst="round2DiagRect">
           <a:avLst>
@@ -4587,7 +4372,7 @@
       </dgm:spPr>
     </dgm:pt>
     <dgm:pt modelId="{70DBFDA6-9998-45EC-986F-2B89C4D23DB8}" type="pres">
-      <dgm:prSet presAssocID="{6EF9D92E-4B99-4881-895F-849869CD0120}" presName="iconRect" presStyleLbl="node1" presStyleIdx="2" presStyleCnt="8"/>
+      <dgm:prSet presAssocID="{6EF9D92E-4B99-4881-895F-849869CD0120}" presName="iconRect" presStyleLbl="node1" presStyleIdx="2" presStyleCnt="3"/>
       <dgm:spPr>
         <a:blipFill>
           <a:blip xmlns:r="http://schemas.openxmlformats.org/officeDocument/2006/relationships" r:embed="rId5">
@@ -4619,307 +4404,7 @@
       <dgm:spPr/>
     </dgm:pt>
     <dgm:pt modelId="{77192564-7E3F-4574-A335-C326752D3F4D}" type="pres">
-      <dgm:prSet presAssocID="{6EF9D92E-4B99-4881-895F-849869CD0120}" presName="textRect" presStyleLbl="revTx" presStyleIdx="2" presStyleCnt="8">
-        <dgm:presLayoutVars>
-          <dgm:chMax val="1"/>
-          <dgm:chPref val="1"/>
-        </dgm:presLayoutVars>
-      </dgm:prSet>
-      <dgm:spPr/>
-    </dgm:pt>
-    <dgm:pt modelId="{15B45AE4-6388-4491-BB6D-A8BCA7D12694}" type="pres">
-      <dgm:prSet presAssocID="{0340FCAD-2C70-4D69-AF19-ED413038B1B8}" presName="sibTrans" presStyleCnt="0"/>
-      <dgm:spPr/>
-    </dgm:pt>
-    <dgm:pt modelId="{58F61141-1BD4-43EE-9A58-DF4B70F63DFD}" type="pres">
-      <dgm:prSet presAssocID="{7E86C876-772A-4436-A5DA-3285D22AB676}" presName="compNode" presStyleCnt="0"/>
-      <dgm:spPr/>
-    </dgm:pt>
-    <dgm:pt modelId="{1CE74221-926B-433D-B7F8-9E20A810AB7A}" type="pres">
-      <dgm:prSet presAssocID="{7E86C876-772A-4436-A5DA-3285D22AB676}" presName="iconBgRect" presStyleLbl="bgShp" presStyleIdx="3" presStyleCnt="8"/>
-      <dgm:spPr>
-        <a:prstGeom prst="round2DiagRect">
-          <a:avLst>
-            <a:gd name="adj1" fmla="val 29727"/>
-            <a:gd name="adj2" fmla="val 0"/>
-          </a:avLst>
-        </a:prstGeom>
-      </dgm:spPr>
-    </dgm:pt>
-    <dgm:pt modelId="{E69861CE-3A1D-4F6B-BB59-C44CF15C92BB}" type="pres">
-      <dgm:prSet presAssocID="{7E86C876-772A-4436-A5DA-3285D22AB676}" presName="iconRect" presStyleLbl="node1" presStyleIdx="3" presStyleCnt="8"/>
-      <dgm:spPr>
-        <a:blipFill>
-          <a:blip xmlns:r="http://schemas.openxmlformats.org/officeDocument/2006/relationships" r:embed="rId7">
-            <a:extLst>
-              <a:ext uri="{28A0092B-C50C-407E-A947-70E740481C1C}">
-                <a14:useLocalDpi xmlns:a14="http://schemas.microsoft.com/office/drawing/2010/main" val="0"/>
-              </a:ext>
-              <a:ext uri="{96DAC541-7B7A-43D3-8B79-37D633B846F1}">
-                <asvg:svgBlip xmlns:asvg="http://schemas.microsoft.com/office/drawing/2016/SVG/main" r:embed="rId8"/>
-              </a:ext>
-            </a:extLst>
-          </a:blip>
-          <a:stretch>
-            <a:fillRect/>
-          </a:stretch>
-        </a:blipFill>
-        <a:ln>
-          <a:noFill/>
-        </a:ln>
-      </dgm:spPr>
-      <dgm:extLst>
-        <a:ext uri="{E40237B7-FDA0-4F09-8148-C483321AD2D9}">
-          <dgm14:cNvPr xmlns:dgm14="http://schemas.microsoft.com/office/drawing/2010/diagram" id="0" name="" descr="User"/>
-        </a:ext>
-      </dgm:extLst>
-    </dgm:pt>
-    <dgm:pt modelId="{6FFC301D-27AD-425C-8560-15400D35C41A}" type="pres">
-      <dgm:prSet presAssocID="{7E86C876-772A-4436-A5DA-3285D22AB676}" presName="spaceRect" presStyleCnt="0"/>
-      <dgm:spPr/>
-    </dgm:pt>
-    <dgm:pt modelId="{DA663ABB-EC51-4439-B728-B17029B5E6B7}" type="pres">
-      <dgm:prSet presAssocID="{7E86C876-772A-4436-A5DA-3285D22AB676}" presName="textRect" presStyleLbl="revTx" presStyleIdx="3" presStyleCnt="8">
-        <dgm:presLayoutVars>
-          <dgm:chMax val="1"/>
-          <dgm:chPref val="1"/>
-        </dgm:presLayoutVars>
-      </dgm:prSet>
-      <dgm:spPr/>
-    </dgm:pt>
-    <dgm:pt modelId="{77F1F5D5-945C-4465-844A-26B271E525ED}" type="pres">
-      <dgm:prSet presAssocID="{E11BFAB0-B96F-4CE4-BC23-71D18F80F853}" presName="sibTrans" presStyleCnt="0"/>
-      <dgm:spPr/>
-    </dgm:pt>
-    <dgm:pt modelId="{511D99B9-C877-4442-9A45-A6272AC93D6B}" type="pres">
-      <dgm:prSet presAssocID="{DBBE3244-45A5-4A6C-9DFA-B8680A7D247D}" presName="compNode" presStyleCnt="0"/>
-      <dgm:spPr/>
-    </dgm:pt>
-    <dgm:pt modelId="{10B722E1-984F-483B-B462-8D2329F8A8CE}" type="pres">
-      <dgm:prSet presAssocID="{DBBE3244-45A5-4A6C-9DFA-B8680A7D247D}" presName="iconBgRect" presStyleLbl="bgShp" presStyleIdx="4" presStyleCnt="8"/>
-      <dgm:spPr>
-        <a:prstGeom prst="round2DiagRect">
-          <a:avLst>
-            <a:gd name="adj1" fmla="val 29727"/>
-            <a:gd name="adj2" fmla="val 0"/>
-          </a:avLst>
-        </a:prstGeom>
-      </dgm:spPr>
-    </dgm:pt>
-    <dgm:pt modelId="{DF69D6E3-1DC9-4A8D-816C-4A84702866A7}" type="pres">
-      <dgm:prSet presAssocID="{DBBE3244-45A5-4A6C-9DFA-B8680A7D247D}" presName="iconRect" presStyleLbl="node1" presStyleIdx="4" presStyleCnt="8"/>
-      <dgm:spPr>
-        <a:blipFill>
-          <a:blip xmlns:r="http://schemas.openxmlformats.org/officeDocument/2006/relationships" r:embed="rId9">
-            <a:extLst>
-              <a:ext uri="{28A0092B-C50C-407E-A947-70E740481C1C}">
-                <a14:useLocalDpi xmlns:a14="http://schemas.microsoft.com/office/drawing/2010/main" val="0"/>
-              </a:ext>
-              <a:ext uri="{96DAC541-7B7A-43D3-8B79-37D633B846F1}">
-                <asvg:svgBlip xmlns:asvg="http://schemas.microsoft.com/office/drawing/2016/SVG/main" r:embed="rId10"/>
-              </a:ext>
-            </a:extLst>
-          </a:blip>
-          <a:stretch>
-            <a:fillRect/>
-          </a:stretch>
-        </a:blipFill>
-        <a:ln>
-          <a:noFill/>
-        </a:ln>
-      </dgm:spPr>
-      <dgm:extLst>
-        <a:ext uri="{E40237B7-FDA0-4F09-8148-C483321AD2D9}">
-          <dgm14:cNvPr xmlns:dgm14="http://schemas.microsoft.com/office/drawing/2010/diagram" id="0" name="" descr="Bar chart"/>
-        </a:ext>
-      </dgm:extLst>
-    </dgm:pt>
-    <dgm:pt modelId="{CDB0C6BE-2A96-4D20-9155-68C29A2FA3BC}" type="pres">
-      <dgm:prSet presAssocID="{DBBE3244-45A5-4A6C-9DFA-B8680A7D247D}" presName="spaceRect" presStyleCnt="0"/>
-      <dgm:spPr/>
-    </dgm:pt>
-    <dgm:pt modelId="{AD817F3B-24CB-4D1F-83E8-E45BFA260A14}" type="pres">
-      <dgm:prSet presAssocID="{DBBE3244-45A5-4A6C-9DFA-B8680A7D247D}" presName="textRect" presStyleLbl="revTx" presStyleIdx="4" presStyleCnt="8">
-        <dgm:presLayoutVars>
-          <dgm:chMax val="1"/>
-          <dgm:chPref val="1"/>
-        </dgm:presLayoutVars>
-      </dgm:prSet>
-      <dgm:spPr/>
-    </dgm:pt>
-    <dgm:pt modelId="{4950583C-555B-4718-A405-AF68D94395E8}" type="pres">
-      <dgm:prSet presAssocID="{C7F76EE9-355E-49BF-915B-8B3CD8C0B654}" presName="sibTrans" presStyleCnt="0"/>
-      <dgm:spPr/>
-    </dgm:pt>
-    <dgm:pt modelId="{4CB68E7B-9A00-4021-AD43-3FCD224EA879}" type="pres">
-      <dgm:prSet presAssocID="{FDCBCD64-1C2C-42D9-A87C-A83BCFEC0354}" presName="compNode" presStyleCnt="0"/>
-      <dgm:spPr/>
-    </dgm:pt>
-    <dgm:pt modelId="{A2ACC387-EB0A-4F32-8A84-89A39AC6E49F}" type="pres">
-      <dgm:prSet presAssocID="{FDCBCD64-1C2C-42D9-A87C-A83BCFEC0354}" presName="iconBgRect" presStyleLbl="bgShp" presStyleIdx="5" presStyleCnt="8"/>
-      <dgm:spPr>
-        <a:prstGeom prst="round2DiagRect">
-          <a:avLst>
-            <a:gd name="adj1" fmla="val 29727"/>
-            <a:gd name="adj2" fmla="val 0"/>
-          </a:avLst>
-        </a:prstGeom>
-      </dgm:spPr>
-    </dgm:pt>
-    <dgm:pt modelId="{BA511191-C417-444D-B0AA-4F0569A8AFCB}" type="pres">
-      <dgm:prSet presAssocID="{FDCBCD64-1C2C-42D9-A87C-A83BCFEC0354}" presName="iconRect" presStyleLbl="node1" presStyleIdx="5" presStyleCnt="8"/>
-      <dgm:spPr>
-        <a:blipFill>
-          <a:blip xmlns:r="http://schemas.openxmlformats.org/officeDocument/2006/relationships" r:embed="rId11">
-            <a:extLst>
-              <a:ext uri="{28A0092B-C50C-407E-A947-70E740481C1C}">
-                <a14:useLocalDpi xmlns:a14="http://schemas.microsoft.com/office/drawing/2010/main" val="0"/>
-              </a:ext>
-              <a:ext uri="{96DAC541-7B7A-43D3-8B79-37D633B846F1}">
-                <asvg:svgBlip xmlns:asvg="http://schemas.microsoft.com/office/drawing/2016/SVG/main" r:embed="rId12"/>
-              </a:ext>
-            </a:extLst>
-          </a:blip>
-          <a:stretch>
-            <a:fillRect/>
-          </a:stretch>
-        </a:blipFill>
-        <a:ln>
-          <a:noFill/>
-        </a:ln>
-      </dgm:spPr>
-      <dgm:extLst>
-        <a:ext uri="{E40237B7-FDA0-4F09-8148-C483321AD2D9}">
-          <dgm14:cNvPr xmlns:dgm14="http://schemas.microsoft.com/office/drawing/2010/diagram" id="0" name="" descr="Magnifying glass"/>
-        </a:ext>
-      </dgm:extLst>
-    </dgm:pt>
-    <dgm:pt modelId="{CC1B733C-44EA-488A-A043-0D72E1793EB9}" type="pres">
-      <dgm:prSet presAssocID="{FDCBCD64-1C2C-42D9-A87C-A83BCFEC0354}" presName="spaceRect" presStyleCnt="0"/>
-      <dgm:spPr/>
-    </dgm:pt>
-    <dgm:pt modelId="{A597B2B1-D897-412A-A29F-FE31BF3B8D4B}" type="pres">
-      <dgm:prSet presAssocID="{FDCBCD64-1C2C-42D9-A87C-A83BCFEC0354}" presName="textRect" presStyleLbl="revTx" presStyleIdx="5" presStyleCnt="8">
-        <dgm:presLayoutVars>
-          <dgm:chMax val="1"/>
-          <dgm:chPref val="1"/>
-        </dgm:presLayoutVars>
-      </dgm:prSet>
-      <dgm:spPr/>
-    </dgm:pt>
-    <dgm:pt modelId="{0FC1F26D-DB2C-45F9-BD98-3225089C3426}" type="pres">
-      <dgm:prSet presAssocID="{573F2406-3BDC-4EDC-98C8-CBE33B87BFEE}" presName="sibTrans" presStyleCnt="0"/>
-      <dgm:spPr/>
-    </dgm:pt>
-    <dgm:pt modelId="{0D95E768-E6B8-4611-9E99-0CD8C888BEC6}" type="pres">
-      <dgm:prSet presAssocID="{9F974056-6DE5-4079-B1A0-DDD792989A14}" presName="compNode" presStyleCnt="0"/>
-      <dgm:spPr/>
-    </dgm:pt>
-    <dgm:pt modelId="{CE0C5AB8-0270-43B8-8DBF-97382C9CF495}" type="pres">
-      <dgm:prSet presAssocID="{9F974056-6DE5-4079-B1A0-DDD792989A14}" presName="iconBgRect" presStyleLbl="bgShp" presStyleIdx="6" presStyleCnt="8"/>
-      <dgm:spPr>
-        <a:prstGeom prst="round2DiagRect">
-          <a:avLst>
-            <a:gd name="adj1" fmla="val 29727"/>
-            <a:gd name="adj2" fmla="val 0"/>
-          </a:avLst>
-        </a:prstGeom>
-      </dgm:spPr>
-    </dgm:pt>
-    <dgm:pt modelId="{84CB9AE8-1564-471F-AC8E-6F043A7AFC19}" type="pres">
-      <dgm:prSet presAssocID="{9F974056-6DE5-4079-B1A0-DDD792989A14}" presName="iconRect" presStyleLbl="node1" presStyleIdx="6" presStyleCnt="8"/>
-      <dgm:spPr>
-        <a:blipFill>
-          <a:blip xmlns:r="http://schemas.openxmlformats.org/officeDocument/2006/relationships" r:embed="rId13">
-            <a:extLst>
-              <a:ext uri="{28A0092B-C50C-407E-A947-70E740481C1C}">
-                <a14:useLocalDpi xmlns:a14="http://schemas.microsoft.com/office/drawing/2010/main" val="0"/>
-              </a:ext>
-              <a:ext uri="{96DAC541-7B7A-43D3-8B79-37D633B846F1}">
-                <asvg:svgBlip xmlns:asvg="http://schemas.microsoft.com/office/drawing/2016/SVG/main" r:embed="rId14"/>
-              </a:ext>
-            </a:extLst>
-          </a:blip>
-          <a:stretch>
-            <a:fillRect/>
-          </a:stretch>
-        </a:blipFill>
-        <a:ln>
-          <a:noFill/>
-        </a:ln>
-      </dgm:spPr>
-      <dgm:extLst>
-        <a:ext uri="{E40237B7-FDA0-4F09-8148-C483321AD2D9}">
-          <dgm14:cNvPr xmlns:dgm14="http://schemas.microsoft.com/office/drawing/2010/diagram" id="0" name="" descr="Checkmark"/>
-        </a:ext>
-      </dgm:extLst>
-    </dgm:pt>
-    <dgm:pt modelId="{21E5E4EC-7993-4404-A2C1-E70F9790798E}" type="pres">
-      <dgm:prSet presAssocID="{9F974056-6DE5-4079-B1A0-DDD792989A14}" presName="spaceRect" presStyleCnt="0"/>
-      <dgm:spPr/>
-    </dgm:pt>
-    <dgm:pt modelId="{6B3BA892-E91E-489B-8E6E-E2C8ED8240AE}" type="pres">
-      <dgm:prSet presAssocID="{9F974056-6DE5-4079-B1A0-DDD792989A14}" presName="textRect" presStyleLbl="revTx" presStyleIdx="6" presStyleCnt="8">
-        <dgm:presLayoutVars>
-          <dgm:chMax val="1"/>
-          <dgm:chPref val="1"/>
-        </dgm:presLayoutVars>
-      </dgm:prSet>
-      <dgm:spPr/>
-    </dgm:pt>
-    <dgm:pt modelId="{5B0D23FF-61BB-4FAE-9F9C-D545E99A99F1}" type="pres">
-      <dgm:prSet presAssocID="{B5EE978D-04AB-436C-AFCD-6DEC06E7AD1F}" presName="sibTrans" presStyleCnt="0"/>
-      <dgm:spPr/>
-    </dgm:pt>
-    <dgm:pt modelId="{B55624D5-9231-456A-B885-F04BC0921A0A}" type="pres">
-      <dgm:prSet presAssocID="{16437F73-F21F-47EA-874D-89E4D13F64C4}" presName="compNode" presStyleCnt="0"/>
-      <dgm:spPr/>
-    </dgm:pt>
-    <dgm:pt modelId="{26E017D9-34E2-4606-BFA6-66D5E392A83D}" type="pres">
-      <dgm:prSet presAssocID="{16437F73-F21F-47EA-874D-89E4D13F64C4}" presName="iconBgRect" presStyleLbl="bgShp" presStyleIdx="7" presStyleCnt="8"/>
-      <dgm:spPr>
-        <a:prstGeom prst="round2DiagRect">
-          <a:avLst>
-            <a:gd name="adj1" fmla="val 29727"/>
-            <a:gd name="adj2" fmla="val 0"/>
-          </a:avLst>
-        </a:prstGeom>
-      </dgm:spPr>
-    </dgm:pt>
-    <dgm:pt modelId="{44F4BBDB-4A06-48BE-8912-B339BF59B74D}" type="pres">
-      <dgm:prSet presAssocID="{16437F73-F21F-47EA-874D-89E4D13F64C4}" presName="iconRect" presStyleLbl="node1" presStyleIdx="7" presStyleCnt="8"/>
-      <dgm:spPr>
-        <a:blipFill>
-          <a:blip xmlns:r="http://schemas.openxmlformats.org/officeDocument/2006/relationships" r:embed="rId15">
-            <a:extLst>
-              <a:ext uri="{28A0092B-C50C-407E-A947-70E740481C1C}">
-                <a14:useLocalDpi xmlns:a14="http://schemas.microsoft.com/office/drawing/2010/main" val="0"/>
-              </a:ext>
-              <a:ext uri="{96DAC541-7B7A-43D3-8B79-37D633B846F1}">
-                <asvg:svgBlip xmlns:asvg="http://schemas.microsoft.com/office/drawing/2016/SVG/main" r:embed="rId16"/>
-              </a:ext>
-            </a:extLst>
-          </a:blip>
-          <a:stretch>
-            <a:fillRect/>
-          </a:stretch>
-        </a:blipFill>
-        <a:ln>
-          <a:noFill/>
-        </a:ln>
-      </dgm:spPr>
-      <dgm:extLst>
-        <a:ext uri="{E40237B7-FDA0-4F09-8148-C483321AD2D9}">
-          <dgm14:cNvPr xmlns:dgm14="http://schemas.microsoft.com/office/drawing/2010/diagram" id="0" name="" descr="Books"/>
-        </a:ext>
-      </dgm:extLst>
-    </dgm:pt>
-    <dgm:pt modelId="{DC5FB3C9-AAE7-4410-A0A1-382FAADF21A0}" type="pres">
-      <dgm:prSet presAssocID="{16437F73-F21F-47EA-874D-89E4D13F64C4}" presName="spaceRect" presStyleCnt="0"/>
-      <dgm:spPr/>
-    </dgm:pt>
-    <dgm:pt modelId="{604BC978-047A-4A0A-A99D-BDECC9C04691}" type="pres">
-      <dgm:prSet presAssocID="{16437F73-F21F-47EA-874D-89E4D13F64C4}" presName="textRect" presStyleLbl="revTx" presStyleIdx="7" presStyleCnt="8">
+      <dgm:prSet presAssocID="{6EF9D92E-4B99-4881-895F-849869CD0120}" presName="textRect" presStyleLbl="revTx" presStyleIdx="2" presStyleCnt="3">
         <dgm:presLayoutVars>
           <dgm:chMax val="1"/>
           <dgm:chPref val="1"/>
@@ -4931,21 +4416,11 @@
   <dgm:cxnLst>
     <dgm:cxn modelId="{0ECBA109-F1BB-4D31-8581-DF1561FE96FA}" type="presOf" srcId="{DA3CF126-BF6E-42F4-A6EC-CAA2230BB438}" destId="{8DDB5E2A-7EA5-4519-B2E0-CE83A3FB9BDD}" srcOrd="0" destOrd="0" presId="urn:microsoft.com/office/officeart/2018/5/layout/IconLeafLabelList"/>
     <dgm:cxn modelId="{CE05022F-D75E-485A-8296-334038139E83}" type="presOf" srcId="{94454E00-E015-4BF8-90E8-6851AE89EFCC}" destId="{CCD2EA1F-730F-41BD-9543-055F160623A7}" srcOrd="0" destOrd="0" presId="urn:microsoft.com/office/officeart/2018/5/layout/IconLeafLabelList"/>
-    <dgm:cxn modelId="{341EF83C-9446-4FD3-8A4E-F1099687EC4F}" type="presOf" srcId="{16437F73-F21F-47EA-874D-89E4D13F64C4}" destId="{604BC978-047A-4A0A-A99D-BDECC9C04691}" srcOrd="0" destOrd="0" presId="urn:microsoft.com/office/officeart/2018/5/layout/IconLeafLabelList"/>
     <dgm:cxn modelId="{D03ACD45-2B62-4F86-9D47-48E4E7376644}" srcId="{94454E00-E015-4BF8-90E8-6851AE89EFCC}" destId="{DA3CF126-BF6E-42F4-A6EC-CAA2230BB438}" srcOrd="0" destOrd="0" parTransId="{4326A18D-30C9-49B9-B28C-E9AD7885A9D5}" sibTransId="{8ED8CAEF-8A56-4EEA-9A09-C9DD37B61DED}"/>
-    <dgm:cxn modelId="{F373DB66-CF95-400D-B30D-A7A266371154}" srcId="{94454E00-E015-4BF8-90E8-6851AE89EFCC}" destId="{7E86C876-772A-4436-A5DA-3285D22AB676}" srcOrd="3" destOrd="0" parTransId="{F851B763-B100-4091-89CF-D10B6247435E}" sibTransId="{E11BFAB0-B96F-4CE4-BC23-71D18F80F853}"/>
     <dgm:cxn modelId="{2FB04155-3A53-4765-9279-5D1C69FE9308}" type="presOf" srcId="{6EF9D92E-4B99-4881-895F-849869CD0120}" destId="{77192564-7E3F-4574-A335-C326752D3F4D}" srcOrd="0" destOrd="0" presId="urn:microsoft.com/office/officeart/2018/5/layout/IconLeafLabelList"/>
-    <dgm:cxn modelId="{E09A408B-F160-4148-9499-1002DC14B155}" srcId="{94454E00-E015-4BF8-90E8-6851AE89EFCC}" destId="{9F974056-6DE5-4079-B1A0-DDD792989A14}" srcOrd="6" destOrd="0" parTransId="{4DED6B60-1F36-45DF-98B8-262DE1806798}" sibTransId="{B5EE978D-04AB-436C-AFCD-6DEC06E7AD1F}"/>
     <dgm:cxn modelId="{6532E18E-A4FB-4EB5-9034-B9CCC9260068}" srcId="{94454E00-E015-4BF8-90E8-6851AE89EFCC}" destId="{772B70FC-B3F6-48AD-8655-013B6A86B113}" srcOrd="1" destOrd="0" parTransId="{9E026D08-86AF-40B8-9DF3-D80994CF676F}" sibTransId="{8736D213-93D0-4429-80C6-39C8C1373675}"/>
     <dgm:cxn modelId="{872BF898-4FC2-4E52-847B-5D220AA6638A}" srcId="{94454E00-E015-4BF8-90E8-6851AE89EFCC}" destId="{6EF9D92E-4B99-4881-895F-849869CD0120}" srcOrd="2" destOrd="0" parTransId="{892A658C-CB4A-47EB-A92E-4FA912BB7DD9}" sibTransId="{0340FCAD-2C70-4D69-AF19-ED413038B1B8}"/>
-    <dgm:cxn modelId="{B61B3EA1-3526-4061-A52F-CA17C6A291E3}" type="presOf" srcId="{9F974056-6DE5-4079-B1A0-DDD792989A14}" destId="{6B3BA892-E91E-489B-8E6E-E2C8ED8240AE}" srcOrd="0" destOrd="0" presId="urn:microsoft.com/office/officeart/2018/5/layout/IconLeafLabelList"/>
-    <dgm:cxn modelId="{583F49A1-FA95-4FC6-B239-00218BB3BDA1}" type="presOf" srcId="{FDCBCD64-1C2C-42D9-A87C-A83BCFEC0354}" destId="{A597B2B1-D897-412A-A29F-FE31BF3B8D4B}" srcOrd="0" destOrd="0" presId="urn:microsoft.com/office/officeart/2018/5/layout/IconLeafLabelList"/>
-    <dgm:cxn modelId="{24EE25DE-C379-494B-A5BB-D4677A79A807}" srcId="{94454E00-E015-4BF8-90E8-6851AE89EFCC}" destId="{16437F73-F21F-47EA-874D-89E4D13F64C4}" srcOrd="7" destOrd="0" parTransId="{374ACF71-7A79-4BE2-AFD7-0E454B90A92F}" sibTransId="{F5D0E9DF-F3F8-4E12-BECA-4314388E29CA}"/>
     <dgm:cxn modelId="{0BDF92DE-8D4F-4677-8FA7-61687D184214}" type="presOf" srcId="{772B70FC-B3F6-48AD-8655-013B6A86B113}" destId="{854A6AF3-CF25-4DC0-AB2E-3B3090BA1411}" srcOrd="0" destOrd="0" presId="urn:microsoft.com/office/officeart/2018/5/layout/IconLeafLabelList"/>
-    <dgm:cxn modelId="{F75890F0-0472-4140-A238-C428EBB052A2}" srcId="{94454E00-E015-4BF8-90E8-6851AE89EFCC}" destId="{FDCBCD64-1C2C-42D9-A87C-A83BCFEC0354}" srcOrd="5" destOrd="0" parTransId="{86AF6055-588D-4A15-B8E7-A1D29AC92E50}" sibTransId="{573F2406-3BDC-4EDC-98C8-CBE33B87BFEE}"/>
-    <dgm:cxn modelId="{97BF89F4-9DB3-45A6-A0A7-23F2C595E553}" srcId="{94454E00-E015-4BF8-90E8-6851AE89EFCC}" destId="{DBBE3244-45A5-4A6C-9DFA-B8680A7D247D}" srcOrd="4" destOrd="0" parTransId="{6FDEAC19-656C-4CA2-8B76-ABAC2EA7637E}" sibTransId="{C7F76EE9-355E-49BF-915B-8B3CD8C0B654}"/>
-    <dgm:cxn modelId="{DFB774F6-4A3B-4B34-BD72-A0D6295F3238}" type="presOf" srcId="{7E86C876-772A-4436-A5DA-3285D22AB676}" destId="{DA663ABB-EC51-4439-B728-B17029B5E6B7}" srcOrd="0" destOrd="0" presId="urn:microsoft.com/office/officeart/2018/5/layout/IconLeafLabelList"/>
-    <dgm:cxn modelId="{6091A9FC-3AAF-4AC2-B6CE-1BB66B4E67D1}" type="presOf" srcId="{DBBE3244-45A5-4A6C-9DFA-B8680A7D247D}" destId="{AD817F3B-24CB-4D1F-83E8-E45BFA260A14}" srcOrd="0" destOrd="0" presId="urn:microsoft.com/office/officeart/2018/5/layout/IconLeafLabelList"/>
     <dgm:cxn modelId="{CE83841B-E470-48A4-8930-043AD94721F8}" type="presParOf" srcId="{CCD2EA1F-730F-41BD-9543-055F160623A7}" destId="{943FF30E-DAA0-465D-AD2D-96A401328AEB}" srcOrd="0" destOrd="0" presId="urn:microsoft.com/office/officeart/2018/5/layout/IconLeafLabelList"/>
     <dgm:cxn modelId="{F45D4E6E-9AD7-4F8F-AC4E-E59CAABBFCB6}" type="presParOf" srcId="{943FF30E-DAA0-465D-AD2D-96A401328AEB}" destId="{FF4DA095-342D-4432-BCE0-D86EB65A879D}" srcOrd="0" destOrd="0" presId="urn:microsoft.com/office/officeart/2018/5/layout/IconLeafLabelList"/>
     <dgm:cxn modelId="{AEDA8107-9FCB-47DF-B68A-0A84EF6501BA}" type="presParOf" srcId="{943FF30E-DAA0-465D-AD2D-96A401328AEB}" destId="{43847D0C-4F91-44F7-8E6F-C4621B56D2F5}" srcOrd="1" destOrd="0" presId="urn:microsoft.com/office/officeart/2018/5/layout/IconLeafLabelList"/>
@@ -4963,36 +4438,6 @@
     <dgm:cxn modelId="{DB2B2A61-4537-48C5-96C3-E73663B1E655}" type="presParOf" srcId="{9B04C776-F64B-4E92-97FF-68301DA56DC8}" destId="{70DBFDA6-9998-45EC-986F-2B89C4D23DB8}" srcOrd="1" destOrd="0" presId="urn:microsoft.com/office/officeart/2018/5/layout/IconLeafLabelList"/>
     <dgm:cxn modelId="{5716B36A-C518-49FE-8DAD-4460F2F0349B}" type="presParOf" srcId="{9B04C776-F64B-4E92-97FF-68301DA56DC8}" destId="{34AF0449-B173-4548-8216-0501E840FED1}" srcOrd="2" destOrd="0" presId="urn:microsoft.com/office/officeart/2018/5/layout/IconLeafLabelList"/>
     <dgm:cxn modelId="{4FB3ACF2-FF27-4E5E-AB94-4F988F455427}" type="presParOf" srcId="{9B04C776-F64B-4E92-97FF-68301DA56DC8}" destId="{77192564-7E3F-4574-A335-C326752D3F4D}" srcOrd="3" destOrd="0" presId="urn:microsoft.com/office/officeart/2018/5/layout/IconLeafLabelList"/>
-    <dgm:cxn modelId="{A58C48E0-E933-4791-AFEC-ADF1ABEF7F33}" type="presParOf" srcId="{CCD2EA1F-730F-41BD-9543-055F160623A7}" destId="{15B45AE4-6388-4491-BB6D-A8BCA7D12694}" srcOrd="5" destOrd="0" presId="urn:microsoft.com/office/officeart/2018/5/layout/IconLeafLabelList"/>
-    <dgm:cxn modelId="{6DF7004A-B5FB-43FF-8932-BDBD453ACA60}" type="presParOf" srcId="{CCD2EA1F-730F-41BD-9543-055F160623A7}" destId="{58F61141-1BD4-43EE-9A58-DF4B70F63DFD}" srcOrd="6" destOrd="0" presId="urn:microsoft.com/office/officeart/2018/5/layout/IconLeafLabelList"/>
-    <dgm:cxn modelId="{AFCB603C-CB29-4780-9586-2DF74224D235}" type="presParOf" srcId="{58F61141-1BD4-43EE-9A58-DF4B70F63DFD}" destId="{1CE74221-926B-433D-B7F8-9E20A810AB7A}" srcOrd="0" destOrd="0" presId="urn:microsoft.com/office/officeart/2018/5/layout/IconLeafLabelList"/>
-    <dgm:cxn modelId="{429867EA-23C4-4983-9C6B-9829AD8B2435}" type="presParOf" srcId="{58F61141-1BD4-43EE-9A58-DF4B70F63DFD}" destId="{E69861CE-3A1D-4F6B-BB59-C44CF15C92BB}" srcOrd="1" destOrd="0" presId="urn:microsoft.com/office/officeart/2018/5/layout/IconLeafLabelList"/>
-    <dgm:cxn modelId="{302DDEFA-47FF-4F29-8638-C182E27FD6E4}" type="presParOf" srcId="{58F61141-1BD4-43EE-9A58-DF4B70F63DFD}" destId="{6FFC301D-27AD-425C-8560-15400D35C41A}" srcOrd="2" destOrd="0" presId="urn:microsoft.com/office/officeart/2018/5/layout/IconLeafLabelList"/>
-    <dgm:cxn modelId="{D8FEF092-FD04-4B02-978F-231AEC1C9991}" type="presParOf" srcId="{58F61141-1BD4-43EE-9A58-DF4B70F63DFD}" destId="{DA663ABB-EC51-4439-B728-B17029B5E6B7}" srcOrd="3" destOrd="0" presId="urn:microsoft.com/office/officeart/2018/5/layout/IconLeafLabelList"/>
-    <dgm:cxn modelId="{87B670DE-903D-4571-9362-74ED9CDFDBA4}" type="presParOf" srcId="{CCD2EA1F-730F-41BD-9543-055F160623A7}" destId="{77F1F5D5-945C-4465-844A-26B271E525ED}" srcOrd="7" destOrd="0" presId="urn:microsoft.com/office/officeart/2018/5/layout/IconLeafLabelList"/>
-    <dgm:cxn modelId="{0620DC56-6DDA-4242-9A6C-23D38763B4B4}" type="presParOf" srcId="{CCD2EA1F-730F-41BD-9543-055F160623A7}" destId="{511D99B9-C877-4442-9A45-A6272AC93D6B}" srcOrd="8" destOrd="0" presId="urn:microsoft.com/office/officeart/2018/5/layout/IconLeafLabelList"/>
-    <dgm:cxn modelId="{51D5AA78-FA26-4BBA-B295-7B09776A75F7}" type="presParOf" srcId="{511D99B9-C877-4442-9A45-A6272AC93D6B}" destId="{10B722E1-984F-483B-B462-8D2329F8A8CE}" srcOrd="0" destOrd="0" presId="urn:microsoft.com/office/officeart/2018/5/layout/IconLeafLabelList"/>
-    <dgm:cxn modelId="{D666B441-0F13-4D37-B00A-FAA0C69B8058}" type="presParOf" srcId="{511D99B9-C877-4442-9A45-A6272AC93D6B}" destId="{DF69D6E3-1DC9-4A8D-816C-4A84702866A7}" srcOrd="1" destOrd="0" presId="urn:microsoft.com/office/officeart/2018/5/layout/IconLeafLabelList"/>
-    <dgm:cxn modelId="{34C7B937-66F1-4E30-80A4-6F3A66752AE6}" type="presParOf" srcId="{511D99B9-C877-4442-9A45-A6272AC93D6B}" destId="{CDB0C6BE-2A96-4D20-9155-68C29A2FA3BC}" srcOrd="2" destOrd="0" presId="urn:microsoft.com/office/officeart/2018/5/layout/IconLeafLabelList"/>
-    <dgm:cxn modelId="{3F125385-1F9C-4FC7-B62D-47C9E10A07F1}" type="presParOf" srcId="{511D99B9-C877-4442-9A45-A6272AC93D6B}" destId="{AD817F3B-24CB-4D1F-83E8-E45BFA260A14}" srcOrd="3" destOrd="0" presId="urn:microsoft.com/office/officeart/2018/5/layout/IconLeafLabelList"/>
-    <dgm:cxn modelId="{5E8A101B-AF16-4264-82A2-ABE66DCC6BCA}" type="presParOf" srcId="{CCD2EA1F-730F-41BD-9543-055F160623A7}" destId="{4950583C-555B-4718-A405-AF68D94395E8}" srcOrd="9" destOrd="0" presId="urn:microsoft.com/office/officeart/2018/5/layout/IconLeafLabelList"/>
-    <dgm:cxn modelId="{7B62EA6B-6571-4FEC-BD2F-86CD1F4BBA9A}" type="presParOf" srcId="{CCD2EA1F-730F-41BD-9543-055F160623A7}" destId="{4CB68E7B-9A00-4021-AD43-3FCD224EA879}" srcOrd="10" destOrd="0" presId="urn:microsoft.com/office/officeart/2018/5/layout/IconLeafLabelList"/>
-    <dgm:cxn modelId="{A8441E1E-1982-4D5F-8383-C54F5F36941B}" type="presParOf" srcId="{4CB68E7B-9A00-4021-AD43-3FCD224EA879}" destId="{A2ACC387-EB0A-4F32-8A84-89A39AC6E49F}" srcOrd="0" destOrd="0" presId="urn:microsoft.com/office/officeart/2018/5/layout/IconLeafLabelList"/>
-    <dgm:cxn modelId="{57EE57FE-31A1-4B54-B3C4-10F2B9EC1C90}" type="presParOf" srcId="{4CB68E7B-9A00-4021-AD43-3FCD224EA879}" destId="{BA511191-C417-444D-B0AA-4F0569A8AFCB}" srcOrd="1" destOrd="0" presId="urn:microsoft.com/office/officeart/2018/5/layout/IconLeafLabelList"/>
-    <dgm:cxn modelId="{042D66BC-3203-4105-945C-00C6AA026207}" type="presParOf" srcId="{4CB68E7B-9A00-4021-AD43-3FCD224EA879}" destId="{CC1B733C-44EA-488A-A043-0D72E1793EB9}" srcOrd="2" destOrd="0" presId="urn:microsoft.com/office/officeart/2018/5/layout/IconLeafLabelList"/>
-    <dgm:cxn modelId="{542FEBA4-A8D4-4663-BCF3-146D8A0653A3}" type="presParOf" srcId="{4CB68E7B-9A00-4021-AD43-3FCD224EA879}" destId="{A597B2B1-D897-412A-A29F-FE31BF3B8D4B}" srcOrd="3" destOrd="0" presId="urn:microsoft.com/office/officeart/2018/5/layout/IconLeafLabelList"/>
-    <dgm:cxn modelId="{CE4AD9D7-75B6-427F-AE61-60DAB869D45B}" type="presParOf" srcId="{CCD2EA1F-730F-41BD-9543-055F160623A7}" destId="{0FC1F26D-DB2C-45F9-BD98-3225089C3426}" srcOrd="11" destOrd="0" presId="urn:microsoft.com/office/officeart/2018/5/layout/IconLeafLabelList"/>
-    <dgm:cxn modelId="{EBEEB1EF-A01A-433F-88B5-3C4604656CF6}" type="presParOf" srcId="{CCD2EA1F-730F-41BD-9543-055F160623A7}" destId="{0D95E768-E6B8-4611-9E99-0CD8C888BEC6}" srcOrd="12" destOrd="0" presId="urn:microsoft.com/office/officeart/2018/5/layout/IconLeafLabelList"/>
-    <dgm:cxn modelId="{1ED6C659-E67E-4185-B086-0CAE2F18A5B4}" type="presParOf" srcId="{0D95E768-E6B8-4611-9E99-0CD8C888BEC6}" destId="{CE0C5AB8-0270-43B8-8DBF-97382C9CF495}" srcOrd="0" destOrd="0" presId="urn:microsoft.com/office/officeart/2018/5/layout/IconLeafLabelList"/>
-    <dgm:cxn modelId="{8125DF1F-EB6E-474F-BC6A-D1AA044603C6}" type="presParOf" srcId="{0D95E768-E6B8-4611-9E99-0CD8C888BEC6}" destId="{84CB9AE8-1564-471F-AC8E-6F043A7AFC19}" srcOrd="1" destOrd="0" presId="urn:microsoft.com/office/officeart/2018/5/layout/IconLeafLabelList"/>
-    <dgm:cxn modelId="{DDD483AF-6A86-4B9A-B7C3-7A1EC4DE2A94}" type="presParOf" srcId="{0D95E768-E6B8-4611-9E99-0CD8C888BEC6}" destId="{21E5E4EC-7993-4404-A2C1-E70F9790798E}" srcOrd="2" destOrd="0" presId="urn:microsoft.com/office/officeart/2018/5/layout/IconLeafLabelList"/>
-    <dgm:cxn modelId="{176AB93A-F21B-42D6-851A-26D66D479499}" type="presParOf" srcId="{0D95E768-E6B8-4611-9E99-0CD8C888BEC6}" destId="{6B3BA892-E91E-489B-8E6E-E2C8ED8240AE}" srcOrd="3" destOrd="0" presId="urn:microsoft.com/office/officeart/2018/5/layout/IconLeafLabelList"/>
-    <dgm:cxn modelId="{FE87CAB9-7FAB-487B-8681-6AFCEB9D0F38}" type="presParOf" srcId="{CCD2EA1F-730F-41BD-9543-055F160623A7}" destId="{5B0D23FF-61BB-4FAE-9F9C-D545E99A99F1}" srcOrd="13" destOrd="0" presId="urn:microsoft.com/office/officeart/2018/5/layout/IconLeafLabelList"/>
-    <dgm:cxn modelId="{FCFBFBDF-D022-485F-9620-2ED65E3B9D04}" type="presParOf" srcId="{CCD2EA1F-730F-41BD-9543-055F160623A7}" destId="{B55624D5-9231-456A-B885-F04BC0921A0A}" srcOrd="14" destOrd="0" presId="urn:microsoft.com/office/officeart/2018/5/layout/IconLeafLabelList"/>
-    <dgm:cxn modelId="{2EB45674-0B06-45A6-8CC4-8319467E6422}" type="presParOf" srcId="{B55624D5-9231-456A-B885-F04BC0921A0A}" destId="{26E017D9-34E2-4606-BFA6-66D5E392A83D}" srcOrd="0" destOrd="0" presId="urn:microsoft.com/office/officeart/2018/5/layout/IconLeafLabelList"/>
-    <dgm:cxn modelId="{50E140AE-212C-4428-9DFE-D15E3E8A1426}" type="presParOf" srcId="{B55624D5-9231-456A-B885-F04BC0921A0A}" destId="{44F4BBDB-4A06-48BE-8912-B339BF59B74D}" srcOrd="1" destOrd="0" presId="urn:microsoft.com/office/officeart/2018/5/layout/IconLeafLabelList"/>
-    <dgm:cxn modelId="{F060BF45-BB34-468C-96B5-4A626AAC924B}" type="presParOf" srcId="{B55624D5-9231-456A-B885-F04BC0921A0A}" destId="{DC5FB3C9-AAE7-4410-A0A1-382FAADF21A0}" srcOrd="2" destOrd="0" presId="urn:microsoft.com/office/officeart/2018/5/layout/IconLeafLabelList"/>
-    <dgm:cxn modelId="{BAF11FBC-9112-4044-9B5E-F1FDF3FB9356}" type="presParOf" srcId="{B55624D5-9231-456A-B885-F04BC0921A0A}" destId="{604BC978-047A-4A0A-A99D-BDECC9C04691}" srcOrd="3" destOrd="0" presId="urn:microsoft.com/office/officeart/2018/5/layout/IconLeafLabelList"/>
   </dgm:cxnLst>
   <dgm:bg/>
   <dgm:whole/>
@@ -5008,7 +4453,7 @@
 <dgm:dataModel xmlns:dgm="http://schemas.openxmlformats.org/drawingml/2006/diagram" xmlns:a="http://schemas.openxmlformats.org/drawingml/2006/main">
   <dgm:ptLst>
     <dgm:pt modelId="{38A69AE9-A50D-4EC1-B765-3688256EDA7A}" type="doc">
-      <dgm:prSet loTypeId="urn:microsoft.com/office/officeart/2016/7/layout/RepeatingBendingProcessNew" loCatId="process" qsTypeId="urn:microsoft.com/office/officeart/2005/8/quickstyle/simple1" qsCatId="simple" csTypeId="urn:microsoft.com/office/officeart/2005/8/colors/accent1_2" csCatId="accent1"/>
+      <dgm:prSet loTypeId="urn:microsoft.com/office/officeart/2016/7/layout/RepeatingBendingProcessNew" loCatId="process" qsTypeId="urn:microsoft.com/office/officeart/2005/8/quickstyle/simple1" qsCatId="simple" csTypeId="urn:microsoft.com/office/officeart/2005/8/colors/accent1_2" csCatId="accent1" phldr="1"/>
       <dgm:spPr/>
       <dgm:t>
         <a:bodyPr/>
@@ -5027,7 +4472,7 @@
         <a:p>
           <a:r>
             <a:rPr lang="en-IN" dirty="0"/>
-            <a:t>1. Implement a Visual Product Search system for e-commerce.</a:t>
+            <a:t>1.Extraction of frames from video</a:t>
           </a:r>
           <a:endParaRPr lang="en-US" dirty="0"/>
         </a:p>
@@ -5063,10 +4508,10 @@
         <a:lstStyle/>
         <a:p>
           <a:r>
-            <a:rPr lang="en-IN"/>
-            <a:t>2. Allow users to search for products using images as queries.</a:t>
+            <a:rPr lang="en-IN" dirty="0"/>
+            <a:t>2. Enhancement of pictures</a:t>
           </a:r>
-          <a:endParaRPr lang="en-US"/>
+          <a:endParaRPr lang="en-US" dirty="0"/>
         </a:p>
       </dgm:t>
     </dgm:pt>
@@ -5100,10 +4545,10 @@
         <a:lstStyle/>
         <a:p>
           <a:r>
-            <a:rPr lang="en-IN"/>
-            <a:t>3. Provide personalized product recommendations.</a:t>
+            <a:rPr lang="en-IN" dirty="0"/>
+            <a:t>3. Object/Product detection along with Attribute recognition.</a:t>
           </a:r>
-          <a:endParaRPr lang="en-US"/>
+          <a:endParaRPr lang="en-US" dirty="0"/>
         </a:p>
       </dgm:t>
     </dgm:pt>
@@ -5137,10 +4582,10 @@
         <a:lstStyle/>
         <a:p>
           <a:r>
-            <a:rPr lang="en-IN"/>
-            <a:t>4. Enhance the user shopping experience.</a:t>
+            <a:rPr lang="en-IN" dirty="0"/>
+            <a:t>4. Identifying Product.</a:t>
           </a:r>
-          <a:endParaRPr lang="en-US"/>
+          <a:endParaRPr lang="en-US" dirty="0"/>
         </a:p>
       </dgm:t>
     </dgm:pt>
@@ -5273,7 +4718,7 @@
 <dgm:dataModel xmlns:dgm="http://schemas.openxmlformats.org/drawingml/2006/diagram" xmlns:a="http://schemas.openxmlformats.org/drawingml/2006/main">
   <dgm:ptLst>
     <dgm:pt modelId="{D9BC1A75-FEFD-45DB-828E-BC1CF2441C81}" type="doc">
-      <dgm:prSet loTypeId="urn:microsoft.com/office/officeart/2018/2/layout/IconCircleList" loCatId="icon" qsTypeId="urn:microsoft.com/office/officeart/2005/8/quickstyle/simple1" qsCatId="simple" csTypeId="urn:microsoft.com/office/officeart/2018/5/colors/Iconchunking_coloredtext_colorful1" csCatId="colorful" phldr="1"/>
+      <dgm:prSet loTypeId="urn:microsoft.com/office/officeart/2018/2/layout/IconCircleList" loCatId="icon" qsTypeId="urn:microsoft.com/office/officeart/2005/8/quickstyle/simple5" qsCatId="simple" csTypeId="urn:microsoft.com/office/officeart/2018/5/colors/Iconchunking_coloredtext_colorful1" csCatId="colorful" phldr="1"/>
       <dgm:spPr/>
       <dgm:t>
         <a:bodyPr/>
@@ -5290,11 +4735,16 @@
         <a:bodyPr/>
         <a:lstStyle/>
         <a:p>
+          <a:pPr>
+            <a:lnSpc>
+              <a:spcPct val="100000"/>
+            </a:lnSpc>
+          </a:pPr>
           <a:r>
-            <a:rPr lang="en-IN" dirty="0"/>
-            <a:t>1. E-commerce Platforms</a:t>
+            <a:rPr lang="en-IN"/>
+            <a:t>1. OPENCV for extraction</a:t>
           </a:r>
-          <a:endParaRPr lang="en-US" dirty="0"/>
+          <a:endParaRPr lang="en-US"/>
         </a:p>
       </dgm:t>
     </dgm:pt>
@@ -5316,6 +4766,11 @@
         <a:bodyPr/>
         <a:lstStyle/>
         <a:p>
+          <a:pPr>
+            <a:lnSpc>
+              <a:spcPct val="100000"/>
+            </a:lnSpc>
+          </a:pPr>
           <a:endParaRPr lang="en-US"/>
         </a:p>
       </dgm:t>
@@ -5327,11 +4782,16 @@
         <a:bodyPr/>
         <a:lstStyle/>
         <a:p>
+          <a:pPr>
+            <a:lnSpc>
+              <a:spcPct val="100000"/>
+            </a:lnSpc>
+          </a:pPr>
           <a:r>
-            <a:rPr lang="en-IN"/>
-            <a:t>2. Retail Industry</a:t>
+            <a:rPr lang="en-IN" dirty="0"/>
+            <a:t>2. Image Enhancement tools(CLAHE, Pixel Value Scaling,..)</a:t>
           </a:r>
-          <a:endParaRPr lang="en-US"/>
+          <a:endParaRPr lang="en-US" dirty="0"/>
         </a:p>
       </dgm:t>
     </dgm:pt>
@@ -5353,6 +4813,11 @@
         <a:bodyPr/>
         <a:lstStyle/>
         <a:p>
+          <a:pPr>
+            <a:lnSpc>
+              <a:spcPct val="100000"/>
+            </a:lnSpc>
+          </a:pPr>
           <a:endParaRPr lang="en-US"/>
         </a:p>
       </dgm:t>
@@ -5364,9 +4829,14 @@
         <a:bodyPr/>
         <a:lstStyle/>
         <a:p>
+          <a:pPr>
+            <a:lnSpc>
+              <a:spcPct val="100000"/>
+            </a:lnSpc>
+          </a:pPr>
           <a:r>
             <a:rPr lang="en-IN"/>
-            <a:t>3. Fashion and Apparel</a:t>
+            <a:t>3. Object Detections tools(YOLO, R-CNN,..)</a:t>
           </a:r>
           <a:endParaRPr lang="en-US"/>
         </a:p>
@@ -5390,6 +4860,11 @@
         <a:bodyPr/>
         <a:lstStyle/>
         <a:p>
+          <a:pPr>
+            <a:lnSpc>
+              <a:spcPct val="100000"/>
+            </a:lnSpc>
+          </a:pPr>
           <a:endParaRPr lang="en-US"/>
         </a:p>
       </dgm:t>
@@ -5401,9 +4876,14 @@
         <a:bodyPr/>
         <a:lstStyle/>
         <a:p>
+          <a:pPr>
+            <a:lnSpc>
+              <a:spcPct val="100000"/>
+            </a:lnSpc>
+          </a:pPr>
           <a:r>
             <a:rPr lang="en-IN"/>
-            <a:t>4. Home Decor</a:t>
+            <a:t>4. Attribute Recognition( Texture Analysis, Feature Extraction,..)</a:t>
           </a:r>
           <a:endParaRPr lang="en-US"/>
         </a:p>
@@ -5427,48 +4907,16 @@
         <a:bodyPr/>
         <a:lstStyle/>
         <a:p>
+          <a:pPr>
+            <a:lnSpc>
+              <a:spcPct val="100000"/>
+            </a:lnSpc>
+          </a:pPr>
           <a:endParaRPr lang="en-US"/>
         </a:p>
       </dgm:t>
     </dgm:pt>
-    <dgm:pt modelId="{B8FE6A21-9025-41A9-B230-A8D1BBCC7D81}">
-      <dgm:prSet/>
-      <dgm:spPr/>
-      <dgm:t>
-        <a:bodyPr/>
-        <a:lstStyle/>
-        <a:p>
-          <a:r>
-            <a:rPr lang="en-IN"/>
-            <a:t>5. Art and Collectibles</a:t>
-          </a:r>
-          <a:endParaRPr lang="en-US"/>
-        </a:p>
-      </dgm:t>
-    </dgm:pt>
-    <dgm:pt modelId="{922DD484-5480-4959-AB7F-E8F3A3B3ED1B}" type="parTrans" cxnId="{FFDB5497-5D66-410A-AB11-F445AA6DD51E}">
-      <dgm:prSet/>
-      <dgm:spPr/>
-      <dgm:t>
-        <a:bodyPr/>
-        <a:lstStyle/>
-        <a:p>
-          <a:endParaRPr lang="en-US"/>
-        </a:p>
-      </dgm:t>
-    </dgm:pt>
-    <dgm:pt modelId="{7894ADF6-22B0-4306-8B80-3380A312A3FC}" type="sibTrans" cxnId="{FFDB5497-5D66-410A-AB11-F445AA6DD51E}">
-      <dgm:prSet/>
-      <dgm:spPr/>
-      <dgm:t>
-        <a:bodyPr/>
-        <a:lstStyle/>
-        <a:p>
-          <a:endParaRPr lang="en-US"/>
-        </a:p>
-      </dgm:t>
-    </dgm:pt>
-    <dgm:pt modelId="{3DAEC36E-3DAD-481F-94FA-C90D874A2DBA}" type="pres">
+    <dgm:pt modelId="{6A19984B-6717-4A64-A0BC-37BA76FB5ED9}" type="pres">
       <dgm:prSet presAssocID="{D9BC1A75-FEFD-45DB-828E-BC1CF2441C81}" presName="root" presStyleCnt="0">
         <dgm:presLayoutVars>
           <dgm:dir/>
@@ -5477,7 +4925,7 @@
       </dgm:prSet>
       <dgm:spPr/>
     </dgm:pt>
-    <dgm:pt modelId="{16DCC423-B03D-45E3-8EEE-58DFE2F31714}" type="pres">
+    <dgm:pt modelId="{BB37C2DD-4A93-4BF4-B148-A0BC518281E2}" type="pres">
       <dgm:prSet presAssocID="{D9BC1A75-FEFD-45DB-828E-BC1CF2441C81}" presName="container" presStyleCnt="0">
         <dgm:presLayoutVars>
           <dgm:dir/>
@@ -5486,16 +4934,16 @@
       </dgm:prSet>
       <dgm:spPr/>
     </dgm:pt>
-    <dgm:pt modelId="{0B243BEE-3FF3-4A35-AD4F-8B7DCF007676}" type="pres">
+    <dgm:pt modelId="{4F319AED-06F3-40AB-A215-564EC6D98267}" type="pres">
       <dgm:prSet presAssocID="{B271F617-57DF-45BC-AE1C-3DA1D27A12C8}" presName="compNode" presStyleCnt="0"/>
       <dgm:spPr/>
     </dgm:pt>
-    <dgm:pt modelId="{257B27D4-EFB1-4F65-8CF8-E50F3359432E}" type="pres">
-      <dgm:prSet presAssocID="{B271F617-57DF-45BC-AE1C-3DA1D27A12C8}" presName="iconBgRect" presStyleLbl="bgShp" presStyleIdx="0" presStyleCnt="5"/>
+    <dgm:pt modelId="{F34957D3-FC3F-47A4-A9E3-ADF6108A2805}" type="pres">
+      <dgm:prSet presAssocID="{B271F617-57DF-45BC-AE1C-3DA1D27A12C8}" presName="iconBgRect" presStyleLbl="bgShp" presStyleIdx="0" presStyleCnt="4"/>
       <dgm:spPr/>
     </dgm:pt>
-    <dgm:pt modelId="{F951A853-0184-4DF3-992A-79E0E6A5F0DE}" type="pres">
-      <dgm:prSet presAssocID="{B271F617-57DF-45BC-AE1C-3DA1D27A12C8}" presName="iconRect" presStyleLbl="node1" presStyleIdx="0" presStyleCnt="5"/>
+    <dgm:pt modelId="{45CAA855-4E71-40BD-8260-0210CA6A5DB8}" type="pres">
+      <dgm:prSet presAssocID="{B271F617-57DF-45BC-AE1C-3DA1D27A12C8}" presName="iconRect" presStyleLbl="node1" presStyleIdx="0" presStyleCnt="4"/>
       <dgm:spPr>
         <a:blipFill>
           <a:blip xmlns:r="http://schemas.openxmlformats.org/officeDocument/2006/relationships" r:embed="rId1">
@@ -5512,22 +4960,19 @@
             <a:fillRect/>
           </a:stretch>
         </a:blipFill>
-        <a:ln>
-          <a:noFill/>
-        </a:ln>
       </dgm:spPr>
       <dgm:extLst>
         <a:ext uri="{E40237B7-FDA0-4F09-8148-C483321AD2D9}">
-          <dgm14:cNvPr xmlns:dgm14="http://schemas.microsoft.com/office/drawing/2010/diagram" id="0" name="" descr="Shopping cart"/>
+          <dgm14:cNvPr xmlns:dgm14="http://schemas.microsoft.com/office/drawing/2010/diagram" id="0" name="" descr="Filter"/>
         </a:ext>
       </dgm:extLst>
     </dgm:pt>
-    <dgm:pt modelId="{22B480AB-74B5-4056-B7C5-3F27854E2CCB}" type="pres">
+    <dgm:pt modelId="{FA1C1C75-CE3B-4078-A905-17EF4D1E0560}" type="pres">
       <dgm:prSet presAssocID="{B271F617-57DF-45BC-AE1C-3DA1D27A12C8}" presName="spaceRect" presStyleCnt="0"/>
       <dgm:spPr/>
     </dgm:pt>
-    <dgm:pt modelId="{CBED1F9C-89AD-4DDC-8A76-2FE61010D40A}" type="pres">
-      <dgm:prSet presAssocID="{B271F617-57DF-45BC-AE1C-3DA1D27A12C8}" presName="textRect" presStyleLbl="revTx" presStyleIdx="0" presStyleCnt="5">
+    <dgm:pt modelId="{C67CB37D-5380-42E3-A541-EA5C41C092F6}" type="pres">
+      <dgm:prSet presAssocID="{B271F617-57DF-45BC-AE1C-3DA1D27A12C8}" presName="textRect" presStyleLbl="revTx" presStyleIdx="0" presStyleCnt="4">
         <dgm:presLayoutVars>
           <dgm:chMax val="1"/>
           <dgm:chPref val="1"/>
@@ -5535,20 +4980,20 @@
       </dgm:prSet>
       <dgm:spPr/>
     </dgm:pt>
-    <dgm:pt modelId="{AA2661A3-C1CB-49AD-9C21-078BD35DADD6}" type="pres">
+    <dgm:pt modelId="{BB41DE65-6206-44D9-AA16-05C87CB8577E}" type="pres">
       <dgm:prSet presAssocID="{C83C7D91-212B-45B2-B8D8-56D71AE89489}" presName="sibTrans" presStyleLbl="sibTrans2D1" presStyleIdx="0" presStyleCnt="0"/>
       <dgm:spPr/>
     </dgm:pt>
-    <dgm:pt modelId="{7344D121-9769-46A4-BB92-5693B9ECC67B}" type="pres">
+    <dgm:pt modelId="{D95F2D8C-12C9-4C5E-A1B0-8D5DDE410084}" type="pres">
       <dgm:prSet presAssocID="{5AD544A5-4FDA-4E4F-96EA-C45EA0EB7869}" presName="compNode" presStyleCnt="0"/>
       <dgm:spPr/>
     </dgm:pt>
-    <dgm:pt modelId="{22D582C8-4F89-494E-BE70-B43BFA9B15E7}" type="pres">
-      <dgm:prSet presAssocID="{5AD544A5-4FDA-4E4F-96EA-C45EA0EB7869}" presName="iconBgRect" presStyleLbl="bgShp" presStyleIdx="1" presStyleCnt="5"/>
+    <dgm:pt modelId="{C3988164-1B83-4638-B430-100137D6FED4}" type="pres">
+      <dgm:prSet presAssocID="{5AD544A5-4FDA-4E4F-96EA-C45EA0EB7869}" presName="iconBgRect" presStyleLbl="bgShp" presStyleIdx="1" presStyleCnt="4"/>
       <dgm:spPr/>
     </dgm:pt>
-    <dgm:pt modelId="{4DDD0FB6-3D4F-4416-BD7F-1361F7C64DF5}" type="pres">
-      <dgm:prSet presAssocID="{5AD544A5-4FDA-4E4F-96EA-C45EA0EB7869}" presName="iconRect" presStyleLbl="node1" presStyleIdx="1" presStyleCnt="5"/>
+    <dgm:pt modelId="{ACC46804-410B-4246-9D18-64F951D122D4}" type="pres">
+      <dgm:prSet presAssocID="{5AD544A5-4FDA-4E4F-96EA-C45EA0EB7869}" presName="iconRect" presStyleLbl="node1" presStyleIdx="1" presStyleCnt="4"/>
       <dgm:spPr>
         <a:blipFill>
           <a:blip xmlns:r="http://schemas.openxmlformats.org/officeDocument/2006/relationships" r:embed="rId3">
@@ -5565,22 +5010,19 @@
             <a:fillRect/>
           </a:stretch>
         </a:blipFill>
-        <a:ln>
-          <a:noFill/>
-        </a:ln>
       </dgm:spPr>
       <dgm:extLst>
         <a:ext uri="{E40237B7-FDA0-4F09-8148-C483321AD2D9}">
-          <dgm14:cNvPr xmlns:dgm14="http://schemas.microsoft.com/office/drawing/2010/diagram" id="0" name="" descr="Store"/>
+          <dgm14:cNvPr xmlns:dgm14="http://schemas.microsoft.com/office/drawing/2010/diagram" id="0" name="" descr="Tools"/>
         </a:ext>
       </dgm:extLst>
     </dgm:pt>
-    <dgm:pt modelId="{B9EF0E45-9A22-412C-B093-C33A60ED4188}" type="pres">
+    <dgm:pt modelId="{6CB16641-AB71-42C5-9744-560FF0BA7E52}" type="pres">
       <dgm:prSet presAssocID="{5AD544A5-4FDA-4E4F-96EA-C45EA0EB7869}" presName="spaceRect" presStyleCnt="0"/>
       <dgm:spPr/>
     </dgm:pt>
-    <dgm:pt modelId="{993F98DD-D46B-4D29-A821-9DC677E7ACAB}" type="pres">
-      <dgm:prSet presAssocID="{5AD544A5-4FDA-4E4F-96EA-C45EA0EB7869}" presName="textRect" presStyleLbl="revTx" presStyleIdx="1" presStyleCnt="5">
+    <dgm:pt modelId="{89D1831F-3EB4-46AB-B071-5F6B2845974D}" type="pres">
+      <dgm:prSet presAssocID="{5AD544A5-4FDA-4E4F-96EA-C45EA0EB7869}" presName="textRect" presStyleLbl="revTx" presStyleIdx="1" presStyleCnt="4">
         <dgm:presLayoutVars>
           <dgm:chMax val="1"/>
           <dgm:chPref val="1"/>
@@ -5588,20 +5030,20 @@
       </dgm:prSet>
       <dgm:spPr/>
     </dgm:pt>
-    <dgm:pt modelId="{1B509B1D-7BFC-40A9-96C2-F854C6462755}" type="pres">
+    <dgm:pt modelId="{91243F00-4666-4E2E-B22E-E139B7F0F1F6}" type="pres">
       <dgm:prSet presAssocID="{153F6656-8126-4733-8F45-1130C7CEA9AE}" presName="sibTrans" presStyleLbl="sibTrans2D1" presStyleIdx="0" presStyleCnt="0"/>
       <dgm:spPr/>
     </dgm:pt>
-    <dgm:pt modelId="{B707EB21-6CFC-48DC-A1B1-1D20B6203BCA}" type="pres">
+    <dgm:pt modelId="{1D2D9CDD-996B-4461-B8DD-F9FB8D081C36}" type="pres">
       <dgm:prSet presAssocID="{1973D64A-164B-41BF-8C03-D271CB1DDA47}" presName="compNode" presStyleCnt="0"/>
       <dgm:spPr/>
     </dgm:pt>
-    <dgm:pt modelId="{9AA655EE-481B-4DA3-A85E-29BE54B656F5}" type="pres">
-      <dgm:prSet presAssocID="{1973D64A-164B-41BF-8C03-D271CB1DDA47}" presName="iconBgRect" presStyleLbl="bgShp" presStyleIdx="2" presStyleCnt="5"/>
+    <dgm:pt modelId="{8C397131-BD36-4864-AFD5-FDBBB630A87C}" type="pres">
+      <dgm:prSet presAssocID="{1973D64A-164B-41BF-8C03-D271CB1DDA47}" presName="iconBgRect" presStyleLbl="bgShp" presStyleIdx="2" presStyleCnt="4"/>
       <dgm:spPr/>
     </dgm:pt>
-    <dgm:pt modelId="{A5C9C61B-9BCF-4D71-82AD-BEB78E0FE938}" type="pres">
-      <dgm:prSet presAssocID="{1973D64A-164B-41BF-8C03-D271CB1DDA47}" presName="iconRect" presStyleLbl="node1" presStyleIdx="2" presStyleCnt="5"/>
+    <dgm:pt modelId="{F12FA24F-5EC5-4268-8768-31FF2B64A7EC}" type="pres">
+      <dgm:prSet presAssocID="{1973D64A-164B-41BF-8C03-D271CB1DDA47}" presName="iconRect" presStyleLbl="node1" presStyleIdx="2" presStyleCnt="4"/>
       <dgm:spPr>
         <a:blipFill>
           <a:blip xmlns:r="http://schemas.openxmlformats.org/officeDocument/2006/relationships" r:embed="rId5">
@@ -5618,22 +5060,19 @@
             <a:fillRect/>
           </a:stretch>
         </a:blipFill>
-        <a:ln>
-          <a:noFill/>
-        </a:ln>
       </dgm:spPr>
       <dgm:extLst>
         <a:ext uri="{E40237B7-FDA0-4F09-8148-C483321AD2D9}">
-          <dgm14:cNvPr xmlns:dgm14="http://schemas.microsoft.com/office/drawing/2010/diagram" id="0" name="" descr="Dress"/>
+          <dgm14:cNvPr xmlns:dgm14="http://schemas.microsoft.com/office/drawing/2010/diagram" id="0" name="" descr="Television"/>
         </a:ext>
       </dgm:extLst>
     </dgm:pt>
-    <dgm:pt modelId="{063D3705-E9C9-49C8-8DE5-BDD1A24DE7DA}" type="pres">
+    <dgm:pt modelId="{28AC5F41-2E24-4B45-A0C0-63D70286857E}" type="pres">
       <dgm:prSet presAssocID="{1973D64A-164B-41BF-8C03-D271CB1DDA47}" presName="spaceRect" presStyleCnt="0"/>
       <dgm:spPr/>
     </dgm:pt>
-    <dgm:pt modelId="{E1B7FE1E-A7F4-48FF-9CAD-1F33DB04598B}" type="pres">
-      <dgm:prSet presAssocID="{1973D64A-164B-41BF-8C03-D271CB1DDA47}" presName="textRect" presStyleLbl="revTx" presStyleIdx="2" presStyleCnt="5">
+    <dgm:pt modelId="{A59A4700-9D23-413D-88E1-94EE5970FE13}" type="pres">
+      <dgm:prSet presAssocID="{1973D64A-164B-41BF-8C03-D271CB1DDA47}" presName="textRect" presStyleLbl="revTx" presStyleIdx="2" presStyleCnt="4">
         <dgm:presLayoutVars>
           <dgm:chMax val="1"/>
           <dgm:chPref val="1"/>
@@ -5641,20 +5080,20 @@
       </dgm:prSet>
       <dgm:spPr/>
     </dgm:pt>
-    <dgm:pt modelId="{828F8A61-EEBB-4E71-8FFC-F540842D918A}" type="pres">
+    <dgm:pt modelId="{26E5938A-577D-4A27-A9FB-A5F00759F997}" type="pres">
       <dgm:prSet presAssocID="{F24EC901-6A09-4C30-AC76-8DA1DFDEE4C9}" presName="sibTrans" presStyleLbl="sibTrans2D1" presStyleIdx="0" presStyleCnt="0"/>
       <dgm:spPr/>
     </dgm:pt>
-    <dgm:pt modelId="{B87D024A-0452-4197-BE5B-4A9FC4FB0533}" type="pres">
+    <dgm:pt modelId="{CBEF7106-25DD-4043-93F3-7B95E3180F81}" type="pres">
       <dgm:prSet presAssocID="{ADB3E0B3-5EB7-46B4-8F6D-1E2B92E149CE}" presName="compNode" presStyleCnt="0"/>
       <dgm:spPr/>
     </dgm:pt>
-    <dgm:pt modelId="{449C967A-2D8A-43C5-9257-07815FB3355B}" type="pres">
-      <dgm:prSet presAssocID="{ADB3E0B3-5EB7-46B4-8F6D-1E2B92E149CE}" presName="iconBgRect" presStyleLbl="bgShp" presStyleIdx="3" presStyleCnt="5"/>
+    <dgm:pt modelId="{89D1BBA3-9E45-4143-AF05-BF3B9CC317D2}" type="pres">
+      <dgm:prSet presAssocID="{ADB3E0B3-5EB7-46B4-8F6D-1E2B92E149CE}" presName="iconBgRect" presStyleLbl="bgShp" presStyleIdx="3" presStyleCnt="4"/>
       <dgm:spPr/>
     </dgm:pt>
-    <dgm:pt modelId="{01DDDEB3-16C4-4FF7-A8C3-6804CE0A2007}" type="pres">
-      <dgm:prSet presAssocID="{ADB3E0B3-5EB7-46B4-8F6D-1E2B92E149CE}" presName="iconRect" presStyleLbl="node1" presStyleIdx="3" presStyleCnt="5"/>
+    <dgm:pt modelId="{E647383C-BB12-44A1-91BE-55564F539654}" type="pres">
+      <dgm:prSet presAssocID="{ADB3E0B3-5EB7-46B4-8F6D-1E2B92E149CE}" presName="iconRect" presStyleLbl="node1" presStyleIdx="3" presStyleCnt="4"/>
       <dgm:spPr>
         <a:blipFill>
           <a:blip xmlns:r="http://schemas.openxmlformats.org/officeDocument/2006/relationships" r:embed="rId7">
@@ -5671,75 +5110,19 @@
             <a:fillRect/>
           </a:stretch>
         </a:blipFill>
-        <a:ln>
-          <a:noFill/>
-        </a:ln>
       </dgm:spPr>
       <dgm:extLst>
         <a:ext uri="{E40237B7-FDA0-4F09-8148-C483321AD2D9}">
-          <dgm14:cNvPr xmlns:dgm14="http://schemas.microsoft.com/office/drawing/2010/diagram" id="0" name="" descr="Bathtub"/>
+          <dgm14:cNvPr xmlns:dgm14="http://schemas.microsoft.com/office/drawing/2010/diagram" id="0" name="" descr="Database"/>
         </a:ext>
       </dgm:extLst>
     </dgm:pt>
-    <dgm:pt modelId="{F4B2FD4A-93D8-46E6-815B-155E2D518D50}" type="pres">
+    <dgm:pt modelId="{12875BA1-A4F0-4795-BDA5-133E8C8D78D1}" type="pres">
       <dgm:prSet presAssocID="{ADB3E0B3-5EB7-46B4-8F6D-1E2B92E149CE}" presName="spaceRect" presStyleCnt="0"/>
       <dgm:spPr/>
     </dgm:pt>
-    <dgm:pt modelId="{890A927F-1AB6-4DA4-A6E5-FB791FCC7A0C}" type="pres">
-      <dgm:prSet presAssocID="{ADB3E0B3-5EB7-46B4-8F6D-1E2B92E149CE}" presName="textRect" presStyleLbl="revTx" presStyleIdx="3" presStyleCnt="5">
-        <dgm:presLayoutVars>
-          <dgm:chMax val="1"/>
-          <dgm:chPref val="1"/>
-        </dgm:presLayoutVars>
-      </dgm:prSet>
-      <dgm:spPr/>
-    </dgm:pt>
-    <dgm:pt modelId="{AFE18FBA-2898-4362-849B-59E2B52C27A0}" type="pres">
-      <dgm:prSet presAssocID="{B3B969D9-1320-42C3-A9EC-0CBA4CF06247}" presName="sibTrans" presStyleLbl="sibTrans2D1" presStyleIdx="0" presStyleCnt="0"/>
-      <dgm:spPr/>
-    </dgm:pt>
-    <dgm:pt modelId="{9343ECC4-9681-48B0-B144-1FECF5294F73}" type="pres">
-      <dgm:prSet presAssocID="{B8FE6A21-9025-41A9-B230-A8D1BBCC7D81}" presName="compNode" presStyleCnt="0"/>
-      <dgm:spPr/>
-    </dgm:pt>
-    <dgm:pt modelId="{E2DC7EB3-866E-411B-A24A-46C47067DEC9}" type="pres">
-      <dgm:prSet presAssocID="{B8FE6A21-9025-41A9-B230-A8D1BBCC7D81}" presName="iconBgRect" presStyleLbl="bgShp" presStyleIdx="4" presStyleCnt="5"/>
-      <dgm:spPr/>
-    </dgm:pt>
-    <dgm:pt modelId="{77D6099A-20FE-44F4-B34D-B8A3F97B8C63}" type="pres">
-      <dgm:prSet presAssocID="{B8FE6A21-9025-41A9-B230-A8D1BBCC7D81}" presName="iconRect" presStyleLbl="node1" presStyleIdx="4" presStyleCnt="5"/>
-      <dgm:spPr>
-        <a:blipFill>
-          <a:blip xmlns:r="http://schemas.openxmlformats.org/officeDocument/2006/relationships" r:embed="rId9">
-            <a:extLst>
-              <a:ext uri="{28A0092B-C50C-407E-A947-70E740481C1C}">
-                <a14:useLocalDpi xmlns:a14="http://schemas.microsoft.com/office/drawing/2010/main" val="0"/>
-              </a:ext>
-              <a:ext uri="{96DAC541-7B7A-43D3-8B79-37D633B846F1}">
-                <asvg:svgBlip xmlns:asvg="http://schemas.microsoft.com/office/drawing/2016/SVG/main" r:embed="rId10"/>
-              </a:ext>
-            </a:extLst>
-          </a:blip>
-          <a:stretch>
-            <a:fillRect/>
-          </a:stretch>
-        </a:blipFill>
-        <a:ln>
-          <a:noFill/>
-        </a:ln>
-      </dgm:spPr>
-      <dgm:extLst>
-        <a:ext uri="{E40237B7-FDA0-4F09-8148-C483321AD2D9}">
-          <dgm14:cNvPr xmlns:dgm14="http://schemas.microsoft.com/office/drawing/2010/diagram" id="0" name="" descr="Easel"/>
-        </a:ext>
-      </dgm:extLst>
-    </dgm:pt>
-    <dgm:pt modelId="{25DECAAD-FD60-4183-BC94-87C472B26519}" type="pres">
-      <dgm:prSet presAssocID="{B8FE6A21-9025-41A9-B230-A8D1BBCC7D81}" presName="spaceRect" presStyleCnt="0"/>
-      <dgm:spPr/>
-    </dgm:pt>
-    <dgm:pt modelId="{DAB85654-DAE2-4601-A6A8-B50E4186DCDE}" type="pres">
-      <dgm:prSet presAssocID="{B8FE6A21-9025-41A9-B230-A8D1BBCC7D81}" presName="textRect" presStyleLbl="revTx" presStyleIdx="4" presStyleCnt="5">
+    <dgm:pt modelId="{9E28EAC8-6F10-4A7D-BFBE-F3B6EF77C91C}" type="pres">
+      <dgm:prSet presAssocID="{ADB3E0B3-5EB7-46B4-8F6D-1E2B92E149CE}" presName="textRect" presStyleLbl="revTx" presStyleIdx="3" presStyleCnt="4">
         <dgm:presLayoutVars>
           <dgm:chMax val="1"/>
           <dgm:chPref val="1"/>
@@ -5749,51 +5132,42 @@
     </dgm:pt>
   </dgm:ptLst>
   <dgm:cxnLst>
-    <dgm:cxn modelId="{94332E1D-B3B1-490B-B8C5-1E729E5BBECD}" type="presOf" srcId="{5AD544A5-4FDA-4E4F-96EA-C45EA0EB7869}" destId="{993F98DD-D46B-4D29-A821-9DC677E7ACAB}" srcOrd="0" destOrd="0" presId="urn:microsoft.com/office/officeart/2018/2/layout/IconCircleList"/>
+    <dgm:cxn modelId="{2B426727-06FB-41DC-883C-20D860EC02B8}" type="presOf" srcId="{B271F617-57DF-45BC-AE1C-3DA1D27A12C8}" destId="{C67CB37D-5380-42E3-A541-EA5C41C092F6}" srcOrd="0" destOrd="0" presId="urn:microsoft.com/office/officeart/2018/2/layout/IconCircleList"/>
     <dgm:cxn modelId="{C4AD4C39-76DB-4ECA-86B9-2E24372AA99F}" srcId="{D9BC1A75-FEFD-45DB-828E-BC1CF2441C81}" destId="{B271F617-57DF-45BC-AE1C-3DA1D27A12C8}" srcOrd="0" destOrd="0" parTransId="{9CEDD9D4-26CA-4C7F-9363-1FC5E2AE0688}" sibTransId="{C83C7D91-212B-45B2-B8D8-56D71AE89489}"/>
-    <dgm:cxn modelId="{7C18A45E-784A-43D5-A40A-0B9B6495AA76}" type="presOf" srcId="{D9BC1A75-FEFD-45DB-828E-BC1CF2441C81}" destId="{3DAEC36E-3DAD-481F-94FA-C90D874A2DBA}" srcOrd="0" destOrd="0" presId="urn:microsoft.com/office/officeart/2018/2/layout/IconCircleList"/>
-    <dgm:cxn modelId="{0D53666B-08DC-406A-BBD5-5F05217934DC}" type="presOf" srcId="{B271F617-57DF-45BC-AE1C-3DA1D27A12C8}" destId="{CBED1F9C-89AD-4DDC-8A76-2FE61010D40A}" srcOrd="0" destOrd="0" presId="urn:microsoft.com/office/officeart/2018/2/layout/IconCircleList"/>
+    <dgm:cxn modelId="{26202B3B-09B8-466D-A12F-48CFC02099CB}" type="presOf" srcId="{ADB3E0B3-5EB7-46B4-8F6D-1E2B92E149CE}" destId="{9E28EAC8-6F10-4A7D-BFBE-F3B6EF77C91C}" srcOrd="0" destOrd="0" presId="urn:microsoft.com/office/officeart/2018/2/layout/IconCircleList"/>
+    <dgm:cxn modelId="{99FFFA3D-843E-452B-AF0C-C7CF93F81455}" type="presOf" srcId="{C83C7D91-212B-45B2-B8D8-56D71AE89489}" destId="{BB41DE65-6206-44D9-AA16-05C87CB8577E}" srcOrd="0" destOrd="0" presId="urn:microsoft.com/office/officeart/2018/2/layout/IconCircleList"/>
     <dgm:cxn modelId="{79D27371-3964-4AE5-AEEE-BC5455159999}" srcId="{D9BC1A75-FEFD-45DB-828E-BC1CF2441C81}" destId="{ADB3E0B3-5EB7-46B4-8F6D-1E2B92E149CE}" srcOrd="3" destOrd="0" parTransId="{ADDCF763-9C00-4428-B78E-4D94A87B188C}" sibTransId="{B3B969D9-1320-42C3-A9EC-0CBA4CF06247}"/>
-    <dgm:cxn modelId="{FFDB5497-5D66-410A-AB11-F445AA6DD51E}" srcId="{D9BC1A75-FEFD-45DB-828E-BC1CF2441C81}" destId="{B8FE6A21-9025-41A9-B230-A8D1BBCC7D81}" srcOrd="4" destOrd="0" parTransId="{922DD484-5480-4959-AB7F-E8F3A3B3ED1B}" sibTransId="{7894ADF6-22B0-4306-8B80-3380A312A3FC}"/>
-    <dgm:cxn modelId="{9DEBAE9D-DB5B-47BB-A84A-B3A23557C271}" type="presOf" srcId="{ADB3E0B3-5EB7-46B4-8F6D-1E2B92E149CE}" destId="{890A927F-1AB6-4DA4-A6E5-FB791FCC7A0C}" srcOrd="0" destOrd="0" presId="urn:microsoft.com/office/officeart/2018/2/layout/IconCircleList"/>
-    <dgm:cxn modelId="{2A1639A7-2D0D-44F6-8FCB-1003631C2E6F}" type="presOf" srcId="{153F6656-8126-4733-8F45-1130C7CEA9AE}" destId="{1B509B1D-7BFC-40A9-96C2-F854C6462755}" srcOrd="0" destOrd="0" presId="urn:microsoft.com/office/officeart/2018/2/layout/IconCircleList"/>
-    <dgm:cxn modelId="{44C690B3-3A6C-4984-B8E8-06899A76389D}" type="presOf" srcId="{B3B969D9-1320-42C3-A9EC-0CBA4CF06247}" destId="{AFE18FBA-2898-4362-849B-59E2B52C27A0}" srcOrd="0" destOrd="0" presId="urn:microsoft.com/office/officeart/2018/2/layout/IconCircleList"/>
-    <dgm:cxn modelId="{2B3930B5-08DB-40CC-A515-E044E6AE7FFB}" type="presOf" srcId="{B8FE6A21-9025-41A9-B230-A8D1BBCC7D81}" destId="{DAB85654-DAE2-4601-A6A8-B50E4186DCDE}" srcOrd="0" destOrd="0" presId="urn:microsoft.com/office/officeart/2018/2/layout/IconCircleList"/>
-    <dgm:cxn modelId="{D4B8FAC3-20AF-4731-AE39-44F75B4A4FAC}" type="presOf" srcId="{1973D64A-164B-41BF-8C03-D271CB1DDA47}" destId="{E1B7FE1E-A7F4-48FF-9CAD-1F33DB04598B}" srcOrd="0" destOrd="0" presId="urn:microsoft.com/office/officeart/2018/2/layout/IconCircleList"/>
-    <dgm:cxn modelId="{B5D624C4-1E55-4891-8437-7686850DFEFF}" type="presOf" srcId="{F24EC901-6A09-4C30-AC76-8DA1DFDEE4C9}" destId="{828F8A61-EEBB-4E71-8FFC-F540842D918A}" srcOrd="0" destOrd="0" presId="urn:microsoft.com/office/officeart/2018/2/layout/IconCircleList"/>
-    <dgm:cxn modelId="{FA6AC8D3-595E-42E9-9BF1-627DD18CCC4D}" type="presOf" srcId="{C83C7D91-212B-45B2-B8D8-56D71AE89489}" destId="{AA2661A3-C1CB-49AD-9C21-078BD35DADD6}" srcOrd="0" destOrd="0" presId="urn:microsoft.com/office/officeart/2018/2/layout/IconCircleList"/>
+    <dgm:cxn modelId="{D3E48D91-40A2-4A13-BB0C-96A005D39623}" type="presOf" srcId="{1973D64A-164B-41BF-8C03-D271CB1DDA47}" destId="{A59A4700-9D23-413D-88E1-94EE5970FE13}" srcOrd="0" destOrd="0" presId="urn:microsoft.com/office/officeart/2018/2/layout/IconCircleList"/>
+    <dgm:cxn modelId="{6E6C9494-CF14-41A3-B6CE-1C2193589001}" type="presOf" srcId="{F24EC901-6A09-4C30-AC76-8DA1DFDEE4C9}" destId="{26E5938A-577D-4A27-A9FB-A5F00759F997}" srcOrd="0" destOrd="0" presId="urn:microsoft.com/office/officeart/2018/2/layout/IconCircleList"/>
+    <dgm:cxn modelId="{9963FDBD-3003-4B40-ACFA-04281F36968A}" type="presOf" srcId="{153F6656-8126-4733-8F45-1130C7CEA9AE}" destId="{91243F00-4666-4E2E-B22E-E139B7F0F1F6}" srcOrd="0" destOrd="0" presId="urn:microsoft.com/office/officeart/2018/2/layout/IconCircleList"/>
+    <dgm:cxn modelId="{244D1DD3-C74D-4F11-B027-6A396D74C3D2}" type="presOf" srcId="{D9BC1A75-FEFD-45DB-828E-BC1CF2441C81}" destId="{6A19984B-6717-4A64-A0BC-37BA76FB5ED9}" srcOrd="0" destOrd="0" presId="urn:microsoft.com/office/officeart/2018/2/layout/IconCircleList"/>
+    <dgm:cxn modelId="{02D57AD9-A143-4EA3-8A48-597DC8A9657F}" type="presOf" srcId="{5AD544A5-4FDA-4E4F-96EA-C45EA0EB7869}" destId="{89D1831F-3EB4-46AB-B071-5F6B2845974D}" srcOrd="0" destOrd="0" presId="urn:microsoft.com/office/officeart/2018/2/layout/IconCircleList"/>
     <dgm:cxn modelId="{E90CACE2-68E1-4D49-B95E-D44B68BA1B8E}" srcId="{D9BC1A75-FEFD-45DB-828E-BC1CF2441C81}" destId="{5AD544A5-4FDA-4E4F-96EA-C45EA0EB7869}" srcOrd="1" destOrd="0" parTransId="{D3EC4C71-62A8-4740-8860-592BC8C56BA3}" sibTransId="{153F6656-8126-4733-8F45-1130C7CEA9AE}"/>
     <dgm:cxn modelId="{1DAE82E4-9AB6-411B-8B23-0BD85339898B}" srcId="{D9BC1A75-FEFD-45DB-828E-BC1CF2441C81}" destId="{1973D64A-164B-41BF-8C03-D271CB1DDA47}" srcOrd="2" destOrd="0" parTransId="{D708507E-EE4F-4DDF-8CF7-DEC0AF1C0478}" sibTransId="{F24EC901-6A09-4C30-AC76-8DA1DFDEE4C9}"/>
-    <dgm:cxn modelId="{6D93B712-E54D-407C-BA5D-490D2FF4BE01}" type="presParOf" srcId="{3DAEC36E-3DAD-481F-94FA-C90D874A2DBA}" destId="{16DCC423-B03D-45E3-8EEE-58DFE2F31714}" srcOrd="0" destOrd="0" presId="urn:microsoft.com/office/officeart/2018/2/layout/IconCircleList"/>
-    <dgm:cxn modelId="{2511C95B-D416-4CFC-A88B-579A2FD13222}" type="presParOf" srcId="{16DCC423-B03D-45E3-8EEE-58DFE2F31714}" destId="{0B243BEE-3FF3-4A35-AD4F-8B7DCF007676}" srcOrd="0" destOrd="0" presId="urn:microsoft.com/office/officeart/2018/2/layout/IconCircleList"/>
-    <dgm:cxn modelId="{5E13BD6F-0466-4C09-8350-0AE08B8ABD03}" type="presParOf" srcId="{0B243BEE-3FF3-4A35-AD4F-8B7DCF007676}" destId="{257B27D4-EFB1-4F65-8CF8-E50F3359432E}" srcOrd="0" destOrd="0" presId="urn:microsoft.com/office/officeart/2018/2/layout/IconCircleList"/>
-    <dgm:cxn modelId="{D047B59D-B437-46C9-9B8E-BA0464E1F708}" type="presParOf" srcId="{0B243BEE-3FF3-4A35-AD4F-8B7DCF007676}" destId="{F951A853-0184-4DF3-992A-79E0E6A5F0DE}" srcOrd="1" destOrd="0" presId="urn:microsoft.com/office/officeart/2018/2/layout/IconCircleList"/>
-    <dgm:cxn modelId="{F770F4FE-791B-46A8-B8D1-E976BD9B6501}" type="presParOf" srcId="{0B243BEE-3FF3-4A35-AD4F-8B7DCF007676}" destId="{22B480AB-74B5-4056-B7C5-3F27854E2CCB}" srcOrd="2" destOrd="0" presId="urn:microsoft.com/office/officeart/2018/2/layout/IconCircleList"/>
-    <dgm:cxn modelId="{2078C67F-CFD3-4E78-B80C-F0AE24893BAB}" type="presParOf" srcId="{0B243BEE-3FF3-4A35-AD4F-8B7DCF007676}" destId="{CBED1F9C-89AD-4DDC-8A76-2FE61010D40A}" srcOrd="3" destOrd="0" presId="urn:microsoft.com/office/officeart/2018/2/layout/IconCircleList"/>
-    <dgm:cxn modelId="{83863D52-7582-454C-9EA6-1B7496830A96}" type="presParOf" srcId="{16DCC423-B03D-45E3-8EEE-58DFE2F31714}" destId="{AA2661A3-C1CB-49AD-9C21-078BD35DADD6}" srcOrd="1" destOrd="0" presId="urn:microsoft.com/office/officeart/2018/2/layout/IconCircleList"/>
-    <dgm:cxn modelId="{FDDB8C3B-6A29-4463-A2C7-BE7B65BF6013}" type="presParOf" srcId="{16DCC423-B03D-45E3-8EEE-58DFE2F31714}" destId="{7344D121-9769-46A4-BB92-5693B9ECC67B}" srcOrd="2" destOrd="0" presId="urn:microsoft.com/office/officeart/2018/2/layout/IconCircleList"/>
-    <dgm:cxn modelId="{244F2426-1112-4F6F-BAED-4FAF1F64F52D}" type="presParOf" srcId="{7344D121-9769-46A4-BB92-5693B9ECC67B}" destId="{22D582C8-4F89-494E-BE70-B43BFA9B15E7}" srcOrd="0" destOrd="0" presId="urn:microsoft.com/office/officeart/2018/2/layout/IconCircleList"/>
-    <dgm:cxn modelId="{A19D8317-FECD-4629-888E-3DCF2B72070F}" type="presParOf" srcId="{7344D121-9769-46A4-BB92-5693B9ECC67B}" destId="{4DDD0FB6-3D4F-4416-BD7F-1361F7C64DF5}" srcOrd="1" destOrd="0" presId="urn:microsoft.com/office/officeart/2018/2/layout/IconCircleList"/>
-    <dgm:cxn modelId="{6C4A51B7-CC45-44AE-887E-439E77CB8E78}" type="presParOf" srcId="{7344D121-9769-46A4-BB92-5693B9ECC67B}" destId="{B9EF0E45-9A22-412C-B093-C33A60ED4188}" srcOrd="2" destOrd="0" presId="urn:microsoft.com/office/officeart/2018/2/layout/IconCircleList"/>
-    <dgm:cxn modelId="{E09103D2-0D50-4F4A-8C40-E2A0F197432D}" type="presParOf" srcId="{7344D121-9769-46A4-BB92-5693B9ECC67B}" destId="{993F98DD-D46B-4D29-A821-9DC677E7ACAB}" srcOrd="3" destOrd="0" presId="urn:microsoft.com/office/officeart/2018/2/layout/IconCircleList"/>
-    <dgm:cxn modelId="{4904C724-2366-4134-8082-6528C1FAC055}" type="presParOf" srcId="{16DCC423-B03D-45E3-8EEE-58DFE2F31714}" destId="{1B509B1D-7BFC-40A9-96C2-F854C6462755}" srcOrd="3" destOrd="0" presId="urn:microsoft.com/office/officeart/2018/2/layout/IconCircleList"/>
-    <dgm:cxn modelId="{CEDAADB0-F566-4F3D-994C-8CAA1D68BCFF}" type="presParOf" srcId="{16DCC423-B03D-45E3-8EEE-58DFE2F31714}" destId="{B707EB21-6CFC-48DC-A1B1-1D20B6203BCA}" srcOrd="4" destOrd="0" presId="urn:microsoft.com/office/officeart/2018/2/layout/IconCircleList"/>
-    <dgm:cxn modelId="{F47CF96D-2D74-4873-9DFE-F185CD725ED6}" type="presParOf" srcId="{B707EB21-6CFC-48DC-A1B1-1D20B6203BCA}" destId="{9AA655EE-481B-4DA3-A85E-29BE54B656F5}" srcOrd="0" destOrd="0" presId="urn:microsoft.com/office/officeart/2018/2/layout/IconCircleList"/>
-    <dgm:cxn modelId="{B698EAA9-75DC-4F36-BCCD-ABDD92FC52CF}" type="presParOf" srcId="{B707EB21-6CFC-48DC-A1B1-1D20B6203BCA}" destId="{A5C9C61B-9BCF-4D71-82AD-BEB78E0FE938}" srcOrd="1" destOrd="0" presId="urn:microsoft.com/office/officeart/2018/2/layout/IconCircleList"/>
-    <dgm:cxn modelId="{9C607FEB-04FB-421D-A4FE-7B4B2A416707}" type="presParOf" srcId="{B707EB21-6CFC-48DC-A1B1-1D20B6203BCA}" destId="{063D3705-E9C9-49C8-8DE5-BDD1A24DE7DA}" srcOrd="2" destOrd="0" presId="urn:microsoft.com/office/officeart/2018/2/layout/IconCircleList"/>
-    <dgm:cxn modelId="{C80B54AE-1382-4DF8-AF79-79A02F561FCE}" type="presParOf" srcId="{B707EB21-6CFC-48DC-A1B1-1D20B6203BCA}" destId="{E1B7FE1E-A7F4-48FF-9CAD-1F33DB04598B}" srcOrd="3" destOrd="0" presId="urn:microsoft.com/office/officeart/2018/2/layout/IconCircleList"/>
-    <dgm:cxn modelId="{BB9002E5-590E-4F35-B886-B79E6D0683EB}" type="presParOf" srcId="{16DCC423-B03D-45E3-8EEE-58DFE2F31714}" destId="{828F8A61-EEBB-4E71-8FFC-F540842D918A}" srcOrd="5" destOrd="0" presId="urn:microsoft.com/office/officeart/2018/2/layout/IconCircleList"/>
-    <dgm:cxn modelId="{F2D87DF7-D3AE-4889-BD99-70DE9EFCBB5A}" type="presParOf" srcId="{16DCC423-B03D-45E3-8EEE-58DFE2F31714}" destId="{B87D024A-0452-4197-BE5B-4A9FC4FB0533}" srcOrd="6" destOrd="0" presId="urn:microsoft.com/office/officeart/2018/2/layout/IconCircleList"/>
-    <dgm:cxn modelId="{BAD3E08C-E023-41E2-8D0A-C27F65EB4B55}" type="presParOf" srcId="{B87D024A-0452-4197-BE5B-4A9FC4FB0533}" destId="{449C967A-2D8A-43C5-9257-07815FB3355B}" srcOrd="0" destOrd="0" presId="urn:microsoft.com/office/officeart/2018/2/layout/IconCircleList"/>
-    <dgm:cxn modelId="{29F45F40-D301-4663-9C48-BED01386561A}" type="presParOf" srcId="{B87D024A-0452-4197-BE5B-4A9FC4FB0533}" destId="{01DDDEB3-16C4-4FF7-A8C3-6804CE0A2007}" srcOrd="1" destOrd="0" presId="urn:microsoft.com/office/officeart/2018/2/layout/IconCircleList"/>
-    <dgm:cxn modelId="{828D1943-F09C-44FA-85CA-277ECE11BAD9}" type="presParOf" srcId="{B87D024A-0452-4197-BE5B-4A9FC4FB0533}" destId="{F4B2FD4A-93D8-46E6-815B-155E2D518D50}" srcOrd="2" destOrd="0" presId="urn:microsoft.com/office/officeart/2018/2/layout/IconCircleList"/>
-    <dgm:cxn modelId="{D7EE3547-BC68-48CB-8132-CB0FD96C1DD0}" type="presParOf" srcId="{B87D024A-0452-4197-BE5B-4A9FC4FB0533}" destId="{890A927F-1AB6-4DA4-A6E5-FB791FCC7A0C}" srcOrd="3" destOrd="0" presId="urn:microsoft.com/office/officeart/2018/2/layout/IconCircleList"/>
-    <dgm:cxn modelId="{F8DAC03D-F6EE-4F16-9567-DFED8D9DAE98}" type="presParOf" srcId="{16DCC423-B03D-45E3-8EEE-58DFE2F31714}" destId="{AFE18FBA-2898-4362-849B-59E2B52C27A0}" srcOrd="7" destOrd="0" presId="urn:microsoft.com/office/officeart/2018/2/layout/IconCircleList"/>
-    <dgm:cxn modelId="{46400CCF-9E25-4975-A65F-D366586D50A4}" type="presParOf" srcId="{16DCC423-B03D-45E3-8EEE-58DFE2F31714}" destId="{9343ECC4-9681-48B0-B144-1FECF5294F73}" srcOrd="8" destOrd="0" presId="urn:microsoft.com/office/officeart/2018/2/layout/IconCircleList"/>
-    <dgm:cxn modelId="{92098DE7-0ADE-4CC7-B235-2CCF584DCC1D}" type="presParOf" srcId="{9343ECC4-9681-48B0-B144-1FECF5294F73}" destId="{E2DC7EB3-866E-411B-A24A-46C47067DEC9}" srcOrd="0" destOrd="0" presId="urn:microsoft.com/office/officeart/2018/2/layout/IconCircleList"/>
-    <dgm:cxn modelId="{91094D0E-E48F-41BB-B3F6-75B0372EF656}" type="presParOf" srcId="{9343ECC4-9681-48B0-B144-1FECF5294F73}" destId="{77D6099A-20FE-44F4-B34D-B8A3F97B8C63}" srcOrd="1" destOrd="0" presId="urn:microsoft.com/office/officeart/2018/2/layout/IconCircleList"/>
-    <dgm:cxn modelId="{D925F556-0345-4B2B-8C49-54DC50B2F920}" type="presParOf" srcId="{9343ECC4-9681-48B0-B144-1FECF5294F73}" destId="{25DECAAD-FD60-4183-BC94-87C472B26519}" srcOrd="2" destOrd="0" presId="urn:microsoft.com/office/officeart/2018/2/layout/IconCircleList"/>
-    <dgm:cxn modelId="{29787FAC-DA0B-4BC3-B916-729DEB1B2D9B}" type="presParOf" srcId="{9343ECC4-9681-48B0-B144-1FECF5294F73}" destId="{DAB85654-DAE2-4601-A6A8-B50E4186DCDE}" srcOrd="3" destOrd="0" presId="urn:microsoft.com/office/officeart/2018/2/layout/IconCircleList"/>
+    <dgm:cxn modelId="{FEF9AB67-EDA2-4CBC-8426-B6D4C981FB2E}" type="presParOf" srcId="{6A19984B-6717-4A64-A0BC-37BA76FB5ED9}" destId="{BB37C2DD-4A93-4BF4-B148-A0BC518281E2}" srcOrd="0" destOrd="0" presId="urn:microsoft.com/office/officeart/2018/2/layout/IconCircleList"/>
+    <dgm:cxn modelId="{F1BA2530-C288-4DF3-ADA9-335177B0716E}" type="presParOf" srcId="{BB37C2DD-4A93-4BF4-B148-A0BC518281E2}" destId="{4F319AED-06F3-40AB-A215-564EC6D98267}" srcOrd="0" destOrd="0" presId="urn:microsoft.com/office/officeart/2018/2/layout/IconCircleList"/>
+    <dgm:cxn modelId="{FE69C203-C04D-49C0-A3E8-E0A6F0EF35CC}" type="presParOf" srcId="{4F319AED-06F3-40AB-A215-564EC6D98267}" destId="{F34957D3-FC3F-47A4-A9E3-ADF6108A2805}" srcOrd="0" destOrd="0" presId="urn:microsoft.com/office/officeart/2018/2/layout/IconCircleList"/>
+    <dgm:cxn modelId="{8F434030-2E94-4206-9DD4-6AB2B721C9E8}" type="presParOf" srcId="{4F319AED-06F3-40AB-A215-564EC6D98267}" destId="{45CAA855-4E71-40BD-8260-0210CA6A5DB8}" srcOrd="1" destOrd="0" presId="urn:microsoft.com/office/officeart/2018/2/layout/IconCircleList"/>
+    <dgm:cxn modelId="{5D7CCB1B-BB4D-4714-972B-AC3F26FD6A28}" type="presParOf" srcId="{4F319AED-06F3-40AB-A215-564EC6D98267}" destId="{FA1C1C75-CE3B-4078-A905-17EF4D1E0560}" srcOrd="2" destOrd="0" presId="urn:microsoft.com/office/officeart/2018/2/layout/IconCircleList"/>
+    <dgm:cxn modelId="{13C0F8AD-BB10-43A3-BDC8-496D097F79EF}" type="presParOf" srcId="{4F319AED-06F3-40AB-A215-564EC6D98267}" destId="{C67CB37D-5380-42E3-A541-EA5C41C092F6}" srcOrd="3" destOrd="0" presId="urn:microsoft.com/office/officeart/2018/2/layout/IconCircleList"/>
+    <dgm:cxn modelId="{75DAFD82-D6B3-4CE4-A890-3A68F1C62E7E}" type="presParOf" srcId="{BB37C2DD-4A93-4BF4-B148-A0BC518281E2}" destId="{BB41DE65-6206-44D9-AA16-05C87CB8577E}" srcOrd="1" destOrd="0" presId="urn:microsoft.com/office/officeart/2018/2/layout/IconCircleList"/>
+    <dgm:cxn modelId="{828778A5-B6AB-4322-974E-49F3958F1C28}" type="presParOf" srcId="{BB37C2DD-4A93-4BF4-B148-A0BC518281E2}" destId="{D95F2D8C-12C9-4C5E-A1B0-8D5DDE410084}" srcOrd="2" destOrd="0" presId="urn:microsoft.com/office/officeart/2018/2/layout/IconCircleList"/>
+    <dgm:cxn modelId="{01E0AC55-2837-4263-B7BE-B2B72C9912AF}" type="presParOf" srcId="{D95F2D8C-12C9-4C5E-A1B0-8D5DDE410084}" destId="{C3988164-1B83-4638-B430-100137D6FED4}" srcOrd="0" destOrd="0" presId="urn:microsoft.com/office/officeart/2018/2/layout/IconCircleList"/>
+    <dgm:cxn modelId="{902E8C79-2DD6-409F-AAC8-A4FA49C693D9}" type="presParOf" srcId="{D95F2D8C-12C9-4C5E-A1B0-8D5DDE410084}" destId="{ACC46804-410B-4246-9D18-64F951D122D4}" srcOrd="1" destOrd="0" presId="urn:microsoft.com/office/officeart/2018/2/layout/IconCircleList"/>
+    <dgm:cxn modelId="{7CEFD45B-8644-4190-887F-ED0607116BD1}" type="presParOf" srcId="{D95F2D8C-12C9-4C5E-A1B0-8D5DDE410084}" destId="{6CB16641-AB71-42C5-9744-560FF0BA7E52}" srcOrd="2" destOrd="0" presId="urn:microsoft.com/office/officeart/2018/2/layout/IconCircleList"/>
+    <dgm:cxn modelId="{1F942A13-1AA1-409E-91FB-4664DD350C03}" type="presParOf" srcId="{D95F2D8C-12C9-4C5E-A1B0-8D5DDE410084}" destId="{89D1831F-3EB4-46AB-B071-5F6B2845974D}" srcOrd="3" destOrd="0" presId="urn:microsoft.com/office/officeart/2018/2/layout/IconCircleList"/>
+    <dgm:cxn modelId="{523F40C9-4E39-427B-94AE-7165B368228D}" type="presParOf" srcId="{BB37C2DD-4A93-4BF4-B148-A0BC518281E2}" destId="{91243F00-4666-4E2E-B22E-E139B7F0F1F6}" srcOrd="3" destOrd="0" presId="urn:microsoft.com/office/officeart/2018/2/layout/IconCircleList"/>
+    <dgm:cxn modelId="{E4676203-58D9-4AE0-9095-F030B1573646}" type="presParOf" srcId="{BB37C2DD-4A93-4BF4-B148-A0BC518281E2}" destId="{1D2D9CDD-996B-4461-B8DD-F9FB8D081C36}" srcOrd="4" destOrd="0" presId="urn:microsoft.com/office/officeart/2018/2/layout/IconCircleList"/>
+    <dgm:cxn modelId="{1902C383-C85C-4673-B560-ADB7DFCCCDA8}" type="presParOf" srcId="{1D2D9CDD-996B-4461-B8DD-F9FB8D081C36}" destId="{8C397131-BD36-4864-AFD5-FDBBB630A87C}" srcOrd="0" destOrd="0" presId="urn:microsoft.com/office/officeart/2018/2/layout/IconCircleList"/>
+    <dgm:cxn modelId="{B1DFC694-10FF-4AE5-85E6-CE7CE34004C5}" type="presParOf" srcId="{1D2D9CDD-996B-4461-B8DD-F9FB8D081C36}" destId="{F12FA24F-5EC5-4268-8768-31FF2B64A7EC}" srcOrd="1" destOrd="0" presId="urn:microsoft.com/office/officeart/2018/2/layout/IconCircleList"/>
+    <dgm:cxn modelId="{03C05E61-D040-4C2E-B3B6-CDBAC6693319}" type="presParOf" srcId="{1D2D9CDD-996B-4461-B8DD-F9FB8D081C36}" destId="{28AC5F41-2E24-4B45-A0C0-63D70286857E}" srcOrd="2" destOrd="0" presId="urn:microsoft.com/office/officeart/2018/2/layout/IconCircleList"/>
+    <dgm:cxn modelId="{60994D4D-FEDB-4B93-A703-95002B4E4C81}" type="presParOf" srcId="{1D2D9CDD-996B-4461-B8DD-F9FB8D081C36}" destId="{A59A4700-9D23-413D-88E1-94EE5970FE13}" srcOrd="3" destOrd="0" presId="urn:microsoft.com/office/officeart/2018/2/layout/IconCircleList"/>
+    <dgm:cxn modelId="{6EC85F66-E487-4B41-A2A4-AC328B009016}" type="presParOf" srcId="{BB37C2DD-4A93-4BF4-B148-A0BC518281E2}" destId="{26E5938A-577D-4A27-A9FB-A5F00759F997}" srcOrd="5" destOrd="0" presId="urn:microsoft.com/office/officeart/2018/2/layout/IconCircleList"/>
+    <dgm:cxn modelId="{7E289C62-1D82-4AD7-AD0E-077B2EAB88D7}" type="presParOf" srcId="{BB37C2DD-4A93-4BF4-B148-A0BC518281E2}" destId="{CBEF7106-25DD-4043-93F3-7B95E3180F81}" srcOrd="6" destOrd="0" presId="urn:microsoft.com/office/officeart/2018/2/layout/IconCircleList"/>
+    <dgm:cxn modelId="{255FED50-7EB1-4E69-9658-E0DCF0CFB2AB}" type="presParOf" srcId="{CBEF7106-25DD-4043-93F3-7B95E3180F81}" destId="{89D1BBA3-9E45-4143-AF05-BF3B9CC317D2}" srcOrd="0" destOrd="0" presId="urn:microsoft.com/office/officeart/2018/2/layout/IconCircleList"/>
+    <dgm:cxn modelId="{212D2F19-D521-4798-9858-F4028C057CE7}" type="presParOf" srcId="{CBEF7106-25DD-4043-93F3-7B95E3180F81}" destId="{E647383C-BB12-44A1-91BE-55564F539654}" srcOrd="1" destOrd="0" presId="urn:microsoft.com/office/officeart/2018/2/layout/IconCircleList"/>
+    <dgm:cxn modelId="{9B6BBE36-8714-44AA-BE3A-0BE3C2407E5F}" type="presParOf" srcId="{CBEF7106-25DD-4043-93F3-7B95E3180F81}" destId="{12875BA1-A4F0-4795-BDA5-133E8C8D78D1}" srcOrd="2" destOrd="0" presId="urn:microsoft.com/office/officeart/2018/2/layout/IconCircleList"/>
+    <dgm:cxn modelId="{C0A8CCCC-5D32-472A-BECD-D53FE6B28D47}" type="presParOf" srcId="{CBEF7106-25DD-4043-93F3-7B95E3180F81}" destId="{9E28EAC8-6F10-4A7D-BFBE-F3B6EF77C91C}" srcOrd="3" destOrd="0" presId="urn:microsoft.com/office/officeart/2018/2/layout/IconCircleList"/>
   </dgm:cxnLst>
   <dgm:bg/>
   <dgm:whole/>
@@ -5820,8 +5194,8 @@
       </dsp:nvSpPr>
       <dsp:spPr>
         <a:xfrm>
-          <a:off x="324496" y="549813"/>
-          <a:ext cx="1003640" cy="1003640"/>
+          <a:off x="479429" y="1492353"/>
+          <a:ext cx="1338187" cy="1338187"/>
         </a:xfrm>
         <a:prstGeom prst="round2DiagRect">
           <a:avLst>
@@ -5862,8 +5236,8 @@
       </dsp:nvSpPr>
       <dsp:spPr>
         <a:xfrm>
-          <a:off x="538387" y="763704"/>
-          <a:ext cx="575859" cy="575859"/>
+          <a:off x="764617" y="1777540"/>
+          <a:ext cx="767812" cy="767812"/>
         </a:xfrm>
         <a:prstGeom prst="rect">
           <a:avLst/>
@@ -5912,8 +5286,8 @@
       </dsp:nvSpPr>
       <dsp:spPr>
         <a:xfrm>
-          <a:off x="3660" y="1866063"/>
-          <a:ext cx="1645312" cy="658125"/>
+          <a:off x="51648" y="3247353"/>
+          <a:ext cx="2193750" cy="720000"/>
         </a:xfrm>
         <a:prstGeom prst="rect">
           <a:avLst/>
@@ -5942,7 +5316,7 @@
         </a:bodyPr>
         <a:lstStyle/>
         <a:p>
-          <a:pPr marL="0" lvl="0" indent="0" algn="ctr" defTabSz="622300">
+          <a:pPr marL="0" lvl="0" indent="0" algn="ctr" defTabSz="1022350">
             <a:lnSpc>
               <a:spcPct val="100000"/>
             </a:lnSpc>
@@ -5956,15 +5330,15 @@
             <a:defRPr cap="all"/>
           </a:pPr>
           <a:r>
-            <a:rPr lang="en-IN" sz="1400" kern="1200"/>
+            <a:rPr lang="en-IN" sz="2300" kern="1200"/>
             <a:t>1. Computer Vision</a:t>
           </a:r>
-          <a:endParaRPr lang="en-US" sz="1400" kern="1200"/>
+          <a:endParaRPr lang="en-US" sz="2300" kern="1200"/>
         </a:p>
       </dsp:txBody>
       <dsp:txXfrm>
-        <a:off x="3660" y="1866063"/>
-        <a:ext cx="1645312" cy="658125"/>
+        <a:off x="51648" y="3247353"/>
+        <a:ext cx="2193750" cy="720000"/>
       </dsp:txXfrm>
     </dsp:sp>
     <dsp:sp modelId="{B386A71E-81D6-4F54-93C1-0DD078AB3CA3}">
@@ -5974,8 +5348,8 @@
       </dsp:nvSpPr>
       <dsp:spPr>
         <a:xfrm>
-          <a:off x="2257738" y="549813"/>
-          <a:ext cx="1003640" cy="1003640"/>
+          <a:off x="3057086" y="1492353"/>
+          <a:ext cx="1338187" cy="1338187"/>
         </a:xfrm>
         <a:prstGeom prst="round2DiagRect">
           <a:avLst>
@@ -6016,8 +5390,8 @@
       </dsp:nvSpPr>
       <dsp:spPr>
         <a:xfrm>
-          <a:off x="2471629" y="763704"/>
-          <a:ext cx="575859" cy="575859"/>
+          <a:off x="3342273" y="1777540"/>
+          <a:ext cx="767812" cy="767812"/>
         </a:xfrm>
         <a:prstGeom prst="rect">
           <a:avLst/>
@@ -6066,8 +5440,8 @@
       </dsp:nvSpPr>
       <dsp:spPr>
         <a:xfrm>
-          <a:off x="1936902" y="1866063"/>
-          <a:ext cx="1645312" cy="658125"/>
+          <a:off x="2629305" y="3247353"/>
+          <a:ext cx="2193750" cy="720000"/>
         </a:xfrm>
         <a:prstGeom prst="rect">
           <a:avLst/>
@@ -6096,7 +5470,7 @@
         </a:bodyPr>
         <a:lstStyle/>
         <a:p>
-          <a:pPr marL="0" lvl="0" indent="0" algn="ctr" defTabSz="622300">
+          <a:pPr marL="0" lvl="0" indent="0" algn="ctr" defTabSz="1022350">
             <a:lnSpc>
               <a:spcPct val="100000"/>
             </a:lnSpc>
@@ -6110,15 +5484,15 @@
             <a:defRPr cap="all"/>
           </a:pPr>
           <a:r>
-            <a:rPr lang="en-IN" sz="1400" kern="1200"/>
+            <a:rPr lang="en-IN" sz="2300" kern="1200"/>
             <a:t>2. Deep Learning</a:t>
           </a:r>
-          <a:endParaRPr lang="en-US" sz="1400" kern="1200"/>
+          <a:endParaRPr lang="en-US" sz="2300" kern="1200"/>
         </a:p>
       </dsp:txBody>
       <dsp:txXfrm>
-        <a:off x="1936902" y="1866063"/>
-        <a:ext cx="1645312" cy="658125"/>
+        <a:off x="2629305" y="3247353"/>
+        <a:ext cx="2193750" cy="720000"/>
       </dsp:txXfrm>
     </dsp:sp>
     <dsp:sp modelId="{16EBE3DB-92D6-40DC-BDC2-F80AA73A0380}">
@@ -6128,8 +5502,8 @@
       </dsp:nvSpPr>
       <dsp:spPr>
         <a:xfrm>
-          <a:off x="4190980" y="549813"/>
-          <a:ext cx="1003640" cy="1003640"/>
+          <a:off x="5634742" y="1492353"/>
+          <a:ext cx="1338187" cy="1338187"/>
         </a:xfrm>
         <a:prstGeom prst="round2DiagRect">
           <a:avLst>
@@ -6170,8 +5544,8 @@
       </dsp:nvSpPr>
       <dsp:spPr>
         <a:xfrm>
-          <a:off x="4404871" y="763704"/>
-          <a:ext cx="575859" cy="575859"/>
+          <a:off x="5919930" y="1777540"/>
+          <a:ext cx="767812" cy="767812"/>
         </a:xfrm>
         <a:prstGeom prst="rect">
           <a:avLst/>
@@ -6220,8 +5594,8 @@
       </dsp:nvSpPr>
       <dsp:spPr>
         <a:xfrm>
-          <a:off x="3870144" y="1866063"/>
-          <a:ext cx="1645312" cy="658125"/>
+          <a:off x="5206961" y="3247353"/>
+          <a:ext cx="2193750" cy="720000"/>
         </a:xfrm>
         <a:prstGeom prst="rect">
           <a:avLst/>
@@ -6250,7 +5624,7 @@
         </a:bodyPr>
         <a:lstStyle/>
         <a:p>
-          <a:pPr marL="0" lvl="0" indent="0" algn="ctr" defTabSz="622300">
+          <a:pPr marL="0" lvl="0" indent="0" algn="ctr" defTabSz="1022350">
             <a:lnSpc>
               <a:spcPct val="100000"/>
             </a:lnSpc>
@@ -6264,785 +5638,15 @@
             <a:defRPr cap="all"/>
           </a:pPr>
           <a:r>
-            <a:rPr lang="en-IN" sz="1400" kern="1200"/>
+            <a:rPr lang="en-IN" sz="2300" kern="1200"/>
             <a:t>3. Web Development</a:t>
           </a:r>
-          <a:endParaRPr lang="en-US" sz="1400" kern="1200"/>
+          <a:endParaRPr lang="en-US" sz="2300" kern="1200"/>
         </a:p>
       </dsp:txBody>
       <dsp:txXfrm>
-        <a:off x="3870144" y="1866063"/>
-        <a:ext cx="1645312" cy="658125"/>
-      </dsp:txXfrm>
-    </dsp:sp>
-    <dsp:sp modelId="{1CE74221-926B-433D-B7F8-9E20A810AB7A}">
-      <dsp:nvSpPr>
-        <dsp:cNvPr id="0" name=""/>
-        <dsp:cNvSpPr/>
-      </dsp:nvSpPr>
-      <dsp:spPr>
-        <a:xfrm>
-          <a:off x="6124222" y="549813"/>
-          <a:ext cx="1003640" cy="1003640"/>
-        </a:xfrm>
-        <a:prstGeom prst="round2DiagRect">
-          <a:avLst>
-            <a:gd name="adj1" fmla="val 29727"/>
-            <a:gd name="adj2" fmla="val 0"/>
-          </a:avLst>
-        </a:prstGeom>
-        <a:solidFill>
-          <a:schemeClr val="accent5">
-            <a:hueOff val="0"/>
-            <a:satOff val="0"/>
-            <a:lumOff val="0"/>
-            <a:alphaOff val="0"/>
-          </a:schemeClr>
-        </a:solidFill>
-        <a:ln>
-          <a:noFill/>
-        </a:ln>
-        <a:effectLst/>
-      </dsp:spPr>
-      <dsp:style>
-        <a:lnRef idx="0">
-          <a:scrgbClr r="0" g="0" b="0"/>
-        </a:lnRef>
-        <a:fillRef idx="1">
-          <a:scrgbClr r="0" g="0" b="0"/>
-        </a:fillRef>
-        <a:effectRef idx="0">
-          <a:scrgbClr r="0" g="0" b="0"/>
-        </a:effectRef>
-        <a:fontRef idx="minor"/>
-      </dsp:style>
-    </dsp:sp>
-    <dsp:sp modelId="{E69861CE-3A1D-4F6B-BB59-C44CF15C92BB}">
-      <dsp:nvSpPr>
-        <dsp:cNvPr id="0" name=""/>
-        <dsp:cNvSpPr/>
-      </dsp:nvSpPr>
-      <dsp:spPr>
-        <a:xfrm>
-          <a:off x="6338113" y="763704"/>
-          <a:ext cx="575859" cy="575859"/>
-        </a:xfrm>
-        <a:prstGeom prst="rect">
-          <a:avLst/>
-        </a:prstGeom>
-        <a:blipFill>
-          <a:blip xmlns:r="http://schemas.openxmlformats.org/officeDocument/2006/relationships" r:embed="rId7">
-            <a:extLst>
-              <a:ext uri="{28A0092B-C50C-407E-A947-70E740481C1C}">
-                <a14:useLocalDpi xmlns:a14="http://schemas.microsoft.com/office/drawing/2010/main" val="0"/>
-              </a:ext>
-              <a:ext uri="{96DAC541-7B7A-43D3-8B79-37D633B846F1}">
-                <asvg:svgBlip xmlns:asvg="http://schemas.microsoft.com/office/drawing/2016/SVG/main" r:embed="rId8"/>
-              </a:ext>
-            </a:extLst>
-          </a:blip>
-          <a:stretch>
-            <a:fillRect/>
-          </a:stretch>
-        </a:blipFill>
-        <a:ln w="12700" cap="flat" cmpd="sng" algn="ctr">
-          <a:noFill/>
-          <a:prstDash val="solid"/>
-          <a:miter lim="800000"/>
-        </a:ln>
-        <a:effectLst/>
-      </dsp:spPr>
-      <dsp:style>
-        <a:lnRef idx="2">
-          <a:scrgbClr r="0" g="0" b="0"/>
-        </a:lnRef>
-        <a:fillRef idx="1">
-          <a:scrgbClr r="0" g="0" b="0"/>
-        </a:fillRef>
-        <a:effectRef idx="0">
-          <a:scrgbClr r="0" g="0" b="0"/>
-        </a:effectRef>
-        <a:fontRef idx="minor">
-          <a:schemeClr val="lt1"/>
-        </a:fontRef>
-      </dsp:style>
-    </dsp:sp>
-    <dsp:sp modelId="{DA663ABB-EC51-4439-B728-B17029B5E6B7}">
-      <dsp:nvSpPr>
-        <dsp:cNvPr id="0" name=""/>
-        <dsp:cNvSpPr/>
-      </dsp:nvSpPr>
-      <dsp:spPr>
-        <a:xfrm>
-          <a:off x="5803387" y="1866063"/>
-          <a:ext cx="1645312" cy="658125"/>
-        </a:xfrm>
-        <a:prstGeom prst="rect">
-          <a:avLst/>
-        </a:prstGeom>
-        <a:noFill/>
-        <a:ln>
-          <a:noFill/>
-        </a:ln>
-        <a:effectLst/>
-      </dsp:spPr>
-      <dsp:style>
-        <a:lnRef idx="0">
-          <a:scrgbClr r="0" g="0" b="0"/>
-        </a:lnRef>
-        <a:fillRef idx="0">
-          <a:scrgbClr r="0" g="0" b="0"/>
-        </a:fillRef>
-        <a:effectRef idx="0">
-          <a:scrgbClr r="0" g="0" b="0"/>
-        </a:effectRef>
-        <a:fontRef idx="minor"/>
-      </dsp:style>
-      <dsp:txBody>
-        <a:bodyPr spcFirstLastPara="0" vert="horz" wrap="square" lIns="0" tIns="0" rIns="0" bIns="0" numCol="1" spcCol="1270" anchor="t" anchorCtr="0">
-          <a:noAutofit/>
-        </a:bodyPr>
-        <a:lstStyle/>
-        <a:p>
-          <a:pPr marL="0" lvl="0" indent="0" algn="ctr" defTabSz="622300">
-            <a:lnSpc>
-              <a:spcPct val="100000"/>
-            </a:lnSpc>
-            <a:spcBef>
-              <a:spcPct val="0"/>
-            </a:spcBef>
-            <a:spcAft>
-              <a:spcPct val="35000"/>
-            </a:spcAft>
-            <a:buNone/>
-            <a:defRPr cap="all"/>
-          </a:pPr>
-          <a:r>
-            <a:rPr lang="en-IN" sz="1400" kern="1200"/>
-            <a:t>4. User Interface Design</a:t>
-          </a:r>
-          <a:endParaRPr lang="en-US" sz="1400" kern="1200"/>
-        </a:p>
-      </dsp:txBody>
-      <dsp:txXfrm>
-        <a:off x="5803387" y="1866063"/>
-        <a:ext cx="1645312" cy="658125"/>
-      </dsp:txXfrm>
-    </dsp:sp>
-    <dsp:sp modelId="{10B722E1-984F-483B-B462-8D2329F8A8CE}">
-      <dsp:nvSpPr>
-        <dsp:cNvPr id="0" name=""/>
-        <dsp:cNvSpPr/>
-      </dsp:nvSpPr>
-      <dsp:spPr>
-        <a:xfrm>
-          <a:off x="324496" y="2935517"/>
-          <a:ext cx="1003640" cy="1003640"/>
-        </a:xfrm>
-        <a:prstGeom prst="round2DiagRect">
-          <a:avLst>
-            <a:gd name="adj1" fmla="val 29727"/>
-            <a:gd name="adj2" fmla="val 0"/>
-          </a:avLst>
-        </a:prstGeom>
-        <a:solidFill>
-          <a:schemeClr val="accent6">
-            <a:hueOff val="0"/>
-            <a:satOff val="0"/>
-            <a:lumOff val="0"/>
-            <a:alphaOff val="0"/>
-          </a:schemeClr>
-        </a:solidFill>
-        <a:ln>
-          <a:noFill/>
-        </a:ln>
-        <a:effectLst/>
-      </dsp:spPr>
-      <dsp:style>
-        <a:lnRef idx="0">
-          <a:scrgbClr r="0" g="0" b="0"/>
-        </a:lnRef>
-        <a:fillRef idx="1">
-          <a:scrgbClr r="0" g="0" b="0"/>
-        </a:fillRef>
-        <a:effectRef idx="0">
-          <a:scrgbClr r="0" g="0" b="0"/>
-        </a:effectRef>
-        <a:fontRef idx="minor"/>
-      </dsp:style>
-    </dsp:sp>
-    <dsp:sp modelId="{DF69D6E3-1DC9-4A8D-816C-4A84702866A7}">
-      <dsp:nvSpPr>
-        <dsp:cNvPr id="0" name=""/>
-        <dsp:cNvSpPr/>
-      </dsp:nvSpPr>
-      <dsp:spPr>
-        <a:xfrm>
-          <a:off x="538387" y="3149407"/>
-          <a:ext cx="575859" cy="575859"/>
-        </a:xfrm>
-        <a:prstGeom prst="rect">
-          <a:avLst/>
-        </a:prstGeom>
-        <a:blipFill>
-          <a:blip xmlns:r="http://schemas.openxmlformats.org/officeDocument/2006/relationships" r:embed="rId9">
-            <a:extLst>
-              <a:ext uri="{28A0092B-C50C-407E-A947-70E740481C1C}">
-                <a14:useLocalDpi xmlns:a14="http://schemas.microsoft.com/office/drawing/2010/main" val="0"/>
-              </a:ext>
-              <a:ext uri="{96DAC541-7B7A-43D3-8B79-37D633B846F1}">
-                <asvg:svgBlip xmlns:asvg="http://schemas.microsoft.com/office/drawing/2016/SVG/main" r:embed="rId10"/>
-              </a:ext>
-            </a:extLst>
-          </a:blip>
-          <a:stretch>
-            <a:fillRect/>
-          </a:stretch>
-        </a:blipFill>
-        <a:ln w="12700" cap="flat" cmpd="sng" algn="ctr">
-          <a:noFill/>
-          <a:prstDash val="solid"/>
-          <a:miter lim="800000"/>
-        </a:ln>
-        <a:effectLst/>
-      </dsp:spPr>
-      <dsp:style>
-        <a:lnRef idx="2">
-          <a:scrgbClr r="0" g="0" b="0"/>
-        </a:lnRef>
-        <a:fillRef idx="1">
-          <a:scrgbClr r="0" g="0" b="0"/>
-        </a:fillRef>
-        <a:effectRef idx="0">
-          <a:scrgbClr r="0" g="0" b="0"/>
-        </a:effectRef>
-        <a:fontRef idx="minor">
-          <a:schemeClr val="lt1"/>
-        </a:fontRef>
-      </dsp:style>
-    </dsp:sp>
-    <dsp:sp modelId="{AD817F3B-24CB-4D1F-83E8-E45BFA260A14}">
-      <dsp:nvSpPr>
-        <dsp:cNvPr id="0" name=""/>
-        <dsp:cNvSpPr/>
-      </dsp:nvSpPr>
-      <dsp:spPr>
-        <a:xfrm>
-          <a:off x="3660" y="4251767"/>
-          <a:ext cx="1645312" cy="658125"/>
-        </a:xfrm>
-        <a:prstGeom prst="rect">
-          <a:avLst/>
-        </a:prstGeom>
-        <a:noFill/>
-        <a:ln>
-          <a:noFill/>
-        </a:ln>
-        <a:effectLst/>
-      </dsp:spPr>
-      <dsp:style>
-        <a:lnRef idx="0">
-          <a:scrgbClr r="0" g="0" b="0"/>
-        </a:lnRef>
-        <a:fillRef idx="0">
-          <a:scrgbClr r="0" g="0" b="0"/>
-        </a:fillRef>
-        <a:effectRef idx="0">
-          <a:scrgbClr r="0" g="0" b="0"/>
-        </a:effectRef>
-        <a:fontRef idx="minor"/>
-      </dsp:style>
-      <dsp:txBody>
-        <a:bodyPr spcFirstLastPara="0" vert="horz" wrap="square" lIns="0" tIns="0" rIns="0" bIns="0" numCol="1" spcCol="1270" anchor="t" anchorCtr="0">
-          <a:noAutofit/>
-        </a:bodyPr>
-        <a:lstStyle/>
-        <a:p>
-          <a:pPr marL="0" lvl="0" indent="0" algn="ctr" defTabSz="622300">
-            <a:lnSpc>
-              <a:spcPct val="100000"/>
-            </a:lnSpc>
-            <a:spcBef>
-              <a:spcPct val="0"/>
-            </a:spcBef>
-            <a:spcAft>
-              <a:spcPct val="35000"/>
-            </a:spcAft>
-            <a:buNone/>
-            <a:defRPr cap="all"/>
-          </a:pPr>
-          <a:r>
-            <a:rPr lang="en-IN" sz="1400" kern="1200"/>
-            <a:t>5. Data Preprocessing</a:t>
-          </a:r>
-          <a:endParaRPr lang="en-US" sz="1400" kern="1200"/>
-        </a:p>
-      </dsp:txBody>
-      <dsp:txXfrm>
-        <a:off x="3660" y="4251767"/>
-        <a:ext cx="1645312" cy="658125"/>
-      </dsp:txXfrm>
-    </dsp:sp>
-    <dsp:sp modelId="{A2ACC387-EB0A-4F32-8A84-89A39AC6E49F}">
-      <dsp:nvSpPr>
-        <dsp:cNvPr id="0" name=""/>
-        <dsp:cNvSpPr/>
-      </dsp:nvSpPr>
-      <dsp:spPr>
-        <a:xfrm>
-          <a:off x="2257738" y="2935517"/>
-          <a:ext cx="1003640" cy="1003640"/>
-        </a:xfrm>
-        <a:prstGeom prst="round2DiagRect">
-          <a:avLst>
-            <a:gd name="adj1" fmla="val 29727"/>
-            <a:gd name="adj2" fmla="val 0"/>
-          </a:avLst>
-        </a:prstGeom>
-        <a:solidFill>
-          <a:schemeClr val="accent2">
-            <a:hueOff val="0"/>
-            <a:satOff val="0"/>
-            <a:lumOff val="0"/>
-            <a:alphaOff val="0"/>
-          </a:schemeClr>
-        </a:solidFill>
-        <a:ln>
-          <a:noFill/>
-        </a:ln>
-        <a:effectLst/>
-      </dsp:spPr>
-      <dsp:style>
-        <a:lnRef idx="0">
-          <a:scrgbClr r="0" g="0" b="0"/>
-        </a:lnRef>
-        <a:fillRef idx="1">
-          <a:scrgbClr r="0" g="0" b="0"/>
-        </a:fillRef>
-        <a:effectRef idx="0">
-          <a:scrgbClr r="0" g="0" b="0"/>
-        </a:effectRef>
-        <a:fontRef idx="minor"/>
-      </dsp:style>
-    </dsp:sp>
-    <dsp:sp modelId="{BA511191-C417-444D-B0AA-4F0569A8AFCB}">
-      <dsp:nvSpPr>
-        <dsp:cNvPr id="0" name=""/>
-        <dsp:cNvSpPr/>
-      </dsp:nvSpPr>
-      <dsp:spPr>
-        <a:xfrm>
-          <a:off x="2471629" y="3149407"/>
-          <a:ext cx="575859" cy="575859"/>
-        </a:xfrm>
-        <a:prstGeom prst="rect">
-          <a:avLst/>
-        </a:prstGeom>
-        <a:blipFill>
-          <a:blip xmlns:r="http://schemas.openxmlformats.org/officeDocument/2006/relationships" r:embed="rId11">
-            <a:extLst>
-              <a:ext uri="{28A0092B-C50C-407E-A947-70E740481C1C}">
-                <a14:useLocalDpi xmlns:a14="http://schemas.microsoft.com/office/drawing/2010/main" val="0"/>
-              </a:ext>
-              <a:ext uri="{96DAC541-7B7A-43D3-8B79-37D633B846F1}">
-                <asvg:svgBlip xmlns:asvg="http://schemas.microsoft.com/office/drawing/2016/SVG/main" r:embed="rId12"/>
-              </a:ext>
-            </a:extLst>
-          </a:blip>
-          <a:stretch>
-            <a:fillRect/>
-          </a:stretch>
-        </a:blipFill>
-        <a:ln w="12700" cap="flat" cmpd="sng" algn="ctr">
-          <a:noFill/>
-          <a:prstDash val="solid"/>
-          <a:miter lim="800000"/>
-        </a:ln>
-        <a:effectLst/>
-      </dsp:spPr>
-      <dsp:style>
-        <a:lnRef idx="2">
-          <a:scrgbClr r="0" g="0" b="0"/>
-        </a:lnRef>
-        <a:fillRef idx="1">
-          <a:scrgbClr r="0" g="0" b="0"/>
-        </a:fillRef>
-        <a:effectRef idx="0">
-          <a:scrgbClr r="0" g="0" b="0"/>
-        </a:effectRef>
-        <a:fontRef idx="minor">
-          <a:schemeClr val="lt1"/>
-        </a:fontRef>
-      </dsp:style>
-    </dsp:sp>
-    <dsp:sp modelId="{A597B2B1-D897-412A-A29F-FE31BF3B8D4B}">
-      <dsp:nvSpPr>
-        <dsp:cNvPr id="0" name=""/>
-        <dsp:cNvSpPr/>
-      </dsp:nvSpPr>
-      <dsp:spPr>
-        <a:xfrm>
-          <a:off x="1936902" y="4251767"/>
-          <a:ext cx="1645312" cy="658125"/>
-        </a:xfrm>
-        <a:prstGeom prst="rect">
-          <a:avLst/>
-        </a:prstGeom>
-        <a:noFill/>
-        <a:ln>
-          <a:noFill/>
-        </a:ln>
-        <a:effectLst/>
-      </dsp:spPr>
-      <dsp:style>
-        <a:lnRef idx="0">
-          <a:scrgbClr r="0" g="0" b="0"/>
-        </a:lnRef>
-        <a:fillRef idx="0">
-          <a:scrgbClr r="0" g="0" b="0"/>
-        </a:fillRef>
-        <a:effectRef idx="0">
-          <a:scrgbClr r="0" g="0" b="0"/>
-        </a:effectRef>
-        <a:fontRef idx="minor"/>
-      </dsp:style>
-      <dsp:txBody>
-        <a:bodyPr spcFirstLastPara="0" vert="horz" wrap="square" lIns="0" tIns="0" rIns="0" bIns="0" numCol="1" spcCol="1270" anchor="t" anchorCtr="0">
-          <a:noAutofit/>
-        </a:bodyPr>
-        <a:lstStyle/>
-        <a:p>
-          <a:pPr marL="0" lvl="0" indent="0" algn="ctr" defTabSz="622300">
-            <a:lnSpc>
-              <a:spcPct val="100000"/>
-            </a:lnSpc>
-            <a:spcBef>
-              <a:spcPct val="0"/>
-            </a:spcBef>
-            <a:spcAft>
-              <a:spcPct val="35000"/>
-            </a:spcAft>
-            <a:buNone/>
-            <a:defRPr cap="all"/>
-          </a:pPr>
-          <a:r>
-            <a:rPr lang="en-IN" sz="1400" kern="1200"/>
-            <a:t>6. Search Engine Integration</a:t>
-          </a:r>
-          <a:endParaRPr lang="en-US" sz="1400" kern="1200"/>
-        </a:p>
-      </dsp:txBody>
-      <dsp:txXfrm>
-        <a:off x="1936902" y="4251767"/>
-        <a:ext cx="1645312" cy="658125"/>
-      </dsp:txXfrm>
-    </dsp:sp>
-    <dsp:sp modelId="{CE0C5AB8-0270-43B8-8DBF-97382C9CF495}">
-      <dsp:nvSpPr>
-        <dsp:cNvPr id="0" name=""/>
-        <dsp:cNvSpPr/>
-      </dsp:nvSpPr>
-      <dsp:spPr>
-        <a:xfrm>
-          <a:off x="4190980" y="2935517"/>
-          <a:ext cx="1003640" cy="1003640"/>
-        </a:xfrm>
-        <a:prstGeom prst="round2DiagRect">
-          <a:avLst>
-            <a:gd name="adj1" fmla="val 29727"/>
-            <a:gd name="adj2" fmla="val 0"/>
-          </a:avLst>
-        </a:prstGeom>
-        <a:solidFill>
-          <a:schemeClr val="accent3">
-            <a:hueOff val="0"/>
-            <a:satOff val="0"/>
-            <a:lumOff val="0"/>
-            <a:alphaOff val="0"/>
-          </a:schemeClr>
-        </a:solidFill>
-        <a:ln>
-          <a:noFill/>
-        </a:ln>
-        <a:effectLst/>
-      </dsp:spPr>
-      <dsp:style>
-        <a:lnRef idx="0">
-          <a:scrgbClr r="0" g="0" b="0"/>
-        </a:lnRef>
-        <a:fillRef idx="1">
-          <a:scrgbClr r="0" g="0" b="0"/>
-        </a:fillRef>
-        <a:effectRef idx="0">
-          <a:scrgbClr r="0" g="0" b="0"/>
-        </a:effectRef>
-        <a:fontRef idx="minor"/>
-      </dsp:style>
-    </dsp:sp>
-    <dsp:sp modelId="{84CB9AE8-1564-471F-AC8E-6F043A7AFC19}">
-      <dsp:nvSpPr>
-        <dsp:cNvPr id="0" name=""/>
-        <dsp:cNvSpPr/>
-      </dsp:nvSpPr>
-      <dsp:spPr>
-        <a:xfrm>
-          <a:off x="4404871" y="3149407"/>
-          <a:ext cx="575859" cy="575859"/>
-        </a:xfrm>
-        <a:prstGeom prst="rect">
-          <a:avLst/>
-        </a:prstGeom>
-        <a:blipFill>
-          <a:blip xmlns:r="http://schemas.openxmlformats.org/officeDocument/2006/relationships" r:embed="rId13">
-            <a:extLst>
-              <a:ext uri="{28A0092B-C50C-407E-A947-70E740481C1C}">
-                <a14:useLocalDpi xmlns:a14="http://schemas.microsoft.com/office/drawing/2010/main" val="0"/>
-              </a:ext>
-              <a:ext uri="{96DAC541-7B7A-43D3-8B79-37D633B846F1}">
-                <asvg:svgBlip xmlns:asvg="http://schemas.microsoft.com/office/drawing/2016/SVG/main" r:embed="rId14"/>
-              </a:ext>
-            </a:extLst>
-          </a:blip>
-          <a:stretch>
-            <a:fillRect/>
-          </a:stretch>
-        </a:blipFill>
-        <a:ln w="12700" cap="flat" cmpd="sng" algn="ctr">
-          <a:noFill/>
-          <a:prstDash val="solid"/>
-          <a:miter lim="800000"/>
-        </a:ln>
-        <a:effectLst/>
-      </dsp:spPr>
-      <dsp:style>
-        <a:lnRef idx="2">
-          <a:scrgbClr r="0" g="0" b="0"/>
-        </a:lnRef>
-        <a:fillRef idx="1">
-          <a:scrgbClr r="0" g="0" b="0"/>
-        </a:fillRef>
-        <a:effectRef idx="0">
-          <a:scrgbClr r="0" g="0" b="0"/>
-        </a:effectRef>
-        <a:fontRef idx="minor">
-          <a:schemeClr val="lt1"/>
-        </a:fontRef>
-      </dsp:style>
-    </dsp:sp>
-    <dsp:sp modelId="{6B3BA892-E91E-489B-8E6E-E2C8ED8240AE}">
-      <dsp:nvSpPr>
-        <dsp:cNvPr id="0" name=""/>
-        <dsp:cNvSpPr/>
-      </dsp:nvSpPr>
-      <dsp:spPr>
-        <a:xfrm>
-          <a:off x="3870144" y="4251767"/>
-          <a:ext cx="1645312" cy="658125"/>
-        </a:xfrm>
-        <a:prstGeom prst="rect">
-          <a:avLst/>
-        </a:prstGeom>
-        <a:noFill/>
-        <a:ln>
-          <a:noFill/>
-        </a:ln>
-        <a:effectLst/>
-      </dsp:spPr>
-      <dsp:style>
-        <a:lnRef idx="0">
-          <a:scrgbClr r="0" g="0" b="0"/>
-        </a:lnRef>
-        <a:fillRef idx="0">
-          <a:scrgbClr r="0" g="0" b="0"/>
-        </a:fillRef>
-        <a:effectRef idx="0">
-          <a:scrgbClr r="0" g="0" b="0"/>
-        </a:effectRef>
-        <a:fontRef idx="minor"/>
-      </dsp:style>
-      <dsp:txBody>
-        <a:bodyPr spcFirstLastPara="0" vert="horz" wrap="square" lIns="0" tIns="0" rIns="0" bIns="0" numCol="1" spcCol="1270" anchor="t" anchorCtr="0">
-          <a:noAutofit/>
-        </a:bodyPr>
-        <a:lstStyle/>
-        <a:p>
-          <a:pPr marL="0" lvl="0" indent="0" algn="ctr" defTabSz="622300">
-            <a:lnSpc>
-              <a:spcPct val="100000"/>
-            </a:lnSpc>
-            <a:spcBef>
-              <a:spcPct val="0"/>
-            </a:spcBef>
-            <a:spcAft>
-              <a:spcPct val="35000"/>
-            </a:spcAft>
-            <a:buNone/>
-            <a:defRPr cap="all"/>
-          </a:pPr>
-          <a:r>
-            <a:rPr lang="en-IN" sz="1400" kern="1200"/>
-            <a:t>7. Evaluation Metrics</a:t>
-          </a:r>
-          <a:endParaRPr lang="en-US" sz="1400" kern="1200"/>
-        </a:p>
-      </dsp:txBody>
-      <dsp:txXfrm>
-        <a:off x="3870144" y="4251767"/>
-        <a:ext cx="1645312" cy="658125"/>
-      </dsp:txXfrm>
-    </dsp:sp>
-    <dsp:sp modelId="{26E017D9-34E2-4606-BFA6-66D5E392A83D}">
-      <dsp:nvSpPr>
-        <dsp:cNvPr id="0" name=""/>
-        <dsp:cNvSpPr/>
-      </dsp:nvSpPr>
-      <dsp:spPr>
-        <a:xfrm>
-          <a:off x="6124222" y="2935517"/>
-          <a:ext cx="1003640" cy="1003640"/>
-        </a:xfrm>
-        <a:prstGeom prst="round2DiagRect">
-          <a:avLst>
-            <a:gd name="adj1" fmla="val 29727"/>
-            <a:gd name="adj2" fmla="val 0"/>
-          </a:avLst>
-        </a:prstGeom>
-        <a:solidFill>
-          <a:schemeClr val="accent4">
-            <a:hueOff val="0"/>
-            <a:satOff val="0"/>
-            <a:lumOff val="0"/>
-            <a:alphaOff val="0"/>
-          </a:schemeClr>
-        </a:solidFill>
-        <a:ln>
-          <a:noFill/>
-        </a:ln>
-        <a:effectLst/>
-      </dsp:spPr>
-      <dsp:style>
-        <a:lnRef idx="0">
-          <a:scrgbClr r="0" g="0" b="0"/>
-        </a:lnRef>
-        <a:fillRef idx="1">
-          <a:scrgbClr r="0" g="0" b="0"/>
-        </a:fillRef>
-        <a:effectRef idx="0">
-          <a:scrgbClr r="0" g="0" b="0"/>
-        </a:effectRef>
-        <a:fontRef idx="minor"/>
-      </dsp:style>
-    </dsp:sp>
-    <dsp:sp modelId="{44F4BBDB-4A06-48BE-8912-B339BF59B74D}">
-      <dsp:nvSpPr>
-        <dsp:cNvPr id="0" name=""/>
-        <dsp:cNvSpPr/>
-      </dsp:nvSpPr>
-      <dsp:spPr>
-        <a:xfrm>
-          <a:off x="6338113" y="3149407"/>
-          <a:ext cx="575859" cy="575859"/>
-        </a:xfrm>
-        <a:prstGeom prst="rect">
-          <a:avLst/>
-        </a:prstGeom>
-        <a:blipFill>
-          <a:blip xmlns:r="http://schemas.openxmlformats.org/officeDocument/2006/relationships" r:embed="rId15">
-            <a:extLst>
-              <a:ext uri="{28A0092B-C50C-407E-A947-70E740481C1C}">
-                <a14:useLocalDpi xmlns:a14="http://schemas.microsoft.com/office/drawing/2010/main" val="0"/>
-              </a:ext>
-              <a:ext uri="{96DAC541-7B7A-43D3-8B79-37D633B846F1}">
-                <asvg:svgBlip xmlns:asvg="http://schemas.microsoft.com/office/drawing/2016/SVG/main" r:embed="rId16"/>
-              </a:ext>
-            </a:extLst>
-          </a:blip>
-          <a:stretch>
-            <a:fillRect/>
-          </a:stretch>
-        </a:blipFill>
-        <a:ln w="12700" cap="flat" cmpd="sng" algn="ctr">
-          <a:noFill/>
-          <a:prstDash val="solid"/>
-          <a:miter lim="800000"/>
-        </a:ln>
-        <a:effectLst/>
-      </dsp:spPr>
-      <dsp:style>
-        <a:lnRef idx="2">
-          <a:scrgbClr r="0" g="0" b="0"/>
-        </a:lnRef>
-        <a:fillRef idx="1">
-          <a:scrgbClr r="0" g="0" b="0"/>
-        </a:fillRef>
-        <a:effectRef idx="0">
-          <a:scrgbClr r="0" g="0" b="0"/>
-        </a:effectRef>
-        <a:fontRef idx="minor">
-          <a:schemeClr val="lt1"/>
-        </a:fontRef>
-      </dsp:style>
-    </dsp:sp>
-    <dsp:sp modelId="{604BC978-047A-4A0A-A99D-BDECC9C04691}">
-      <dsp:nvSpPr>
-        <dsp:cNvPr id="0" name=""/>
-        <dsp:cNvSpPr/>
-      </dsp:nvSpPr>
-      <dsp:spPr>
-        <a:xfrm>
-          <a:off x="5803387" y="4251767"/>
-          <a:ext cx="1645312" cy="658125"/>
-        </a:xfrm>
-        <a:prstGeom prst="rect">
-          <a:avLst/>
-        </a:prstGeom>
-        <a:noFill/>
-        <a:ln>
-          <a:noFill/>
-        </a:ln>
-        <a:effectLst/>
-      </dsp:spPr>
-      <dsp:style>
-        <a:lnRef idx="0">
-          <a:scrgbClr r="0" g="0" b="0"/>
-        </a:lnRef>
-        <a:fillRef idx="0">
-          <a:scrgbClr r="0" g="0" b="0"/>
-        </a:fillRef>
-        <a:effectRef idx="0">
-          <a:scrgbClr r="0" g="0" b="0"/>
-        </a:effectRef>
-        <a:fontRef idx="minor"/>
-      </dsp:style>
-      <dsp:txBody>
-        <a:bodyPr spcFirstLastPara="0" vert="horz" wrap="square" lIns="0" tIns="0" rIns="0" bIns="0" numCol="1" spcCol="1270" anchor="t" anchorCtr="0">
-          <a:noAutofit/>
-        </a:bodyPr>
-        <a:lstStyle/>
-        <a:p>
-          <a:pPr marL="0" lvl="0" indent="0" algn="ctr" defTabSz="622300">
-            <a:lnSpc>
-              <a:spcPct val="100000"/>
-            </a:lnSpc>
-            <a:spcBef>
-              <a:spcPct val="0"/>
-            </a:spcBef>
-            <a:spcAft>
-              <a:spcPct val="35000"/>
-            </a:spcAft>
-            <a:buNone/>
-            <a:defRPr cap="all"/>
-          </a:pPr>
-          <a:r>
-            <a:rPr lang="en-IN" sz="1400" kern="1200"/>
-            <a:t>8. Continuous Learning and Feedback</a:t>
-          </a:r>
-          <a:endParaRPr lang="en-US" sz="1400" kern="1200"/>
-        </a:p>
-      </dsp:txBody>
-      <dsp:txXfrm>
-        <a:off x="5803387" y="4251767"/>
-        <a:ext cx="1645312" cy="658125"/>
+        <a:off x="5206961" y="3247353"/>
+        <a:ext cx="2193750" cy="720000"/>
       </dsp:txXfrm>
     </dsp:sp>
   </dsp:spTree>
@@ -7207,7 +5811,7 @@
           </a:pPr>
           <a:r>
             <a:rPr lang="en-IN" sz="2700" kern="1200" dirty="0"/>
-            <a:t>1. Implement a Visual Product Search system for e-commerce.</a:t>
+            <a:t>1.Extraction of frames from video</a:t>
           </a:r>
           <a:endParaRPr lang="en-US" sz="2700" kern="1200" dirty="0"/>
         </a:p>
@@ -7372,10 +5976,10 @@
             <a:buNone/>
           </a:pPr>
           <a:r>
-            <a:rPr lang="en-IN" sz="2700" kern="1200"/>
-            <a:t>2. Allow users to search for products using images as queries.</a:t>
+            <a:rPr lang="en-IN" sz="2700" kern="1200" dirty="0"/>
+            <a:t>2. Enhancement of pictures</a:t>
           </a:r>
-          <a:endParaRPr lang="en-US" sz="2700" kern="1200"/>
+          <a:endParaRPr lang="en-US" sz="2700" kern="1200" dirty="0"/>
         </a:p>
       </dsp:txBody>
       <dsp:txXfrm>
@@ -7532,10 +6136,10 @@
             <a:buNone/>
           </a:pPr>
           <a:r>
-            <a:rPr lang="en-IN" sz="2700" kern="1200"/>
-            <a:t>3. Provide personalized product recommendations.</a:t>
+            <a:rPr lang="en-IN" sz="2700" kern="1200" dirty="0"/>
+            <a:t>3. Object/Product detection along with Attribute recognition.</a:t>
           </a:r>
-          <a:endParaRPr lang="en-US" sz="2700" kern="1200"/>
+          <a:endParaRPr lang="en-US" sz="2700" kern="1200" dirty="0"/>
         </a:p>
       </dsp:txBody>
       <dsp:txXfrm>
@@ -7611,10 +6215,10 @@
             <a:buNone/>
           </a:pPr>
           <a:r>
-            <a:rPr lang="en-IN" sz="2700" kern="1200"/>
-            <a:t>4. Enhance the user shopping experience.</a:t>
+            <a:rPr lang="en-IN" sz="2700" kern="1200" dirty="0"/>
+            <a:t>4. Identifying Product.</a:t>
           </a:r>
-          <a:endParaRPr lang="en-US" sz="2700" kern="1200"/>
+          <a:endParaRPr lang="en-US" sz="2700" kern="1200" dirty="0"/>
         </a:p>
       </dsp:txBody>
       <dsp:txXfrm>
@@ -7634,14 +6238,14 @@
       <dsp:cNvGrpSpPr/>
     </dsp:nvGrpSpPr>
     <dsp:grpSpPr/>
-    <dsp:sp modelId="{257B27D4-EFB1-4F65-8CF8-E50F3359432E}">
+    <dsp:sp modelId="{F34957D3-FC3F-47A4-A9E3-ADF6108A2805}">
       <dsp:nvSpPr>
         <dsp:cNvPr id="0" name=""/>
         <dsp:cNvSpPr/>
       </dsp:nvSpPr>
       <dsp:spPr>
         <a:xfrm>
-          <a:off x="116712" y="228506"/>
+          <a:off x="116712" y="1027161"/>
           <a:ext cx="834642" cy="834642"/>
         </a:xfrm>
         <a:prstGeom prst="ellipse">
@@ -7667,20 +6271,20 @@
         <a:fillRef idx="1">
           <a:scrgbClr r="0" g="0" b="0"/>
         </a:fillRef>
-        <a:effectRef idx="0">
+        <a:effectRef idx="2">
           <a:scrgbClr r="0" g="0" b="0"/>
         </a:effectRef>
         <a:fontRef idx="minor"/>
       </dsp:style>
     </dsp:sp>
-    <dsp:sp modelId="{F951A853-0184-4DF3-992A-79E0E6A5F0DE}">
+    <dsp:sp modelId="{45CAA855-4E71-40BD-8260-0210CA6A5DB8}">
       <dsp:nvSpPr>
         <dsp:cNvPr id="0" name=""/>
         <dsp:cNvSpPr/>
       </dsp:nvSpPr>
       <dsp:spPr>
         <a:xfrm>
-          <a:off x="291987" y="403781"/>
+          <a:off x="291987" y="1202436"/>
           <a:ext cx="484092" cy="484092"/>
         </a:xfrm>
         <a:prstGeom prst="rect">
@@ -7701,21 +6305,25 @@
             <a:fillRect/>
           </a:stretch>
         </a:blipFill>
-        <a:ln w="12700" cap="flat" cmpd="sng" algn="ctr">
+        <a:ln>
           <a:noFill/>
-          <a:prstDash val="solid"/>
-          <a:miter lim="800000"/>
         </a:ln>
-        <a:effectLst/>
+        <a:effectLst>
+          <a:outerShdw blurRad="57150" dist="19050" dir="5400000" algn="ctr" rotWithShape="0">
+            <a:srgbClr val="000000">
+              <a:alpha val="63000"/>
+            </a:srgbClr>
+          </a:outerShdw>
+        </a:effectLst>
       </dsp:spPr>
       <dsp:style>
-        <a:lnRef idx="2">
+        <a:lnRef idx="0">
           <a:scrgbClr r="0" g="0" b="0"/>
         </a:lnRef>
-        <a:fillRef idx="1">
+        <a:fillRef idx="3">
           <a:scrgbClr r="0" g="0" b="0"/>
         </a:fillRef>
-        <a:effectRef idx="0">
+        <a:effectRef idx="3">
           <a:scrgbClr r="0" g="0" b="0"/>
         </a:effectRef>
         <a:fontRef idx="minor">
@@ -7723,14 +6331,14 @@
         </a:fontRef>
       </dsp:style>
     </dsp:sp>
-    <dsp:sp modelId="{CBED1F9C-89AD-4DDC-8A76-2FE61010D40A}">
+    <dsp:sp modelId="{C67CB37D-5380-42E3-A541-EA5C41C092F6}">
       <dsp:nvSpPr>
         <dsp:cNvPr id="0" name=""/>
         <dsp:cNvSpPr/>
       </dsp:nvSpPr>
       <dsp:spPr>
         <a:xfrm>
-          <a:off x="1130207" y="228506"/>
+          <a:off x="1130207" y="1027161"/>
           <a:ext cx="1967372" cy="834642"/>
         </a:xfrm>
         <a:prstGeom prst="rect">
@@ -7760,9 +6368,9 @@
         </a:bodyPr>
         <a:lstStyle/>
         <a:p>
-          <a:pPr marL="0" lvl="0" indent="0" algn="l" defTabSz="1066800">
+          <a:pPr marL="0" lvl="0" indent="0" algn="l" defTabSz="666750">
             <a:lnSpc>
-              <a:spcPct val="90000"/>
+              <a:spcPct val="100000"/>
             </a:lnSpc>
             <a:spcBef>
               <a:spcPct val="0"/>
@@ -7773,25 +6381,25 @@
             <a:buNone/>
           </a:pPr>
           <a:r>
-            <a:rPr lang="en-IN" sz="2400" kern="1200" dirty="0"/>
-            <a:t>1. E-commerce Platforms</a:t>
+            <a:rPr lang="en-IN" sz="1500" kern="1200"/>
+            <a:t>1. OPENCV for extraction</a:t>
           </a:r>
-          <a:endParaRPr lang="en-US" sz="2400" kern="1200" dirty="0"/>
+          <a:endParaRPr lang="en-US" sz="1500" kern="1200"/>
         </a:p>
       </dsp:txBody>
       <dsp:txXfrm>
-        <a:off x="1130207" y="228506"/>
+        <a:off x="1130207" y="1027161"/>
         <a:ext cx="1967372" cy="834642"/>
       </dsp:txXfrm>
     </dsp:sp>
-    <dsp:sp modelId="{22D582C8-4F89-494E-BE70-B43BFA9B15E7}">
+    <dsp:sp modelId="{C3988164-1B83-4638-B430-100137D6FED4}">
       <dsp:nvSpPr>
         <dsp:cNvPr id="0" name=""/>
         <dsp:cNvSpPr/>
       </dsp:nvSpPr>
       <dsp:spPr>
         <a:xfrm>
-          <a:off x="3440379" y="228506"/>
+          <a:off x="3440379" y="1027161"/>
           <a:ext cx="834642" cy="834642"/>
         </a:xfrm>
         <a:prstGeom prst="ellipse">
@@ -7817,20 +6425,20 @@
         <a:fillRef idx="1">
           <a:scrgbClr r="0" g="0" b="0"/>
         </a:fillRef>
-        <a:effectRef idx="0">
+        <a:effectRef idx="2">
           <a:scrgbClr r="0" g="0" b="0"/>
         </a:effectRef>
         <a:fontRef idx="minor"/>
       </dsp:style>
     </dsp:sp>
-    <dsp:sp modelId="{4DDD0FB6-3D4F-4416-BD7F-1361F7C64DF5}">
+    <dsp:sp modelId="{ACC46804-410B-4246-9D18-64F951D122D4}">
       <dsp:nvSpPr>
         <dsp:cNvPr id="0" name=""/>
         <dsp:cNvSpPr/>
       </dsp:nvSpPr>
       <dsp:spPr>
         <a:xfrm>
-          <a:off x="3615654" y="403781"/>
+          <a:off x="3615654" y="1202436"/>
           <a:ext cx="484092" cy="484092"/>
         </a:xfrm>
         <a:prstGeom prst="rect">
@@ -7851,21 +6459,25 @@
             <a:fillRect/>
           </a:stretch>
         </a:blipFill>
-        <a:ln w="12700" cap="flat" cmpd="sng" algn="ctr">
+        <a:ln>
           <a:noFill/>
-          <a:prstDash val="solid"/>
-          <a:miter lim="800000"/>
         </a:ln>
-        <a:effectLst/>
+        <a:effectLst>
+          <a:outerShdw blurRad="57150" dist="19050" dir="5400000" algn="ctr" rotWithShape="0">
+            <a:srgbClr val="000000">
+              <a:alpha val="63000"/>
+            </a:srgbClr>
+          </a:outerShdw>
+        </a:effectLst>
       </dsp:spPr>
       <dsp:style>
-        <a:lnRef idx="2">
+        <a:lnRef idx="0">
           <a:scrgbClr r="0" g="0" b="0"/>
         </a:lnRef>
-        <a:fillRef idx="1">
+        <a:fillRef idx="3">
           <a:scrgbClr r="0" g="0" b="0"/>
         </a:fillRef>
-        <a:effectRef idx="0">
+        <a:effectRef idx="3">
           <a:scrgbClr r="0" g="0" b="0"/>
         </a:effectRef>
         <a:fontRef idx="minor">
@@ -7873,14 +6485,14 @@
         </a:fontRef>
       </dsp:style>
     </dsp:sp>
-    <dsp:sp modelId="{993F98DD-D46B-4D29-A821-9DC677E7ACAB}">
+    <dsp:sp modelId="{89D1831F-3EB4-46AB-B071-5F6B2845974D}">
       <dsp:nvSpPr>
         <dsp:cNvPr id="0" name=""/>
         <dsp:cNvSpPr/>
       </dsp:nvSpPr>
       <dsp:spPr>
         <a:xfrm>
-          <a:off x="4453874" y="228506"/>
+          <a:off x="4453874" y="1027161"/>
           <a:ext cx="1967372" cy="834642"/>
         </a:xfrm>
         <a:prstGeom prst="rect">
@@ -7910,9 +6522,9 @@
         </a:bodyPr>
         <a:lstStyle/>
         <a:p>
-          <a:pPr marL="0" lvl="0" indent="0" algn="l" defTabSz="1066800">
+          <a:pPr marL="0" lvl="0" indent="0" algn="l" defTabSz="666750">
             <a:lnSpc>
-              <a:spcPct val="90000"/>
+              <a:spcPct val="100000"/>
             </a:lnSpc>
             <a:spcBef>
               <a:spcPct val="0"/>
@@ -7923,25 +6535,25 @@
             <a:buNone/>
           </a:pPr>
           <a:r>
-            <a:rPr lang="en-IN" sz="2400" kern="1200"/>
-            <a:t>2. Retail Industry</a:t>
+            <a:rPr lang="en-IN" sz="1500" kern="1200" dirty="0"/>
+            <a:t>2. Image Enhancement tools(CLAHE, Pixel Value Scaling,..)</a:t>
           </a:r>
-          <a:endParaRPr lang="en-US" sz="2400" kern="1200"/>
+          <a:endParaRPr lang="en-US" sz="1500" kern="1200" dirty="0"/>
         </a:p>
       </dsp:txBody>
       <dsp:txXfrm>
-        <a:off x="4453874" y="228506"/>
+        <a:off x="4453874" y="1027161"/>
         <a:ext cx="1967372" cy="834642"/>
       </dsp:txXfrm>
     </dsp:sp>
-    <dsp:sp modelId="{9AA655EE-481B-4DA3-A85E-29BE54B656F5}">
+    <dsp:sp modelId="{8C397131-BD36-4864-AFD5-FDBBB630A87C}">
       <dsp:nvSpPr>
         <dsp:cNvPr id="0" name=""/>
         <dsp:cNvSpPr/>
       </dsp:nvSpPr>
       <dsp:spPr>
         <a:xfrm>
-          <a:off x="116712" y="1825816"/>
+          <a:off x="116712" y="2624470"/>
           <a:ext cx="834642" cy="834642"/>
         </a:xfrm>
         <a:prstGeom prst="ellipse">
@@ -7967,20 +6579,20 @@
         <a:fillRef idx="1">
           <a:scrgbClr r="0" g="0" b="0"/>
         </a:fillRef>
-        <a:effectRef idx="0">
+        <a:effectRef idx="2">
           <a:scrgbClr r="0" g="0" b="0"/>
         </a:effectRef>
         <a:fontRef idx="minor"/>
       </dsp:style>
     </dsp:sp>
-    <dsp:sp modelId="{A5C9C61B-9BCF-4D71-82AD-BEB78E0FE938}">
+    <dsp:sp modelId="{F12FA24F-5EC5-4268-8768-31FF2B64A7EC}">
       <dsp:nvSpPr>
         <dsp:cNvPr id="0" name=""/>
         <dsp:cNvSpPr/>
       </dsp:nvSpPr>
       <dsp:spPr>
         <a:xfrm>
-          <a:off x="291987" y="2001091"/>
+          <a:off x="291987" y="2799745"/>
           <a:ext cx="484092" cy="484092"/>
         </a:xfrm>
         <a:prstGeom prst="rect">
@@ -8001,21 +6613,25 @@
             <a:fillRect/>
           </a:stretch>
         </a:blipFill>
-        <a:ln w="12700" cap="flat" cmpd="sng" algn="ctr">
+        <a:ln>
           <a:noFill/>
-          <a:prstDash val="solid"/>
-          <a:miter lim="800000"/>
         </a:ln>
-        <a:effectLst/>
+        <a:effectLst>
+          <a:outerShdw blurRad="57150" dist="19050" dir="5400000" algn="ctr" rotWithShape="0">
+            <a:srgbClr val="000000">
+              <a:alpha val="63000"/>
+            </a:srgbClr>
+          </a:outerShdw>
+        </a:effectLst>
       </dsp:spPr>
       <dsp:style>
-        <a:lnRef idx="2">
+        <a:lnRef idx="0">
           <a:scrgbClr r="0" g="0" b="0"/>
         </a:lnRef>
-        <a:fillRef idx="1">
+        <a:fillRef idx="3">
           <a:scrgbClr r="0" g="0" b="0"/>
         </a:fillRef>
-        <a:effectRef idx="0">
+        <a:effectRef idx="3">
           <a:scrgbClr r="0" g="0" b="0"/>
         </a:effectRef>
         <a:fontRef idx="minor">
@@ -8023,14 +6639,14 @@
         </a:fontRef>
       </dsp:style>
     </dsp:sp>
-    <dsp:sp modelId="{E1B7FE1E-A7F4-48FF-9CAD-1F33DB04598B}">
+    <dsp:sp modelId="{A59A4700-9D23-413D-88E1-94EE5970FE13}">
       <dsp:nvSpPr>
         <dsp:cNvPr id="0" name=""/>
         <dsp:cNvSpPr/>
       </dsp:nvSpPr>
       <dsp:spPr>
         <a:xfrm>
-          <a:off x="1130207" y="1825816"/>
+          <a:off x="1130207" y="2624470"/>
           <a:ext cx="1967372" cy="834642"/>
         </a:xfrm>
         <a:prstGeom prst="rect">
@@ -8060,9 +6676,9 @@
         </a:bodyPr>
         <a:lstStyle/>
         <a:p>
-          <a:pPr marL="0" lvl="0" indent="0" algn="l" defTabSz="1066800">
+          <a:pPr marL="0" lvl="0" indent="0" algn="l" defTabSz="666750">
             <a:lnSpc>
-              <a:spcPct val="90000"/>
+              <a:spcPct val="100000"/>
             </a:lnSpc>
             <a:spcBef>
               <a:spcPct val="0"/>
@@ -8073,25 +6689,25 @@
             <a:buNone/>
           </a:pPr>
           <a:r>
-            <a:rPr lang="en-IN" sz="2400" kern="1200"/>
-            <a:t>3. Fashion and Apparel</a:t>
+            <a:rPr lang="en-IN" sz="1500" kern="1200"/>
+            <a:t>3. Object Detections tools(YOLO, R-CNN,..)</a:t>
           </a:r>
-          <a:endParaRPr lang="en-US" sz="2400" kern="1200"/>
+          <a:endParaRPr lang="en-US" sz="1500" kern="1200"/>
         </a:p>
       </dsp:txBody>
       <dsp:txXfrm>
-        <a:off x="1130207" y="1825816"/>
+        <a:off x="1130207" y="2624470"/>
         <a:ext cx="1967372" cy="834642"/>
       </dsp:txXfrm>
     </dsp:sp>
-    <dsp:sp modelId="{449C967A-2D8A-43C5-9257-07815FB3355B}">
+    <dsp:sp modelId="{89D1BBA3-9E45-4143-AF05-BF3B9CC317D2}">
       <dsp:nvSpPr>
         <dsp:cNvPr id="0" name=""/>
         <dsp:cNvSpPr/>
       </dsp:nvSpPr>
       <dsp:spPr>
         <a:xfrm>
-          <a:off x="3440379" y="1825816"/>
+          <a:off x="3440379" y="2624470"/>
           <a:ext cx="834642" cy="834642"/>
         </a:xfrm>
         <a:prstGeom prst="ellipse">
@@ -8117,20 +6733,20 @@
         <a:fillRef idx="1">
           <a:scrgbClr r="0" g="0" b="0"/>
         </a:fillRef>
-        <a:effectRef idx="0">
+        <a:effectRef idx="2">
           <a:scrgbClr r="0" g="0" b="0"/>
         </a:effectRef>
         <a:fontRef idx="minor"/>
       </dsp:style>
     </dsp:sp>
-    <dsp:sp modelId="{01DDDEB3-16C4-4FF7-A8C3-6804CE0A2007}">
+    <dsp:sp modelId="{E647383C-BB12-44A1-91BE-55564F539654}">
       <dsp:nvSpPr>
         <dsp:cNvPr id="0" name=""/>
         <dsp:cNvSpPr/>
       </dsp:nvSpPr>
       <dsp:spPr>
         <a:xfrm>
-          <a:off x="3615654" y="2001091"/>
+          <a:off x="3615654" y="2799745"/>
           <a:ext cx="484092" cy="484092"/>
         </a:xfrm>
         <a:prstGeom prst="rect">
@@ -8151,21 +6767,25 @@
             <a:fillRect/>
           </a:stretch>
         </a:blipFill>
-        <a:ln w="12700" cap="flat" cmpd="sng" algn="ctr">
+        <a:ln>
           <a:noFill/>
-          <a:prstDash val="solid"/>
-          <a:miter lim="800000"/>
         </a:ln>
-        <a:effectLst/>
+        <a:effectLst>
+          <a:outerShdw blurRad="57150" dist="19050" dir="5400000" algn="ctr" rotWithShape="0">
+            <a:srgbClr val="000000">
+              <a:alpha val="63000"/>
+            </a:srgbClr>
+          </a:outerShdw>
+        </a:effectLst>
       </dsp:spPr>
       <dsp:style>
-        <a:lnRef idx="2">
+        <a:lnRef idx="0">
           <a:scrgbClr r="0" g="0" b="0"/>
         </a:lnRef>
-        <a:fillRef idx="1">
+        <a:fillRef idx="3">
           <a:scrgbClr r="0" g="0" b="0"/>
         </a:fillRef>
-        <a:effectRef idx="0">
+        <a:effectRef idx="3">
           <a:scrgbClr r="0" g="0" b="0"/>
         </a:effectRef>
         <a:fontRef idx="minor">
@@ -8173,14 +6793,14 @@
         </a:fontRef>
       </dsp:style>
     </dsp:sp>
-    <dsp:sp modelId="{890A927F-1AB6-4DA4-A6E5-FB791FCC7A0C}">
+    <dsp:sp modelId="{9E28EAC8-6F10-4A7D-BFBE-F3B6EF77C91C}">
       <dsp:nvSpPr>
         <dsp:cNvPr id="0" name=""/>
         <dsp:cNvSpPr/>
       </dsp:nvSpPr>
       <dsp:spPr>
         <a:xfrm>
-          <a:off x="4453874" y="1825816"/>
+          <a:off x="4453874" y="2624470"/>
           <a:ext cx="1967372" cy="834642"/>
         </a:xfrm>
         <a:prstGeom prst="rect">
@@ -8210,9 +6830,9 @@
         </a:bodyPr>
         <a:lstStyle/>
         <a:p>
-          <a:pPr marL="0" lvl="0" indent="0" algn="l" defTabSz="1066800">
+          <a:pPr marL="0" lvl="0" indent="0" algn="l" defTabSz="666750">
             <a:lnSpc>
-              <a:spcPct val="90000"/>
+              <a:spcPct val="100000"/>
             </a:lnSpc>
             <a:spcBef>
               <a:spcPct val="0"/>
@@ -8223,164 +6843,14 @@
             <a:buNone/>
           </a:pPr>
           <a:r>
-            <a:rPr lang="en-IN" sz="2400" kern="1200"/>
-            <a:t>4. Home Decor</a:t>
+            <a:rPr lang="en-IN" sz="1500" kern="1200"/>
+            <a:t>4. Attribute Recognition( Texture Analysis, Feature Extraction,..)</a:t>
           </a:r>
-          <a:endParaRPr lang="en-US" sz="2400" kern="1200"/>
+          <a:endParaRPr lang="en-US" sz="1500" kern="1200"/>
         </a:p>
       </dsp:txBody>
       <dsp:txXfrm>
-        <a:off x="4453874" y="1825816"/>
-        <a:ext cx="1967372" cy="834642"/>
-      </dsp:txXfrm>
-    </dsp:sp>
-    <dsp:sp modelId="{E2DC7EB3-866E-411B-A24A-46C47067DEC9}">
-      <dsp:nvSpPr>
-        <dsp:cNvPr id="0" name=""/>
-        <dsp:cNvSpPr/>
-      </dsp:nvSpPr>
-      <dsp:spPr>
-        <a:xfrm>
-          <a:off x="116712" y="3423125"/>
-          <a:ext cx="834642" cy="834642"/>
-        </a:xfrm>
-        <a:prstGeom prst="ellipse">
-          <a:avLst/>
-        </a:prstGeom>
-        <a:solidFill>
-          <a:schemeClr val="accent6">
-            <a:hueOff val="0"/>
-            <a:satOff val="0"/>
-            <a:lumOff val="0"/>
-            <a:alphaOff val="0"/>
-          </a:schemeClr>
-        </a:solidFill>
-        <a:ln>
-          <a:noFill/>
-        </a:ln>
-        <a:effectLst/>
-      </dsp:spPr>
-      <dsp:style>
-        <a:lnRef idx="0">
-          <a:scrgbClr r="0" g="0" b="0"/>
-        </a:lnRef>
-        <a:fillRef idx="1">
-          <a:scrgbClr r="0" g="0" b="0"/>
-        </a:fillRef>
-        <a:effectRef idx="0">
-          <a:scrgbClr r="0" g="0" b="0"/>
-        </a:effectRef>
-        <a:fontRef idx="minor"/>
-      </dsp:style>
-    </dsp:sp>
-    <dsp:sp modelId="{77D6099A-20FE-44F4-B34D-B8A3F97B8C63}">
-      <dsp:nvSpPr>
-        <dsp:cNvPr id="0" name=""/>
-        <dsp:cNvSpPr/>
-      </dsp:nvSpPr>
-      <dsp:spPr>
-        <a:xfrm>
-          <a:off x="291987" y="3598400"/>
-          <a:ext cx="484092" cy="484092"/>
-        </a:xfrm>
-        <a:prstGeom prst="rect">
-          <a:avLst/>
-        </a:prstGeom>
-        <a:blipFill>
-          <a:blip xmlns:r="http://schemas.openxmlformats.org/officeDocument/2006/relationships" r:embed="rId9">
-            <a:extLst>
-              <a:ext uri="{28A0092B-C50C-407E-A947-70E740481C1C}">
-                <a14:useLocalDpi xmlns:a14="http://schemas.microsoft.com/office/drawing/2010/main" val="0"/>
-              </a:ext>
-              <a:ext uri="{96DAC541-7B7A-43D3-8B79-37D633B846F1}">
-                <asvg:svgBlip xmlns:asvg="http://schemas.microsoft.com/office/drawing/2016/SVG/main" r:embed="rId10"/>
-              </a:ext>
-            </a:extLst>
-          </a:blip>
-          <a:stretch>
-            <a:fillRect/>
-          </a:stretch>
-        </a:blipFill>
-        <a:ln w="12700" cap="flat" cmpd="sng" algn="ctr">
-          <a:noFill/>
-          <a:prstDash val="solid"/>
-          <a:miter lim="800000"/>
-        </a:ln>
-        <a:effectLst/>
-      </dsp:spPr>
-      <dsp:style>
-        <a:lnRef idx="2">
-          <a:scrgbClr r="0" g="0" b="0"/>
-        </a:lnRef>
-        <a:fillRef idx="1">
-          <a:scrgbClr r="0" g="0" b="0"/>
-        </a:fillRef>
-        <a:effectRef idx="0">
-          <a:scrgbClr r="0" g="0" b="0"/>
-        </a:effectRef>
-        <a:fontRef idx="minor">
-          <a:schemeClr val="lt1"/>
-        </a:fontRef>
-      </dsp:style>
-    </dsp:sp>
-    <dsp:sp modelId="{DAB85654-DAE2-4601-A6A8-B50E4186DCDE}">
-      <dsp:nvSpPr>
-        <dsp:cNvPr id="0" name=""/>
-        <dsp:cNvSpPr/>
-      </dsp:nvSpPr>
-      <dsp:spPr>
-        <a:xfrm>
-          <a:off x="1130207" y="3423125"/>
-          <a:ext cx="1967372" cy="834642"/>
-        </a:xfrm>
-        <a:prstGeom prst="rect">
-          <a:avLst/>
-        </a:prstGeom>
-        <a:noFill/>
-        <a:ln>
-          <a:noFill/>
-        </a:ln>
-        <a:effectLst/>
-      </dsp:spPr>
-      <dsp:style>
-        <a:lnRef idx="0">
-          <a:scrgbClr r="0" g="0" b="0"/>
-        </a:lnRef>
-        <a:fillRef idx="0">
-          <a:scrgbClr r="0" g="0" b="0"/>
-        </a:fillRef>
-        <a:effectRef idx="0">
-          <a:scrgbClr r="0" g="0" b="0"/>
-        </a:effectRef>
-        <a:fontRef idx="minor"/>
-      </dsp:style>
-      <dsp:txBody>
-        <a:bodyPr spcFirstLastPara="0" vert="horz" wrap="square" lIns="0" tIns="0" rIns="0" bIns="0" numCol="1" spcCol="1270" anchor="ctr" anchorCtr="0">
-          <a:noAutofit/>
-        </a:bodyPr>
-        <a:lstStyle/>
-        <a:p>
-          <a:pPr marL="0" lvl="0" indent="0" algn="l" defTabSz="1066800">
-            <a:lnSpc>
-              <a:spcPct val="90000"/>
-            </a:lnSpc>
-            <a:spcBef>
-              <a:spcPct val="0"/>
-            </a:spcBef>
-            <a:spcAft>
-              <a:spcPct val="35000"/>
-            </a:spcAft>
-            <a:buNone/>
-          </a:pPr>
-          <a:r>
-            <a:rPr lang="en-IN" sz="2400" kern="1200"/>
-            <a:t>5. Art and Collectibles</a:t>
-          </a:r>
-          <a:endParaRPr lang="en-US" sz="2400" kern="1200"/>
-        </a:p>
-      </dsp:txBody>
-      <dsp:txXfrm>
-        <a:off x="1130207" y="3423125"/>
+        <a:off x="4453874" y="2624470"/>
         <a:ext cx="1967372" cy="834642"/>
       </dsp:txXfrm>
     </dsp:sp>
@@ -11088,11 +9558,11 @@
 </file>
 
 <file path=ppt/diagrams/quickStyle3.xml><?xml version="1.0" encoding="utf-8"?>
-<dgm:styleDef xmlns:dgm="http://schemas.openxmlformats.org/drawingml/2006/diagram" xmlns:a="http://schemas.openxmlformats.org/drawingml/2006/main" uniqueId="urn:microsoft.com/office/officeart/2005/8/quickstyle/simple1">
+<dgm:styleDef xmlns:dgm="http://schemas.openxmlformats.org/drawingml/2006/diagram" xmlns:a="http://schemas.openxmlformats.org/drawingml/2006/main" uniqueId="urn:microsoft.com/office/officeart/2005/8/quickstyle/simple5">
   <dgm:title val=""/>
   <dgm:desc val=""/>
   <dgm:catLst>
-    <dgm:cat type="simple" pri="10100"/>
+    <dgm:cat type="simple" pri="10500"/>
   </dgm:catLst>
   <dgm:scene3d>
     <a:camera prst="orthographicFront"/>
@@ -11106,13 +9576,13 @@
     <dgm:sp3d/>
     <dgm:txPr/>
     <dgm:style>
-      <a:lnRef idx="2">
+      <a:lnRef idx="0">
         <a:scrgbClr r="0" g="0" b="0"/>
       </a:lnRef>
-      <a:fillRef idx="1">
+      <a:fillRef idx="3">
         <a:scrgbClr r="0" g="0" b="0"/>
       </a:fillRef>
-      <a:effectRef idx="0">
+      <a:effectRef idx="3">
         <a:scrgbClr r="0" g="0" b="0"/>
       </a:effectRef>
       <a:fontRef idx="minor">
@@ -11128,13 +9598,13 @@
     <dgm:sp3d/>
     <dgm:txPr/>
     <dgm:style>
-      <a:lnRef idx="2">
+      <a:lnRef idx="0">
         <a:scrgbClr r="0" g="0" b="0"/>
       </a:lnRef>
-      <a:fillRef idx="1">
+      <a:fillRef idx="3">
         <a:scrgbClr r="0" g="0" b="0"/>
       </a:fillRef>
-      <a:effectRef idx="0">
+      <a:effectRef idx="3">
         <a:scrgbClr r="0" g="0" b="0"/>
       </a:effectRef>
       <a:fontRef idx="minor">
@@ -11150,13 +9620,13 @@
     <dgm:sp3d/>
     <dgm:txPr/>
     <dgm:style>
-      <a:lnRef idx="2">
+      <a:lnRef idx="0">
         <a:scrgbClr r="0" g="0" b="0"/>
       </a:lnRef>
-      <a:fillRef idx="1">
+      <a:fillRef idx="3">
         <a:scrgbClr r="0" g="0" b="0"/>
       </a:fillRef>
-      <a:effectRef idx="0">
+      <a:effectRef idx="3">
         <a:scrgbClr r="0" g="0" b="0"/>
       </a:effectRef>
       <a:fontRef idx="minor">
@@ -11172,13 +9642,13 @@
     <dgm:sp3d/>
     <dgm:txPr/>
     <dgm:style>
-      <a:lnRef idx="2">
+      <a:lnRef idx="1">
         <a:scrgbClr r="0" g="0" b="0"/>
       </a:lnRef>
-      <a:fillRef idx="1">
+      <a:fillRef idx="3">
         <a:scrgbClr r="0" g="0" b="0"/>
       </a:fillRef>
-      <a:effectRef idx="0">
+      <a:effectRef idx="3">
         <a:scrgbClr r="0" g="0" b="0"/>
       </a:effectRef>
       <a:fontRef idx="minor">
@@ -11194,13 +9664,13 @@
     <dgm:sp3d/>
     <dgm:txPr/>
     <dgm:style>
-      <a:lnRef idx="2">
+      <a:lnRef idx="0">
         <a:scrgbClr r="0" g="0" b="0"/>
       </a:lnRef>
-      <a:fillRef idx="1">
+      <a:fillRef idx="3">
         <a:scrgbClr r="0" g="0" b="0"/>
       </a:fillRef>
-      <a:effectRef idx="0">
+      <a:effectRef idx="3">
         <a:scrgbClr r="0" g="0" b="0"/>
       </a:effectRef>
       <a:fontRef idx="minor">
@@ -11216,13 +9686,13 @@
     <dgm:sp3d/>
     <dgm:txPr/>
     <dgm:style>
-      <a:lnRef idx="2">
+      <a:lnRef idx="0">
         <a:scrgbClr r="0" g="0" b="0"/>
       </a:lnRef>
-      <a:fillRef idx="1">
+      <a:fillRef idx="3">
         <a:scrgbClr r="0" g="0" b="0"/>
       </a:fillRef>
-      <a:effectRef idx="0">
+      <a:effectRef idx="3">
         <a:scrgbClr r="0" g="0" b="0"/>
       </a:effectRef>
       <a:fontRef idx="minor">
@@ -11238,13 +9708,13 @@
     <dgm:sp3d/>
     <dgm:txPr/>
     <dgm:style>
-      <a:lnRef idx="2">
+      <a:lnRef idx="0">
         <a:scrgbClr r="0" g="0" b="0"/>
       </a:lnRef>
-      <a:fillRef idx="1">
+      <a:fillRef idx="3">
         <a:scrgbClr r="0" g="0" b="0"/>
       </a:fillRef>
-      <a:effectRef idx="0">
+      <a:effectRef idx="3">
         <a:scrgbClr r="0" g="0" b="0"/>
       </a:effectRef>
       <a:fontRef idx="minor">
@@ -11260,13 +9730,13 @@
     <dgm:sp3d/>
     <dgm:txPr/>
     <dgm:style>
-      <a:lnRef idx="2">
+      <a:lnRef idx="0">
         <a:scrgbClr r="0" g="0" b="0"/>
       </a:lnRef>
-      <a:fillRef idx="1">
+      <a:fillRef idx="3">
         <a:scrgbClr r="0" g="0" b="0"/>
       </a:fillRef>
-      <a:effectRef idx="0">
+      <a:effectRef idx="3">
         <a:scrgbClr r="0" g="0" b="0"/>
       </a:effectRef>
       <a:fontRef idx="minor">
@@ -11282,13 +9752,13 @@
     <dgm:sp3d/>
     <dgm:txPr/>
     <dgm:style>
-      <a:lnRef idx="2">
+      <a:lnRef idx="0">
         <a:scrgbClr r="0" g="0" b="0"/>
       </a:lnRef>
       <a:fillRef idx="1">
         <a:scrgbClr r="0" g="0" b="0"/>
       </a:fillRef>
-      <a:effectRef idx="0">
+      <a:effectRef idx="3">
         <a:scrgbClr r="0" g="0" b="0"/>
       </a:effectRef>
       <a:fontRef idx="minor"/>
@@ -11302,13 +9772,13 @@
     <dgm:sp3d/>
     <dgm:txPr/>
     <dgm:style>
-      <a:lnRef idx="2">
+      <a:lnRef idx="0">
         <a:scrgbClr r="0" g="0" b="0"/>
       </a:lnRef>
       <a:fillRef idx="1">
         <a:scrgbClr r="0" g="0" b="0"/>
       </a:fillRef>
-      <a:effectRef idx="0">
+      <a:effectRef idx="3">
         <a:scrgbClr r="0" g="0" b="0"/>
       </a:effectRef>
       <a:fontRef idx="minor"/>
@@ -11322,13 +9792,13 @@
     <dgm:sp3d/>
     <dgm:txPr/>
     <dgm:style>
-      <a:lnRef idx="2">
+      <a:lnRef idx="0">
         <a:scrgbClr r="0" g="0" b="0"/>
       </a:lnRef>
       <a:fillRef idx="1">
         <a:scrgbClr r="0" g="0" b="0"/>
       </a:fillRef>
-      <a:effectRef idx="0">
+      <a:effectRef idx="3">
         <a:scrgbClr r="0" g="0" b="0"/>
       </a:effectRef>
       <a:fontRef idx="minor"/>
@@ -11345,10 +9815,10 @@
       <a:lnRef idx="0">
         <a:scrgbClr r="0" g="0" b="0"/>
       </a:lnRef>
-      <a:fillRef idx="1">
+      <a:fillRef idx="3">
         <a:scrgbClr r="0" g="0" b="0"/>
       </a:fillRef>
-      <a:effectRef idx="0">
+      <a:effectRef idx="3">
         <a:scrgbClr r="0" g="0" b="0"/>
       </a:effectRef>
       <a:fontRef idx="minor">
@@ -11367,10 +9837,10 @@
       <a:lnRef idx="0">
         <a:scrgbClr r="0" g="0" b="0"/>
       </a:lnRef>
-      <a:fillRef idx="1">
+      <a:fillRef idx="3">
         <a:scrgbClr r="0" g="0" b="0"/>
       </a:fillRef>
-      <a:effectRef idx="0">
+      <a:effectRef idx="3">
         <a:scrgbClr r="0" g="0" b="0"/>
       </a:effectRef>
       <a:fontRef idx="minor">
@@ -11389,10 +9859,10 @@
       <a:lnRef idx="0">
         <a:scrgbClr r="0" g="0" b="0"/>
       </a:lnRef>
-      <a:fillRef idx="1">
+      <a:fillRef idx="3">
         <a:scrgbClr r="0" g="0" b="0"/>
       </a:fillRef>
-      <a:effectRef idx="0">
+      <a:effectRef idx="3">
         <a:scrgbClr r="0" g="0" b="0"/>
       </a:effectRef>
       <a:fontRef idx="minor">
@@ -11428,13 +9898,13 @@
     <dgm:sp3d/>
     <dgm:txPr/>
     <dgm:style>
-      <a:lnRef idx="2">
+      <a:lnRef idx="1">
         <a:scrgbClr r="0" g="0" b="0"/>
       </a:lnRef>
-      <a:fillRef idx="1">
+      <a:fillRef idx="0">
         <a:scrgbClr r="0" g="0" b="0"/>
       </a:fillRef>
-      <a:effectRef idx="0">
+      <a:effectRef idx="1">
         <a:scrgbClr r="0" g="0" b="0"/>
       </a:effectRef>
       <a:fontRef idx="minor"/>
@@ -11448,13 +9918,13 @@
     <dgm:sp3d/>
     <dgm:txPr/>
     <dgm:style>
-      <a:lnRef idx="2">
+      <a:lnRef idx="0">
         <a:scrgbClr r="0" g="0" b="0"/>
       </a:lnRef>
-      <a:fillRef idx="1">
+      <a:fillRef idx="3">
         <a:scrgbClr r="0" g="0" b="0"/>
       </a:fillRef>
-      <a:effectRef idx="0">
+      <a:effectRef idx="3">
         <a:scrgbClr r="0" g="0" b="0"/>
       </a:effectRef>
       <a:fontRef idx="minor">
@@ -11470,13 +9940,13 @@
     <dgm:sp3d/>
     <dgm:txPr/>
     <dgm:style>
-      <a:lnRef idx="2">
+      <a:lnRef idx="0">
         <a:scrgbClr r="0" g="0" b="0"/>
       </a:lnRef>
-      <a:fillRef idx="1">
+      <a:fillRef idx="3">
         <a:scrgbClr r="0" g="0" b="0"/>
       </a:fillRef>
-      <a:effectRef idx="0">
+      <a:effectRef idx="3">
         <a:scrgbClr r="0" g="0" b="0"/>
       </a:effectRef>
       <a:fontRef idx="minor">
@@ -11492,13 +9962,13 @@
     <dgm:sp3d/>
     <dgm:txPr/>
     <dgm:style>
-      <a:lnRef idx="2">
+      <a:lnRef idx="0">
         <a:scrgbClr r="0" g="0" b="0"/>
       </a:lnRef>
-      <a:fillRef idx="1">
+      <a:fillRef idx="3">
         <a:scrgbClr r="0" g="0" b="0"/>
       </a:fillRef>
-      <a:effectRef idx="0">
+      <a:effectRef idx="3">
         <a:scrgbClr r="0" g="0" b="0"/>
       </a:effectRef>
       <a:fontRef idx="minor">
@@ -11514,13 +9984,13 @@
     <dgm:sp3d/>
     <dgm:txPr/>
     <dgm:style>
-      <a:lnRef idx="2">
+      <a:lnRef idx="0">
         <a:scrgbClr r="0" g="0" b="0"/>
       </a:lnRef>
-      <a:fillRef idx="1">
+      <a:fillRef idx="3">
         <a:scrgbClr r="0" g="0" b="0"/>
       </a:fillRef>
-      <a:effectRef idx="0">
+      <a:effectRef idx="3">
         <a:scrgbClr r="0" g="0" b="0"/>
       </a:effectRef>
       <a:fontRef idx="minor">
@@ -11536,13 +10006,13 @@
     <dgm:sp3d/>
     <dgm:txPr/>
     <dgm:style>
-      <a:lnRef idx="2">
+      <a:lnRef idx="0">
         <a:scrgbClr r="0" g="0" b="0"/>
       </a:lnRef>
-      <a:fillRef idx="1">
+      <a:fillRef idx="3">
         <a:scrgbClr r="0" g="0" b="0"/>
       </a:fillRef>
-      <a:effectRef idx="0">
+      <a:effectRef idx="3">
         <a:scrgbClr r="0" g="0" b="0"/>
       </a:effectRef>
       <a:fontRef idx="minor">
@@ -11558,13 +10028,13 @@
     <dgm:sp3d/>
     <dgm:txPr/>
     <dgm:style>
-      <a:lnRef idx="2">
+      <a:lnRef idx="0">
         <a:scrgbClr r="0" g="0" b="0"/>
       </a:lnRef>
-      <a:fillRef idx="1">
+      <a:fillRef idx="3">
         <a:scrgbClr r="0" g="0" b="0"/>
       </a:fillRef>
-      <a:effectRef idx="0">
+      <a:effectRef idx="3">
         <a:scrgbClr r="0" g="0" b="0"/>
       </a:effectRef>
       <a:fontRef idx="minor">
@@ -11580,13 +10050,13 @@
     <dgm:sp3d/>
     <dgm:txPr/>
     <dgm:style>
-      <a:lnRef idx="2">
+      <a:lnRef idx="0">
         <a:scrgbClr r="0" g="0" b="0"/>
       </a:lnRef>
-      <a:fillRef idx="1">
+      <a:fillRef idx="3">
         <a:scrgbClr r="0" g="0" b="0"/>
       </a:fillRef>
-      <a:effectRef idx="0">
+      <a:effectRef idx="3">
         <a:scrgbClr r="0" g="0" b="0"/>
       </a:effectRef>
       <a:fontRef idx="minor">
@@ -11602,13 +10072,13 @@
     <dgm:sp3d/>
     <dgm:txPr/>
     <dgm:style>
-      <a:lnRef idx="2">
+      <a:lnRef idx="0">
         <a:scrgbClr r="0" g="0" b="0"/>
       </a:lnRef>
-      <a:fillRef idx="1">
+      <a:fillRef idx="3">
         <a:scrgbClr r="0" g="0" b="0"/>
       </a:fillRef>
-      <a:effectRef idx="0">
+      <a:effectRef idx="3">
         <a:scrgbClr r="0" g="0" b="0"/>
       </a:effectRef>
       <a:fontRef idx="minor">
@@ -11624,13 +10094,13 @@
     <dgm:sp3d/>
     <dgm:txPr/>
     <dgm:style>
-      <a:lnRef idx="2">
+      <a:lnRef idx="0">
         <a:scrgbClr r="0" g="0" b="0"/>
       </a:lnRef>
-      <a:fillRef idx="1">
+      <a:fillRef idx="3">
         <a:scrgbClr r="0" g="0" b="0"/>
       </a:fillRef>
-      <a:effectRef idx="0">
+      <a:effectRef idx="3">
         <a:scrgbClr r="0" g="0" b="0"/>
       </a:effectRef>
       <a:fontRef idx="minor">
@@ -11726,13 +10196,13 @@
     <dgm:sp3d/>
     <dgm:txPr/>
     <dgm:style>
-      <a:lnRef idx="2">
+      <a:lnRef idx="1">
         <a:scrgbClr r="0" g="0" b="0"/>
       </a:lnRef>
       <a:fillRef idx="1">
         <a:scrgbClr r="0" g="0" b="0"/>
       </a:fillRef>
-      <a:effectRef idx="0">
+      <a:effectRef idx="2">
         <a:scrgbClr r="0" g="0" b="0"/>
       </a:effectRef>
       <a:fontRef idx="minor"/>
@@ -11746,13 +10216,13 @@
     <dgm:sp3d/>
     <dgm:txPr/>
     <dgm:style>
-      <a:lnRef idx="2">
+      <a:lnRef idx="1">
         <a:scrgbClr r="0" g="0" b="0"/>
       </a:lnRef>
       <a:fillRef idx="1">
         <a:scrgbClr r="0" g="0" b="0"/>
       </a:fillRef>
-      <a:effectRef idx="0">
+      <a:effectRef idx="2">
         <a:scrgbClr r="0" g="0" b="0"/>
       </a:effectRef>
       <a:fontRef idx="minor"/>
@@ -11766,13 +10236,13 @@
     <dgm:sp3d/>
     <dgm:txPr/>
     <dgm:style>
-      <a:lnRef idx="2">
+      <a:lnRef idx="1">
         <a:scrgbClr r="0" g="0" b="0"/>
       </a:lnRef>
       <a:fillRef idx="1">
         <a:scrgbClr r="0" g="0" b="0"/>
       </a:fillRef>
-      <a:effectRef idx="0">
+      <a:effectRef idx="2">
         <a:scrgbClr r="0" g="0" b="0"/>
       </a:effectRef>
       <a:fontRef idx="minor"/>
@@ -11806,13 +10276,13 @@
     <dgm:sp3d/>
     <dgm:txPr/>
     <dgm:style>
-      <a:lnRef idx="2">
+      <a:lnRef idx="1">
         <a:scrgbClr r="0" g="0" b="0"/>
       </a:lnRef>
       <a:fillRef idx="1">
         <a:scrgbClr r="0" g="0" b="0"/>
       </a:fillRef>
-      <a:effectRef idx="0">
+      <a:effectRef idx="2">
         <a:scrgbClr r="0" g="0" b="0"/>
       </a:effectRef>
       <a:fontRef idx="minor"/>
@@ -11826,13 +10296,13 @@
     <dgm:sp3d/>
     <dgm:txPr/>
     <dgm:style>
-      <a:lnRef idx="2">
+      <a:lnRef idx="1">
         <a:scrgbClr r="0" g="0" b="0"/>
       </a:lnRef>
       <a:fillRef idx="1">
         <a:scrgbClr r="0" g="0" b="0"/>
       </a:fillRef>
-      <a:effectRef idx="0">
+      <a:effectRef idx="2">
         <a:scrgbClr r="0" g="0" b="0"/>
       </a:effectRef>
       <a:fontRef idx="minor"/>
@@ -11846,13 +10316,13 @@
     <dgm:sp3d/>
     <dgm:txPr/>
     <dgm:style>
-      <a:lnRef idx="2">
+      <a:lnRef idx="1">
         <a:scrgbClr r="0" g="0" b="0"/>
       </a:lnRef>
       <a:fillRef idx="1">
         <a:scrgbClr r="0" g="0" b="0"/>
       </a:fillRef>
-      <a:effectRef idx="0">
+      <a:effectRef idx="3">
         <a:scrgbClr r="0" g="0" b="0"/>
       </a:effectRef>
       <a:fontRef idx="minor"/>
@@ -11866,13 +10336,13 @@
     <dgm:sp3d/>
     <dgm:txPr/>
     <dgm:style>
-      <a:lnRef idx="2">
+      <a:lnRef idx="1">
         <a:scrgbClr r="0" g="0" b="0"/>
       </a:lnRef>
       <a:fillRef idx="1">
         <a:scrgbClr r="0" g="0" b="0"/>
       </a:fillRef>
-      <a:effectRef idx="0">
+      <a:effectRef idx="3">
         <a:scrgbClr r="0" g="0" b="0"/>
       </a:effectRef>
       <a:fontRef idx="minor"/>
@@ -11886,13 +10356,13 @@
     <dgm:sp3d/>
     <dgm:txPr/>
     <dgm:style>
-      <a:lnRef idx="2">
+      <a:lnRef idx="1">
         <a:scrgbClr r="0" g="0" b="0"/>
       </a:lnRef>
       <a:fillRef idx="1">
         <a:scrgbClr r="0" g="0" b="0"/>
       </a:fillRef>
-      <a:effectRef idx="0">
+      <a:effectRef idx="2">
         <a:scrgbClr r="0" g="0" b="0"/>
       </a:effectRef>
       <a:fontRef idx="minor"/>
@@ -11906,13 +10376,13 @@
     <dgm:sp3d/>
     <dgm:txPr/>
     <dgm:style>
-      <a:lnRef idx="2">
+      <a:lnRef idx="1">
         <a:scrgbClr r="0" g="0" b="0"/>
       </a:lnRef>
       <a:fillRef idx="1">
         <a:scrgbClr r="0" g="0" b="0"/>
       </a:fillRef>
-      <a:effectRef idx="0">
+      <a:effectRef idx="2">
         <a:scrgbClr r="0" g="0" b="0"/>
       </a:effectRef>
       <a:fontRef idx="minor"/>
@@ -11926,13 +10396,13 @@
     <dgm:sp3d/>
     <dgm:txPr/>
     <dgm:style>
-      <a:lnRef idx="2">
+      <a:lnRef idx="1">
         <a:scrgbClr r="0" g="0" b="0"/>
       </a:lnRef>
       <a:fillRef idx="1">
         <a:scrgbClr r="0" g="0" b="0"/>
       </a:fillRef>
-      <a:effectRef idx="0">
+      <a:effectRef idx="2">
         <a:scrgbClr r="0" g="0" b="0"/>
       </a:effectRef>
       <a:fontRef idx="minor"/>
@@ -11946,13 +10416,13 @@
     <dgm:sp3d/>
     <dgm:txPr/>
     <dgm:style>
-      <a:lnRef idx="2">
+      <a:lnRef idx="1">
         <a:scrgbClr r="0" g="0" b="0"/>
       </a:lnRef>
       <a:fillRef idx="1">
         <a:scrgbClr r="0" g="0" b="0"/>
       </a:fillRef>
-      <a:effectRef idx="0">
+      <a:effectRef idx="2">
         <a:scrgbClr r="0" g="0" b="0"/>
       </a:effectRef>
       <a:fontRef idx="minor"/>
@@ -11966,13 +10436,13 @@
     <dgm:sp3d/>
     <dgm:txPr/>
     <dgm:style>
-      <a:lnRef idx="2">
+      <a:lnRef idx="1">
         <a:scrgbClr r="0" g="0" b="0"/>
       </a:lnRef>
       <a:fillRef idx="1">
         <a:scrgbClr r="0" g="0" b="0"/>
       </a:fillRef>
-      <a:effectRef idx="0">
+      <a:effectRef idx="2">
         <a:scrgbClr r="0" g="0" b="0"/>
       </a:effectRef>
       <a:fontRef idx="minor"/>
@@ -11986,13 +10456,13 @@
     <dgm:sp3d/>
     <dgm:txPr/>
     <dgm:style>
-      <a:lnRef idx="2">
+      <a:lnRef idx="1">
         <a:scrgbClr r="0" g="0" b="0"/>
       </a:lnRef>
       <a:fillRef idx="1">
         <a:scrgbClr r="0" g="0" b="0"/>
       </a:fillRef>
-      <a:effectRef idx="0">
+      <a:effectRef idx="2">
         <a:scrgbClr r="0" g="0" b="0"/>
       </a:effectRef>
       <a:fontRef idx="minor"/>
@@ -12006,13 +10476,13 @@
     <dgm:sp3d/>
     <dgm:txPr/>
     <dgm:style>
-      <a:lnRef idx="2">
+      <a:lnRef idx="1">
         <a:scrgbClr r="0" g="0" b="0"/>
       </a:lnRef>
       <a:fillRef idx="1">
         <a:scrgbClr r="0" g="0" b="0"/>
       </a:fillRef>
-      <a:effectRef idx="0">
+      <a:effectRef idx="2">
         <a:scrgbClr r="0" g="0" b="0"/>
       </a:effectRef>
       <a:fontRef idx="minor"/>
@@ -12032,7 +10502,7 @@
       <a:fillRef idx="1">
         <a:scrgbClr r="0" g="0" b="0"/>
       </a:fillRef>
-      <a:effectRef idx="0">
+      <a:effectRef idx="2">
         <a:scrgbClr r="0" g="0" b="0"/>
       </a:effectRef>
       <a:fontRef idx="minor"/>
@@ -12052,7 +10522,7 @@
       <a:fillRef idx="1">
         <a:scrgbClr r="0" g="0" b="0"/>
       </a:fillRef>
-      <a:effectRef idx="0">
+      <a:effectRef idx="3">
         <a:scrgbClr r="0" g="0" b="0"/>
       </a:effectRef>
       <a:fontRef idx="minor"/>
@@ -12086,13 +10556,13 @@
     <dgm:sp3d/>
     <dgm:txPr/>
     <dgm:style>
-      <a:lnRef idx="2">
+      <a:lnRef idx="0">
         <a:scrgbClr r="0" g="0" b="0"/>
       </a:lnRef>
-      <a:fillRef idx="1">
+      <a:fillRef idx="3">
         <a:scrgbClr r="0" g="0" b="0"/>
       </a:fillRef>
-      <a:effectRef idx="0">
+      <a:effectRef idx="3">
         <a:scrgbClr r="0" g="0" b="0"/>
       </a:effectRef>
       <a:fontRef idx="minor"/>
@@ -12270,7 +10740,7 @@
           <a:p>
             <a:fld id="{95C708D3-1B7D-4309-9154-6133EED10FA8}" type="datetimeFigureOut">
               <a:rPr lang="en-IN" smtClean="0"/>
-              <a:t>23-09-2023</a:t>
+              <a:t>29-10-2023</a:t>
             </a:fld>
             <a:endParaRPr lang="en-IN"/>
           </a:p>
@@ -12470,7 +10940,7 @@
           <a:p>
             <a:fld id="{95C708D3-1B7D-4309-9154-6133EED10FA8}" type="datetimeFigureOut">
               <a:rPr lang="en-IN" smtClean="0"/>
-              <a:t>23-09-2023</a:t>
+              <a:t>29-10-2023</a:t>
             </a:fld>
             <a:endParaRPr lang="en-IN"/>
           </a:p>
@@ -12680,7 +11150,7 @@
           <a:p>
             <a:fld id="{95C708D3-1B7D-4309-9154-6133EED10FA8}" type="datetimeFigureOut">
               <a:rPr lang="en-IN" smtClean="0"/>
-              <a:t>23-09-2023</a:t>
+              <a:t>29-10-2023</a:t>
             </a:fld>
             <a:endParaRPr lang="en-IN"/>
           </a:p>
@@ -12880,7 +11350,7 @@
           <a:p>
             <a:fld id="{95C708D3-1B7D-4309-9154-6133EED10FA8}" type="datetimeFigureOut">
               <a:rPr lang="en-IN" smtClean="0"/>
-              <a:t>23-09-2023</a:t>
+              <a:t>29-10-2023</a:t>
             </a:fld>
             <a:endParaRPr lang="en-IN"/>
           </a:p>
@@ -13080,7 +11550,7 @@
           <a:p>
             <a:fld id="{95C708D3-1B7D-4309-9154-6133EED10FA8}" type="datetimeFigureOut">
               <a:rPr lang="en-IN" smtClean="0"/>
-              <a:t>23-09-2023</a:t>
+              <a:t>29-10-2023</a:t>
             </a:fld>
             <a:endParaRPr lang="en-IN"/>
           </a:p>
@@ -13356,7 +11826,7 @@
           <a:p>
             <a:fld id="{95C708D3-1B7D-4309-9154-6133EED10FA8}" type="datetimeFigureOut">
               <a:rPr lang="en-IN" smtClean="0"/>
-              <a:t>23-09-2023</a:t>
+              <a:t>29-10-2023</a:t>
             </a:fld>
             <a:endParaRPr lang="en-IN"/>
           </a:p>
@@ -13624,7 +12094,7 @@
           <a:p>
             <a:fld id="{95C708D3-1B7D-4309-9154-6133EED10FA8}" type="datetimeFigureOut">
               <a:rPr lang="en-IN" smtClean="0"/>
-              <a:t>23-09-2023</a:t>
+              <a:t>29-10-2023</a:t>
             </a:fld>
             <a:endParaRPr lang="en-IN"/>
           </a:p>
@@ -14039,7 +12509,7 @@
           <a:p>
             <a:fld id="{95C708D3-1B7D-4309-9154-6133EED10FA8}" type="datetimeFigureOut">
               <a:rPr lang="en-IN" smtClean="0"/>
-              <a:t>23-09-2023</a:t>
+              <a:t>29-10-2023</a:t>
             </a:fld>
             <a:endParaRPr lang="en-IN"/>
           </a:p>
@@ -14181,7 +12651,7 @@
           <a:p>
             <a:fld id="{95C708D3-1B7D-4309-9154-6133EED10FA8}" type="datetimeFigureOut">
               <a:rPr lang="en-IN" smtClean="0"/>
-              <a:t>23-09-2023</a:t>
+              <a:t>29-10-2023</a:t>
             </a:fld>
             <a:endParaRPr lang="en-IN"/>
           </a:p>
@@ -14294,7 +12764,7 @@
           <a:p>
             <a:fld id="{95C708D3-1B7D-4309-9154-6133EED10FA8}" type="datetimeFigureOut">
               <a:rPr lang="en-IN" smtClean="0"/>
-              <a:t>23-09-2023</a:t>
+              <a:t>29-10-2023</a:t>
             </a:fld>
             <a:endParaRPr lang="en-IN"/>
           </a:p>
@@ -14607,7 +13077,7 @@
           <a:p>
             <a:fld id="{95C708D3-1B7D-4309-9154-6133EED10FA8}" type="datetimeFigureOut">
               <a:rPr lang="en-IN" smtClean="0"/>
-              <a:t>23-09-2023</a:t>
+              <a:t>29-10-2023</a:t>
             </a:fld>
             <a:endParaRPr lang="en-IN"/>
           </a:p>
@@ -14896,7 +13366,7 @@
           <a:p>
             <a:fld id="{95C708D3-1B7D-4309-9154-6133EED10FA8}" type="datetimeFigureOut">
               <a:rPr lang="en-IN" smtClean="0"/>
-              <a:t>23-09-2023</a:t>
+              <a:t>29-10-2023</a:t>
             </a:fld>
             <a:endParaRPr lang="en-IN"/>
           </a:p>
@@ -15139,7 +13609,7 @@
           <a:p>
             <a:fld id="{95C708D3-1B7D-4309-9154-6133EED10FA8}" type="datetimeFigureOut">
               <a:rPr lang="en-IN" smtClean="0"/>
-              <a:t>23-09-2023</a:t>
+              <a:t>29-10-2023</a:t>
             </a:fld>
             <a:endParaRPr lang="en-IN"/>
           </a:p>
@@ -15629,7 +14099,7 @@
         </p:nvSpPr>
         <p:spPr>
           <a:xfrm>
-            <a:off x="3817758" y="1583976"/>
+            <a:off x="2838246" y="1572714"/>
             <a:ext cx="6206903" cy="2752344"/>
           </a:xfrm>
         </p:spPr>
@@ -15641,8 +14111,8 @@
           <a:p>
             <a:pPr algn="l"/>
             <a:r>
-              <a:rPr lang="en-IN" sz="4200" dirty="0"/>
-              <a:t>Visual Product Search: Enhancing E-commerce with Deep Learning</a:t>
+              <a:rPr lang="en-IN" sz="5400" dirty="0"/>
+              <a:t>Visual Product Search</a:t>
             </a:r>
           </a:p>
         </p:txBody>
@@ -15665,7 +14135,7 @@
         </p:nvSpPr>
         <p:spPr>
           <a:xfrm>
-            <a:off x="4351294" y="4675337"/>
+            <a:off x="4768388" y="4653902"/>
             <a:ext cx="3734014" cy="1572768"/>
           </a:xfrm>
         </p:spPr>
@@ -15902,7 +14372,7 @@
           <a:p>
             <a:r>
               <a:rPr lang="en-IN" sz="4800" dirty="0"/>
-              <a:t>A</a:t>
+              <a:t>E</a:t>
             </a:r>
           </a:p>
         </p:txBody>
@@ -15967,8 +14437,8 @@
         </p:nvSpPr>
         <p:spPr>
           <a:xfrm>
-            <a:off x="20182239" y="3208375"/>
-            <a:ext cx="851086" cy="803466"/>
+            <a:off x="20182238" y="3208375"/>
+            <a:ext cx="1029831" cy="803466"/>
           </a:xfrm>
           <a:prstGeom prst="roundRect">
             <a:avLst/>
@@ -16483,13 +14953,13 @@
   <p:clrMapOvr>
     <a:masterClrMapping/>
   </p:clrMapOvr>
-  <mc:AlternateContent xmlns:mc="http://schemas.openxmlformats.org/markup-compatibility/2006">
-    <mc:Choice xmlns:p159="http://schemas.microsoft.com/office/powerpoint/2015/09/main" Requires="p159">
+  <mc:AlternateContent xmlns:mc="http://schemas.openxmlformats.org/markup-compatibility/2006" xmlns:p159="http://schemas.microsoft.com/office/powerpoint/2015/09/main">
+    <mc:Choice Requires="p159">
       <p:transition xmlns:p14="http://schemas.microsoft.com/office/powerpoint/2010/main" spd="slow" p14:dur="2000">
         <p159:morph option="byObject"/>
       </p:transition>
     </mc:Choice>
-    <mc:Fallback>
+    <mc:Fallback xmlns="">
       <p:transition spd="slow">
         <p:fade/>
       </p:transition>
@@ -16541,7 +15011,7 @@
         </p:nvSpPr>
         <p:spPr>
           <a:xfrm>
-            <a:off x="717237" y="5018393"/>
+            <a:off x="4895946" y="512673"/>
             <a:ext cx="3799425" cy="1564000"/>
           </a:xfrm>
         </p:spPr>
@@ -16558,36 +15028,6 @@
           </a:p>
         </p:txBody>
       </p:sp>
-      <p:pic>
-        <p:nvPicPr>
-          <p:cNvPr id="5" name="Picture 4" descr="3D Hologram from iPad">
-            <a:extLst>
-              <a:ext uri="{FF2B5EF4-FFF2-40B4-BE49-F238E27FC236}">
-                <a16:creationId xmlns:a16="http://schemas.microsoft.com/office/drawing/2014/main" id="{4366B9D9-EC29-AFF9-E1D8-377759110B2A}"/>
-              </a:ext>
-            </a:extLst>
-          </p:cNvPr>
-          <p:cNvPicPr>
-            <a:picLocks noChangeAspect="1"/>
-          </p:cNvPicPr>
-          <p:nvPr/>
-        </p:nvPicPr>
-        <p:blipFill rotWithShape="1">
-          <a:blip r:embed="rId2"/>
-          <a:srcRect l="6397" r="23702" b="-1"/>
-          <a:stretch/>
-        </p:blipFill>
-        <p:spPr>
-          <a:xfrm>
-            <a:off x="5010386" y="10"/>
-            <a:ext cx="7181613" cy="6857990"/>
-          </a:xfrm>
-          <a:prstGeom prst="rect">
-            <a:avLst/>
-          </a:prstGeom>
-          <a:effectLst/>
-        </p:spPr>
-      </p:pic>
       <p:sp>
         <p:nvSpPr>
           <p:cNvPr id="20" name="Oval 19">
@@ -16783,7 +15223,7 @@
           <a:p>
             <a:r>
               <a:rPr lang="en-IN" sz="4800" dirty="0"/>
-              <a:t>A</a:t>
+              <a:t>E</a:t>
             </a:r>
           </a:p>
         </p:txBody>
@@ -16904,13 +15344,13 @@
   <p:clrMapOvr>
     <a:masterClrMapping/>
   </p:clrMapOvr>
-  <mc:AlternateContent xmlns:mc="http://schemas.openxmlformats.org/markup-compatibility/2006">
-    <mc:Choice xmlns:p159="http://schemas.microsoft.com/office/powerpoint/2015/09/main" Requires="p159">
+  <mc:AlternateContent xmlns:mc="http://schemas.openxmlformats.org/markup-compatibility/2006" xmlns:p159="http://schemas.microsoft.com/office/powerpoint/2015/09/main">
+    <mc:Choice Requires="p159">
       <p:transition xmlns:p14="http://schemas.microsoft.com/office/powerpoint/2010/main" spd="slow" p14:dur="2000">
         <p159:morph option="byObject"/>
       </p:transition>
     </mc:Choice>
-    <mc:Fallback>
+    <mc:Fallback xmlns="">
       <p:transition spd="slow">
         <p:fade/>
       </p:transition>
@@ -16957,13 +15397,13 @@
           <p:nvPr>
             <p:extLst>
               <p:ext uri="{D42A27DB-BD31-4B8C-83A1-F6EECF244321}">
-                <p14:modId xmlns:p14="http://schemas.microsoft.com/office/powerpoint/2010/main" val="1287267329"/>
+                <p14:modId xmlns:p14="http://schemas.microsoft.com/office/powerpoint/2010/main" val="4072838835"/>
               </p:ext>
             </p:extLst>
           </p:nvPr>
         </p:nvGraphicFramePr>
         <p:xfrm>
-          <a:off x="4041648" y="429030"/>
+          <a:off x="4022403" y="867840"/>
           <a:ext cx="7452360" cy="5459706"/>
         </p:xfrm>
         <a:graphic>
@@ -17202,7 +15642,7 @@
           <a:p>
             <a:r>
               <a:rPr lang="en-IN" sz="4800" dirty="0"/>
-              <a:t>A</a:t>
+              <a:t>T</a:t>
             </a:r>
           </a:p>
         </p:txBody>
@@ -17305,13 +15745,13 @@
   <p:clrMapOvr>
     <a:masterClrMapping/>
   </p:clrMapOvr>
-  <mc:AlternateContent xmlns:mc="http://schemas.openxmlformats.org/markup-compatibility/2006">
-    <mc:Choice xmlns:p159="http://schemas.microsoft.com/office/powerpoint/2015/09/main" Requires="p159">
+  <mc:AlternateContent xmlns:mc="http://schemas.openxmlformats.org/markup-compatibility/2006" xmlns:p159="http://schemas.microsoft.com/office/powerpoint/2015/09/main">
+    <mc:Choice Requires="p159">
       <p:transition xmlns:p14="http://schemas.microsoft.com/office/powerpoint/2010/main" spd="slow" p14:dur="2000">
         <p159:morph option="byObject"/>
       </p:transition>
     </mc:Choice>
-    <mc:Fallback>
+    <mc:Fallback xmlns="">
       <p:transition spd="slow">
         <p:fade/>
       </p:transition>
@@ -17350,13 +15790,13 @@
           <p:nvPr>
             <p:extLst>
               <p:ext uri="{D42A27DB-BD31-4B8C-83A1-F6EECF244321}">
-                <p14:modId xmlns:p14="http://schemas.microsoft.com/office/powerpoint/2010/main" val="1922325193"/>
+                <p14:modId xmlns:p14="http://schemas.microsoft.com/office/powerpoint/2010/main" val="1015706456"/>
               </p:ext>
             </p:extLst>
           </p:nvPr>
         </p:nvGraphicFramePr>
         <p:xfrm>
-          <a:off x="3587995" y="1253326"/>
+          <a:off x="2834992" y="1253326"/>
           <a:ext cx="10515600" cy="4351338"/>
         </p:xfrm>
         <a:graphic>
@@ -17525,7 +15965,7 @@
           <a:p>
             <a:r>
               <a:rPr lang="en-IN" sz="4800" dirty="0"/>
-              <a:t>A</a:t>
+              <a:t>E</a:t>
             </a:r>
           </a:p>
         </p:txBody>
@@ -17653,23 +16093,25 @@
         </p:nvSpPr>
         <p:spPr>
           <a:xfrm>
-            <a:off x="1290709" y="3222282"/>
-            <a:ext cx="3977640" cy="1325563"/>
+            <a:off x="1314826" y="3184270"/>
+            <a:ext cx="3242113" cy="1200330"/>
           </a:xfrm>
         </p:spPr>
         <p:txBody>
-          <a:bodyPr/>
+          <a:bodyPr>
+            <a:normAutofit/>
+          </a:bodyPr>
           <a:lstStyle/>
           <a:p>
             <a:r>
-              <a:rPr lang="en-IN" dirty="0" err="1"/>
+              <a:rPr lang="en-IN" sz="3600" dirty="0" err="1"/>
               <a:t>bjectives</a:t>
             </a:r>
             <a:br>
-              <a:rPr lang="en-IN" dirty="0"/>
+              <a:rPr lang="en-IN" sz="3600" dirty="0"/>
             </a:br>
             <a:r>
-              <a:rPr lang="en-IN" dirty="0"/>
+              <a:rPr lang="en-IN" sz="3600" dirty="0"/>
               <a:t>     of the Project</a:t>
             </a:r>
           </a:p>
@@ -17685,13 +16127,13 @@
   <p:clrMapOvr>
     <a:masterClrMapping/>
   </p:clrMapOvr>
-  <mc:AlternateContent xmlns:mc="http://schemas.openxmlformats.org/markup-compatibility/2006">
-    <mc:Choice xmlns:p159="http://schemas.microsoft.com/office/powerpoint/2015/09/main" Requires="p159">
+  <mc:AlternateContent xmlns:mc="http://schemas.openxmlformats.org/markup-compatibility/2006" xmlns:p159="http://schemas.microsoft.com/office/powerpoint/2015/09/main">
+    <mc:Choice Requires="p159">
       <p:transition xmlns:p14="http://schemas.microsoft.com/office/powerpoint/2010/main" spd="slow" p14:dur="2000">
         <p159:morph option="byObject"/>
       </p:transition>
     </mc:Choice>
-    <mc:Fallback>
+    <mc:Fallback xmlns="">
       <p:transition spd="slow">
         <p:fade/>
       </p:transition>
@@ -17738,13 +16180,13 @@
           <p:nvPr>
             <p:extLst>
               <p:ext uri="{D42A27DB-BD31-4B8C-83A1-F6EECF244321}">
-                <p14:modId xmlns:p14="http://schemas.microsoft.com/office/powerpoint/2010/main" val="682085734"/>
+                <p14:modId xmlns:p14="http://schemas.microsoft.com/office/powerpoint/2010/main" val="3099805816"/>
               </p:ext>
             </p:extLst>
           </p:nvPr>
         </p:nvGraphicFramePr>
         <p:xfrm>
-          <a:off x="4815840" y="1690688"/>
+          <a:off x="4754202" y="1185857"/>
           <a:ext cx="6537960" cy="4486275"/>
         </p:xfrm>
         <a:graphic>
@@ -17877,9 +16319,10 @@
           <a:lstStyle/>
           <a:p>
             <a:r>
-              <a:rPr lang="en-IN" sz="7200" dirty="0"/>
-              <a:t>A</a:t>
+              <a:rPr lang="en-IN" sz="7200"/>
+              <a:t>E</a:t>
             </a:r>
+            <a:endParaRPr lang="en-IN" sz="7200" dirty="0"/>
           </a:p>
         </p:txBody>
       </p:sp>
@@ -17912,9 +16355,10 @@
           <a:lstStyle/>
           <a:p>
             <a:r>
-              <a:rPr lang="en-IN" sz="4800" dirty="0"/>
+              <a:rPr lang="en-IN" sz="4800"/>
               <a:t>T</a:t>
             </a:r>
+            <a:endParaRPr lang="en-IN" sz="4800" dirty="0"/>
           </a:p>
         </p:txBody>
       </p:sp>
@@ -17947,9 +16391,10 @@
           <a:lstStyle/>
           <a:p>
             <a:r>
-              <a:rPr lang="en-IN" sz="4800" dirty="0"/>
+              <a:rPr lang="en-IN" sz="4800"/>
               <a:t>F</a:t>
             </a:r>
+            <a:endParaRPr lang="en-IN" sz="4800" dirty="0"/>
           </a:p>
         </p:txBody>
       </p:sp>
@@ -17982,9 +16427,10 @@
           <a:lstStyle/>
           <a:p>
             <a:r>
-              <a:rPr lang="en-IN" sz="4800" dirty="0"/>
+              <a:rPr lang="en-IN" sz="4800"/>
               <a:t>I</a:t>
             </a:r>
+            <a:endParaRPr lang="en-IN" sz="4800" dirty="0"/>
           </a:p>
         </p:txBody>
       </p:sp>
@@ -18017,9 +16463,10 @@
           <a:lstStyle/>
           <a:p>
             <a:r>
-              <a:rPr lang="en-IN" sz="4800" dirty="0"/>
+              <a:rPr lang="en-IN" sz="4800"/>
               <a:t>O</a:t>
             </a:r>
+            <a:endParaRPr lang="en-IN" sz="4800" dirty="0"/>
           </a:p>
         </p:txBody>
       </p:sp>
@@ -18041,18 +16488,22 @@
         </p:nvSpPr>
         <p:spPr>
           <a:xfrm>
-            <a:off x="1279688" y="2847611"/>
+            <a:off x="1172802" y="2891674"/>
             <a:ext cx="3581400" cy="1325563"/>
           </a:xfrm>
         </p:spPr>
         <p:txBody>
           <a:bodyPr vert="horz" lIns="91440" tIns="45720" rIns="91440" bIns="45720" rtlCol="0" anchor="ctr">
-            <a:normAutofit/>
+            <a:noAutofit/>
           </a:bodyPr>
           <a:lstStyle/>
           <a:p>
             <a:r>
-              <a:rPr lang="en-US" sz="5400" kern="1200" dirty="0" err="1">
+              <a:rPr lang="en-US" sz="4000"/>
+              <a:t>q</a:t>
+            </a:r>
+            <a:r>
+              <a:rPr lang="en-US" sz="4000" kern="1200">
                 <a:solidFill>
                   <a:schemeClr val="tx1"/>
                 </a:solidFill>
@@ -18060,9 +16511,9 @@
                 <a:ea typeface="+mj-ea"/>
                 <a:cs typeface="+mj-cs"/>
               </a:rPr>
-              <a:t>pplications</a:t>
+              <a:t>uipment/Tools</a:t>
             </a:r>
-            <a:endParaRPr lang="en-US" sz="5400" kern="1200" dirty="0">
+            <a:endParaRPr lang="en-US" sz="4000" kern="1200" dirty="0">
               <a:solidFill>
                 <a:schemeClr val="tx1"/>
               </a:solidFill>
@@ -18083,13 +16534,13 @@
   <p:clrMapOvr>
     <a:masterClrMapping/>
   </p:clrMapOvr>
-  <mc:AlternateContent xmlns:mc="http://schemas.openxmlformats.org/markup-compatibility/2006">
-    <mc:Choice xmlns:p159="http://schemas.microsoft.com/office/powerpoint/2015/09/main" Requires="p159">
+  <mc:AlternateContent xmlns:mc="http://schemas.openxmlformats.org/markup-compatibility/2006" xmlns:p159="http://schemas.microsoft.com/office/powerpoint/2015/09/main">
+    <mc:Choice Requires="p159">
       <p:transition xmlns:p14="http://schemas.microsoft.com/office/powerpoint/2010/main" spd="slow" p14:dur="2000">
         <p159:morph option="byObject"/>
       </p:transition>
     </mc:Choice>
-    <mc:Fallback>
+    <mc:Fallback xmlns="">
       <p:transition spd="slow">
         <p:fade/>
       </p:transition>
